--- a/Capstone3_presentation.pptx
+++ b/Capstone3_presentation.pptx
@@ -5,22 +5,21 @@
     <p:sldMasterId id="2147483648" r:id="rId1"/>
   </p:sldMasterIdLst>
   <p:notesMasterIdLst>
-    <p:notesMasterId r:id="rId15"/>
+    <p:notesMasterId r:id="rId14"/>
   </p:notesMasterIdLst>
   <p:sldIdLst>
     <p:sldId id="256" r:id="rId2"/>
     <p:sldId id="258" r:id="rId3"/>
     <p:sldId id="260" r:id="rId4"/>
     <p:sldId id="259" r:id="rId5"/>
-    <p:sldId id="261" r:id="rId6"/>
-    <p:sldId id="262" r:id="rId7"/>
-    <p:sldId id="263" r:id="rId8"/>
-    <p:sldId id="264" r:id="rId9"/>
-    <p:sldId id="265" r:id="rId10"/>
-    <p:sldId id="268" r:id="rId11"/>
-    <p:sldId id="267" r:id="rId12"/>
-    <p:sldId id="269" r:id="rId13"/>
-    <p:sldId id="270" r:id="rId14"/>
+    <p:sldId id="262" r:id="rId6"/>
+    <p:sldId id="263" r:id="rId7"/>
+    <p:sldId id="264" r:id="rId8"/>
+    <p:sldId id="265" r:id="rId9"/>
+    <p:sldId id="268" r:id="rId10"/>
+    <p:sldId id="267" r:id="rId11"/>
+    <p:sldId id="269" r:id="rId12"/>
+    <p:sldId id="270" r:id="rId13"/>
   </p:sldIdLst>
   <p:sldSz cx="12192000" cy="6858000"/>
   <p:notesSz cx="6858000" cy="9144000"/>
@@ -4543,8 +4542,8 @@
         <a:lstStyle/>
         <a:p>
           <a:r>
-            <a:rPr lang="en-US"/>
-            <a:t>The retirement onus is now on the individual whereas in previous generations retirement depending on the corporation via pensions</a:t>
+            <a:rPr lang="en-US" dirty="0"/>
+            <a:t>The retirement onus is now on the individual whereas in previous generations retirement depended on the corporation via pensions</a:t>
           </a:r>
         </a:p>
       </dgm:t>
@@ -4876,7 +4875,7 @@
   <dgm:whole/>
   <dgm:extLst>
     <a:ext uri="http://schemas.microsoft.com/office/drawing/2008/diagram">
-      <dsp:dataModelExt xmlns:dsp="http://schemas.microsoft.com/office/drawing/2008/diagram" relId="rId6" minVer="http://schemas.openxmlformats.org/drawingml/2006/diagram"/>
+      <dsp:dataModelExt xmlns:dsp="http://schemas.microsoft.com/office/drawing/2008/diagram" relId="rId7" minVer="http://schemas.openxmlformats.org/drawingml/2006/diagram"/>
     </a:ext>
   </dgm:extLst>
 </dgm:dataModel>
@@ -4904,6 +4903,9 @@
         <a:lstStyle/>
         <a:p>
           <a:pPr>
+            <a:lnSpc>
+              <a:spcPct val="100000"/>
+            </a:lnSpc>
             <a:defRPr b="1"/>
           </a:pPr>
           <a:r>
@@ -4942,6 +4944,11 @@
         <a:bodyPr/>
         <a:lstStyle/>
         <a:p>
+          <a:pPr>
+            <a:lnSpc>
+              <a:spcPct val="100000"/>
+            </a:lnSpc>
+          </a:pPr>
           <a:r>
             <a:rPr lang="en-US"/>
             <a:t>Many people provide anecdotal evidence against dividend investing from being burned (dividend cut) by a dividend payer in the past </a:t>
@@ -4979,6 +4986,9 @@
         <a:lstStyle/>
         <a:p>
           <a:pPr>
+            <a:lnSpc>
+              <a:spcPct val="100000"/>
+            </a:lnSpc>
             <a:defRPr b="1"/>
           </a:pPr>
           <a:r>
@@ -5017,6 +5027,11 @@
         <a:bodyPr/>
         <a:lstStyle/>
         <a:p>
+          <a:pPr>
+            <a:lnSpc>
+              <a:spcPct val="100000"/>
+            </a:lnSpc>
+          </a:pPr>
           <a:r>
             <a:rPr lang="en-US"/>
             <a:t>Examined 30-years of data across 6 different portfolios. Each portfolio had a different composition of companies.</a:t>
@@ -5054,8 +5069,8 @@
         <a:lstStyle/>
         <a:p>
           <a:r>
-            <a:rPr lang="en-US"/>
-            <a:t>Used dividend aristocrats for the dividend paying stocks</a:t>
+            <a:rPr lang="en-US" dirty="0"/>
+            <a:t>Used Dividend Aristocrats for the dividend paying stocks</a:t>
           </a:r>
         </a:p>
       </dgm:t>
@@ -5090,7 +5105,7 @@
         <a:lstStyle/>
         <a:p>
           <a:r>
-            <a:rPr lang="en-US"/>
+            <a:rPr lang="en-US" dirty="0"/>
             <a:t>Used SPY as the S&amp;P500 broad market index</a:t>
           </a:r>
         </a:p>
@@ -5108,6 +5123,42 @@
       </dgm:t>
     </dgm:pt>
     <dgm:pt modelId="{1F945479-D412-4373-B64D-C22CC88C3629}" type="sibTrans" cxnId="{A1193631-D4C9-4978-B754-AF0D03B9063F}">
+      <dgm:prSet/>
+      <dgm:spPr/>
+      <dgm:t>
+        <a:bodyPr/>
+        <a:lstStyle/>
+        <a:p>
+          <a:endParaRPr lang="en-US"/>
+        </a:p>
+      </dgm:t>
+    </dgm:pt>
+    <dgm:pt modelId="{699361A1-8485-2945-B7C0-008092A8147E}">
+      <dgm:prSet/>
+      <dgm:spPr/>
+      <dgm:t>
+        <a:bodyPr/>
+        <a:lstStyle/>
+        <a:p>
+          <a:r>
+            <a:rPr lang="en-US" dirty="0"/>
+            <a:t>Reinvested dividends and accounted for stock splits across all portfolios</a:t>
+          </a:r>
+        </a:p>
+      </dgm:t>
+    </dgm:pt>
+    <dgm:pt modelId="{1646A544-91A9-6443-A4D7-073765D3A440}" type="parTrans" cxnId="{985714DB-C671-8B42-924B-ACA27EC6265D}">
+      <dgm:prSet/>
+      <dgm:spPr/>
+      <dgm:t>
+        <a:bodyPr/>
+        <a:lstStyle/>
+        <a:p>
+          <a:endParaRPr lang="en-US"/>
+        </a:p>
+      </dgm:t>
+    </dgm:pt>
+    <dgm:pt modelId="{FB20B45B-FA1A-F24E-B74C-E69A7C96EE96}" type="sibTrans" cxnId="{985714DB-C671-8B42-924B-ACA27EC6265D}">
       <dgm:prSet/>
       <dgm:spPr/>
       <dgm:t>
@@ -5248,12 +5299,14 @@
     <dgm:cxn modelId="{0DF8E906-97AF-4AA4-94FA-6C9D291DFF00}" srcId="{D1D0686F-C69B-4482-83AA-489F165B7CBD}" destId="{F33F296B-AA6F-4EF7-A295-DF59C2B85D6F}" srcOrd="1" destOrd="0" parTransId="{85531DE0-904B-423F-AE5F-7433FCA84EDC}" sibTransId="{3C9400B9-C720-4DEC-ADFE-23F7FDB04A60}"/>
     <dgm:cxn modelId="{AEA54008-573A-4CA6-A64F-1A6C05A9AFF2}" type="presOf" srcId="{D1D0686F-C69B-4482-83AA-489F165B7CBD}" destId="{C7CD2B72-C836-4828-BE17-B32061094984}" srcOrd="0" destOrd="0" presId="urn:microsoft.com/office/officeart/2018/5/layout/CenteredIconLabelDescriptionList"/>
     <dgm:cxn modelId="{A1193631-D4C9-4978-B754-AF0D03B9063F}" srcId="{FEA2D69F-344A-4BA1-85C0-9E17B2DF9492}" destId="{C6BEF434-28A7-443E-A62F-40E61A00B2B6}" srcOrd="1" destOrd="0" parTransId="{20084B9F-1321-469F-A561-F0BD0951864C}" sibTransId="{1F945479-D412-4373-B64D-C22CC88C3629}"/>
+    <dgm:cxn modelId="{F4A8B444-BD4F-D642-A8EF-1553A735E91E}" type="presOf" srcId="{699361A1-8485-2945-B7C0-008092A8147E}" destId="{A180E557-FE78-4F75-AC0D-D62A88F778C9}" srcOrd="0" destOrd="3" presId="urn:microsoft.com/office/officeart/2018/5/layout/CenteredIconLabelDescriptionList"/>
     <dgm:cxn modelId="{9EFC9545-AE36-414A-B2DF-509B56FACD40}" type="presOf" srcId="{C6BEF434-28A7-443E-A62F-40E61A00B2B6}" destId="{A180E557-FE78-4F75-AC0D-D62A88F778C9}" srcOrd="0" destOrd="2" presId="urn:microsoft.com/office/officeart/2018/5/layout/CenteredIconLabelDescriptionList"/>
     <dgm:cxn modelId="{ABB48447-76D6-4BB1-A182-69FFA5482469}" type="presOf" srcId="{DCDB8EB7-1443-4A84-BA05-CFFDE112ACA1}" destId="{A180E557-FE78-4F75-AC0D-D62A88F778C9}" srcOrd="0" destOrd="1" presId="urn:microsoft.com/office/officeart/2018/5/layout/CenteredIconLabelDescriptionList"/>
     <dgm:cxn modelId="{46701348-3ED7-4CED-B234-A45F612A3E28}" type="presOf" srcId="{91699D84-8BAB-4AA2-953F-A98902A0CF86}" destId="{FCE09006-436A-4C14-98D7-03011F19D454}" srcOrd="0" destOrd="0" presId="urn:microsoft.com/office/officeart/2018/5/layout/CenteredIconLabelDescriptionList"/>
     <dgm:cxn modelId="{7C38EF49-A85A-4156-AF9D-1CFC261B9793}" srcId="{F33F296B-AA6F-4EF7-A295-DF59C2B85D6F}" destId="{FEA2D69F-344A-4BA1-85C0-9E17B2DF9492}" srcOrd="0" destOrd="0" parTransId="{B90D4C03-6045-40A2-8438-F70FAB004675}" sibTransId="{FDDF63BA-E9D3-4B3C-B8A5-98BBADE2681E}"/>
     <dgm:cxn modelId="{E112934E-B662-4C46-A1F9-629FC802F155}" type="presOf" srcId="{A9CE6B45-1285-48D5-BDE2-08B340AFEE84}" destId="{C5F65B23-5F7D-496D-BF79-5E5139EAA59F}" srcOrd="0" destOrd="0" presId="urn:microsoft.com/office/officeart/2018/5/layout/CenteredIconLabelDescriptionList"/>
     <dgm:cxn modelId="{B8992CCF-A217-4D65-BF52-ABF895DBA861}" srcId="{FEA2D69F-344A-4BA1-85C0-9E17B2DF9492}" destId="{DCDB8EB7-1443-4A84-BA05-CFFDE112ACA1}" srcOrd="0" destOrd="0" parTransId="{0E3493D6-3B56-49DB-8ED0-451D237DB586}" sibTransId="{2DE61C8C-3A02-451E-9B1C-B9483FCE8AA1}"/>
+    <dgm:cxn modelId="{985714DB-C671-8B42-924B-ACA27EC6265D}" srcId="{FEA2D69F-344A-4BA1-85C0-9E17B2DF9492}" destId="{699361A1-8485-2945-B7C0-008092A8147E}" srcOrd="2" destOrd="0" parTransId="{1646A544-91A9-6443-A4D7-073765D3A440}" sibTransId="{FB20B45B-FA1A-F24E-B74C-E69A7C96EE96}"/>
     <dgm:cxn modelId="{E742B0DC-9532-4779-9444-57D8A7297333}" srcId="{D1D0686F-C69B-4482-83AA-489F165B7CBD}" destId="{91699D84-8BAB-4AA2-953F-A98902A0CF86}" srcOrd="0" destOrd="0" parTransId="{036D8DA8-0173-4064-AE5A-17194232795A}" sibTransId="{80EF0938-5976-4EDE-AFC8-291E406560BF}"/>
     <dgm:cxn modelId="{79157BE1-6FBC-428F-87D5-2DB2E32EE25D}" type="presOf" srcId="{F33F296B-AA6F-4EF7-A295-DF59C2B85D6F}" destId="{ED55DA7A-0B1F-4FFB-B66E-25C271F1B1E8}" srcOrd="0" destOrd="0" presId="urn:microsoft.com/office/officeart/2018/5/layout/CenteredIconLabelDescriptionList"/>
     <dgm:cxn modelId="{D23459D4-1834-423A-9DED-DAE961FE68AE}" type="presParOf" srcId="{C7CD2B72-C836-4828-BE17-B32061094984}" destId="{C65D7346-0F53-4787-9BF9-D06114E29AB5}" srcOrd="0" destOrd="0" presId="urn:microsoft.com/office/officeart/2018/5/layout/CenteredIconLabelDescriptionList"/>
@@ -5487,7 +5540,7 @@
         <a:p>
           <a:r>
             <a:rPr lang="en-US"/>
-            <a:t>Accuracy: 89.45%</a:t>
+            <a:t>Accuracy: 90.91%</a:t>
           </a:r>
         </a:p>
       </dgm:t>
@@ -5523,7 +5576,7 @@
         <a:p>
           <a:r>
             <a:rPr lang="en-US" dirty="0"/>
-            <a:t>ROC-AUC: 0.85</a:t>
+            <a:t>ROC-AUC: 0.50</a:t>
           </a:r>
         </a:p>
       </dgm:t>
@@ -7028,8 +7081,8 @@
             <a:buNone/>
           </a:pPr>
           <a:r>
-            <a:rPr lang="en-US" sz="1900" kern="1200"/>
-            <a:t>The retirement onus is now on the individual whereas in previous generations retirement depending on the corporation via pensions</a:t>
+            <a:rPr lang="en-US" sz="1900" kern="1200" dirty="0"/>
+            <a:t>The retirement onus is now on the individual whereas in previous generations retirement depended on the corporation via pensions</a:t>
           </a:r>
         </a:p>
       </dsp:txBody>
@@ -7206,8 +7259,8 @@
       </dsp:nvSpPr>
       <dsp:spPr>
         <a:xfrm>
-          <a:off x="1963800" y="182869"/>
-          <a:ext cx="1512000" cy="1512000"/>
+          <a:off x="1967016" y="113688"/>
+          <a:ext cx="1510523" cy="1431591"/>
         </a:xfrm>
         <a:prstGeom prst="rect">
           <a:avLst/>
@@ -7256,8 +7309,8 @@
       </dsp:nvSpPr>
       <dsp:spPr>
         <a:xfrm>
-          <a:off x="559800" y="1866250"/>
-          <a:ext cx="4320000" cy="648000"/>
+          <a:off x="564387" y="1722610"/>
+          <a:ext cx="4315781" cy="613539"/>
         </a:xfrm>
         <a:prstGeom prst="rect">
           <a:avLst/>
@@ -7288,7 +7341,7 @@
         <a:p>
           <a:pPr marL="0" lvl="0" indent="0" algn="ctr" defTabSz="1333500">
             <a:lnSpc>
-              <a:spcPct val="90000"/>
+              <a:spcPct val="100000"/>
             </a:lnSpc>
             <a:spcBef>
               <a:spcPct val="0"/>
@@ -7306,8 +7359,8 @@
         </a:p>
       </dsp:txBody>
       <dsp:txXfrm>
-        <a:off x="559800" y="1866250"/>
-        <a:ext cx="4320000" cy="648000"/>
+        <a:off x="564387" y="1722610"/>
+        <a:ext cx="4315781" cy="613539"/>
       </dsp:txXfrm>
     </dsp:sp>
     <dsp:sp modelId="{C5F65B23-5F7D-496D-BF79-5E5139EAA59F}">
@@ -7317,8 +7370,8 @@
       </dsp:nvSpPr>
       <dsp:spPr>
         <a:xfrm>
-          <a:off x="559800" y="2593962"/>
-          <a:ext cx="4320000" cy="1574506"/>
+          <a:off x="564387" y="2418629"/>
+          <a:ext cx="4315781" cy="1819020"/>
         </a:xfrm>
         <a:prstGeom prst="rect">
           <a:avLst/>
@@ -7349,7 +7402,7 @@
         <a:p>
           <a:pPr marL="0" lvl="0" indent="0" algn="ctr" defTabSz="755650">
             <a:lnSpc>
-              <a:spcPct val="90000"/>
+              <a:spcPct val="100000"/>
             </a:lnSpc>
             <a:spcBef>
               <a:spcPct val="0"/>
@@ -7366,8 +7419,8 @@
         </a:p>
       </dsp:txBody>
       <dsp:txXfrm>
-        <a:off x="559800" y="2593962"/>
-        <a:ext cx="4320000" cy="1574506"/>
+        <a:off x="564387" y="2418629"/>
+        <a:ext cx="4315781" cy="1819020"/>
       </dsp:txXfrm>
     </dsp:sp>
     <dsp:sp modelId="{9F5F9275-3261-49E2-A10A-32254F2A0227}">
@@ -7377,8 +7430,8 @@
       </dsp:nvSpPr>
       <dsp:spPr>
         <a:xfrm>
-          <a:off x="7039800" y="182869"/>
-          <a:ext cx="1512000" cy="1512000"/>
+          <a:off x="7038059" y="113688"/>
+          <a:ext cx="1510523" cy="1431591"/>
         </a:xfrm>
         <a:prstGeom prst="rect">
           <a:avLst/>
@@ -7427,8 +7480,8 @@
       </dsp:nvSpPr>
       <dsp:spPr>
         <a:xfrm>
-          <a:off x="5635800" y="1866250"/>
-          <a:ext cx="4320000" cy="648000"/>
+          <a:off x="5635430" y="1722610"/>
+          <a:ext cx="4315781" cy="613539"/>
         </a:xfrm>
         <a:prstGeom prst="rect">
           <a:avLst/>
@@ -7459,7 +7512,7 @@
         <a:p>
           <a:pPr marL="0" lvl="0" indent="0" algn="ctr" defTabSz="1333500">
             <a:lnSpc>
-              <a:spcPct val="90000"/>
+              <a:spcPct val="100000"/>
             </a:lnSpc>
             <a:spcBef>
               <a:spcPct val="0"/>
@@ -7477,8 +7530,8 @@
         </a:p>
       </dsp:txBody>
       <dsp:txXfrm>
-        <a:off x="5635800" y="1866250"/>
-        <a:ext cx="4320000" cy="648000"/>
+        <a:off x="5635430" y="1722610"/>
+        <a:ext cx="4315781" cy="613539"/>
       </dsp:txXfrm>
     </dsp:sp>
     <dsp:sp modelId="{A180E557-FE78-4F75-AC0D-D62A88F778C9}">
@@ -7488,8 +7541,8 @@
       </dsp:nvSpPr>
       <dsp:spPr>
         <a:xfrm>
-          <a:off x="5635800" y="2593962"/>
-          <a:ext cx="4320000" cy="1574506"/>
+          <a:off x="5635430" y="2418629"/>
+          <a:ext cx="4315781" cy="1819020"/>
         </a:xfrm>
         <a:prstGeom prst="rect">
           <a:avLst/>
@@ -7520,7 +7573,7 @@
         <a:p>
           <a:pPr marL="0" lvl="0" indent="0" algn="l" defTabSz="755650">
             <a:lnSpc>
-              <a:spcPct val="90000"/>
+              <a:spcPct val="100000"/>
             </a:lnSpc>
             <a:spcBef>
               <a:spcPct val="0"/>
@@ -7549,8 +7602,8 @@
             <a:buChar char="•"/>
           </a:pPr>
           <a:r>
-            <a:rPr lang="en-US" sz="1700" kern="1200"/>
-            <a:t>Used dividend aristocrats for the dividend paying stocks</a:t>
+            <a:rPr lang="en-US" sz="1700" kern="1200" dirty="0"/>
+            <a:t>Used Dividend Aristocrats for the dividend paying stocks</a:t>
           </a:r>
         </a:p>
         <a:p>
@@ -7567,14 +7620,32 @@
             <a:buChar char="•"/>
           </a:pPr>
           <a:r>
-            <a:rPr lang="en-US" sz="1700" kern="1200"/>
+            <a:rPr lang="en-US" sz="1700" kern="1200" dirty="0"/>
             <a:t>Used SPY as the S&amp;P500 broad market index</a:t>
+          </a:r>
+        </a:p>
+        <a:p>
+          <a:pPr marL="171450" lvl="1" indent="-171450" algn="l" defTabSz="755650">
+            <a:lnSpc>
+              <a:spcPct val="90000"/>
+            </a:lnSpc>
+            <a:spcBef>
+              <a:spcPct val="0"/>
+            </a:spcBef>
+            <a:spcAft>
+              <a:spcPct val="15000"/>
+            </a:spcAft>
+            <a:buChar char="•"/>
+          </a:pPr>
+          <a:r>
+            <a:rPr lang="en-US" sz="1700" kern="1200" dirty="0"/>
+            <a:t>Reinvested dividends and accounted for stock splits across all portfolios</a:t>
           </a:r>
         </a:p>
       </dsp:txBody>
       <dsp:txXfrm>
-        <a:off x="5635800" y="2593962"/>
-        <a:ext cx="4320000" cy="1574506"/>
+        <a:off x="5635430" y="2418629"/>
+        <a:ext cx="4315781" cy="1819020"/>
       </dsp:txXfrm>
     </dsp:sp>
   </dsp:spTree>
@@ -8533,7 +8604,7 @@
           </a:pPr>
           <a:r>
             <a:rPr lang="en-US" sz="1900" kern="1200"/>
-            <a:t>Accuracy: 89.45%</a:t>
+            <a:t>Accuracy: 90.91%</a:t>
           </a:r>
         </a:p>
       </dsp:txBody>
@@ -8698,7 +8769,7 @@
           </a:pPr>
           <a:r>
             <a:rPr lang="en-US" sz="1900" kern="1200" dirty="0"/>
-            <a:t>ROC-AUC: 0.85</a:t>
+            <a:t>ROC-AUC: 0.50</a:t>
           </a:r>
         </a:p>
       </dsp:txBody>
@@ -16699,6 +16770,90 @@
           <a:bodyPr/>
           <a:lstStyle/>
           <a:p>
+            <a:endParaRPr lang="en-US" dirty="0"/>
+          </a:p>
+        </p:txBody>
+      </p:sp>
+      <p:sp>
+        <p:nvSpPr>
+          <p:cNvPr id="4" name="Slide Number Placeholder 3"/>
+          <p:cNvSpPr>
+            <a:spLocks noGrp="1"/>
+          </p:cNvSpPr>
+          <p:nvPr>
+            <p:ph type="sldNum" sz="quarter" idx="5"/>
+          </p:nvPr>
+        </p:nvSpPr>
+        <p:spPr/>
+        <p:txBody>
+          <a:bodyPr/>
+          <a:lstStyle/>
+          <a:p>
+            <a:fld id="{AA030EAD-892A-F744-98D4-B35C2C09F298}" type="slidenum">
+              <a:rPr lang="en-US" smtClean="0"/>
+              <a:t>3</a:t>
+            </a:fld>
+            <a:endParaRPr lang="en-US"/>
+          </a:p>
+        </p:txBody>
+      </p:sp>
+    </p:spTree>
+    <p:extLst>
+      <p:ext uri="{BB962C8B-B14F-4D97-AF65-F5344CB8AC3E}">
+        <p14:creationId xmlns:p14="http://schemas.microsoft.com/office/powerpoint/2010/main" val="542062408"/>
+      </p:ext>
+    </p:extLst>
+  </p:cSld>
+  <p:clrMapOvr>
+    <a:masterClrMapping/>
+  </p:clrMapOvr>
+</p:notes>
+</file>
+
+<file path=ppt/notesSlides/notesSlide3.xml><?xml version="1.0" encoding="utf-8"?>
+<p:notes xmlns:a="http://schemas.openxmlformats.org/drawingml/2006/main" xmlns:r="http://schemas.openxmlformats.org/officeDocument/2006/relationships" xmlns:p="http://schemas.openxmlformats.org/presentationml/2006/main">
+  <p:cSld>
+    <p:spTree>
+      <p:nvGrpSpPr>
+        <p:cNvPr id="1" name=""/>
+        <p:cNvGrpSpPr/>
+        <p:nvPr/>
+      </p:nvGrpSpPr>
+      <p:grpSpPr>
+        <a:xfrm>
+          <a:off x="0" y="0"/>
+          <a:ext cx="0" cy="0"/>
+          <a:chOff x="0" y="0"/>
+          <a:chExt cx="0" cy="0"/>
+        </a:xfrm>
+      </p:grpSpPr>
+      <p:sp>
+        <p:nvSpPr>
+          <p:cNvPr id="2" name="Slide Image Placeholder 1"/>
+          <p:cNvSpPr>
+            <a:spLocks noGrp="1" noRot="1" noChangeAspect="1"/>
+          </p:cNvSpPr>
+          <p:nvPr>
+            <p:ph type="sldImg"/>
+          </p:nvPr>
+        </p:nvSpPr>
+        <p:spPr/>
+      </p:sp>
+      <p:sp>
+        <p:nvSpPr>
+          <p:cNvPr id="3" name="Notes Placeholder 2"/>
+          <p:cNvSpPr>
+            <a:spLocks noGrp="1"/>
+          </p:cNvSpPr>
+          <p:nvPr>
+            <p:ph type="body" idx="1"/>
+          </p:nvPr>
+        </p:nvSpPr>
+        <p:spPr/>
+        <p:txBody>
+          <a:bodyPr/>
+          <a:lstStyle/>
+          <a:p>
             <a:pPr marL="228600" marR="0">
               <a:spcBef>
                 <a:spcPts val="0"/>
@@ -18014,7 +18169,7 @@
 </p:notes>
 </file>
 
-<file path=ppt/notesSlides/notesSlide3.xml><?xml version="1.0" encoding="utf-8"?>
+<file path=ppt/notesSlides/notesSlide4.xml><?xml version="1.0" encoding="utf-8"?>
 <p:notes xmlns:a="http://schemas.openxmlformats.org/drawingml/2006/main" xmlns:r="http://schemas.openxmlformats.org/officeDocument/2006/relationships" xmlns:p="http://schemas.openxmlformats.org/presentationml/2006/main">
   <p:cSld>
     <p:spTree>
@@ -18080,7 +18235,7 @@
             </a:r>
             <a:r>
               <a:rPr lang="en-US" dirty="0"/>
-              <a:t> Provides a more robust prediction for future Aristocrats, highlighting the importance of long-term financial health and dividend consistency.</a:t>
+              <a:t> Provides a less robust prediction for future Aristocrats, highlighting the importance of long-term financial health and dividend consistency.</a:t>
             </a:r>
           </a:p>
           <a:p>
@@ -18105,7 +18260,7 @@
           <a:p>
             <a:fld id="{AA030EAD-892A-F744-98D4-B35C2C09F298}" type="slidenum">
               <a:rPr lang="en-US" smtClean="0"/>
-              <a:t>9</a:t>
+              <a:t>8</a:t>
             </a:fld>
             <a:endParaRPr lang="en-US"/>
           </a:p>
@@ -21618,7 +21773,7 @@
             <a:pPr algn="l"/>
             <a:r>
               <a:rPr lang="en-US" sz="1600" dirty="0"/>
-              <a:t>9/19/23</a:t>
+              <a:t>9/19/24</a:t>
             </a:r>
           </a:p>
           <a:p>
@@ -21812,783 +21967,6 @@
 </file>
 
 <file path=ppt/slides/slide10.xml><?xml version="1.0" encoding="utf-8"?>
-<p:sld xmlns:a="http://schemas.openxmlformats.org/drawingml/2006/main" xmlns:r="http://schemas.openxmlformats.org/officeDocument/2006/relationships" xmlns:p="http://schemas.openxmlformats.org/presentationml/2006/main">
-  <p:cSld>
-    <p:bg>
-      <p:bgPr>
-        <a:solidFill>
-          <a:schemeClr val="bg1"/>
-        </a:solidFill>
-        <a:effectLst/>
-      </p:bgPr>
-    </p:bg>
-    <p:spTree>
-      <p:nvGrpSpPr>
-        <p:cNvPr id="1" name=""/>
-        <p:cNvGrpSpPr/>
-        <p:nvPr/>
-      </p:nvGrpSpPr>
-      <p:grpSpPr>
-        <a:xfrm>
-          <a:off x="0" y="0"/>
-          <a:ext cx="0" cy="0"/>
-          <a:chOff x="0" y="0"/>
-          <a:chExt cx="0" cy="0"/>
-        </a:xfrm>
-      </p:grpSpPr>
-      <p:sp useBgFill="1">
-        <p:nvSpPr>
-          <p:cNvPr id="9" name="Rectangle 8">
-            <a:extLst>
-              <a:ext uri="{FF2B5EF4-FFF2-40B4-BE49-F238E27FC236}">
-                <a16:creationId xmlns:a16="http://schemas.microsoft.com/office/drawing/2014/main" id="{35DB3719-6FDC-4E5D-891D-FF40B7300F64}"/>
-              </a:ext>
-              <a:ext uri="{C183D7F6-B498-43B3-948B-1728B52AA6E4}">
-                <adec:decorative xmlns:adec="http://schemas.microsoft.com/office/drawing/2017/decorative" val="1"/>
-              </a:ext>
-            </a:extLst>
-          </p:cNvPr>
-          <p:cNvSpPr>
-            <a:spLocks noGrp="1" noRot="1" noChangeAspect="1" noMove="1" noResize="1" noEditPoints="1" noAdjustHandles="1" noChangeArrowheads="1" noChangeShapeType="1" noTextEdit="1"/>
-          </p:cNvSpPr>
-          <p:nvPr>
-            <p:extLst>
-              <p:ext uri="{386F3935-93C4-4BCD-93E2-E3B085C9AB24}">
-                <p16:designElem xmlns:p16="http://schemas.microsoft.com/office/powerpoint/2015/main" val="1"/>
-              </p:ext>
-            </p:extLst>
-          </p:nvPr>
-        </p:nvSpPr>
-        <p:spPr>
-          <a:xfrm>
-            <a:off x="0" y="0"/>
-            <a:ext cx="12188952" cy="6858000"/>
-          </a:xfrm>
-          <a:prstGeom prst="rect">
-            <a:avLst/>
-          </a:prstGeom>
-          <a:ln>
-            <a:noFill/>
-          </a:ln>
-        </p:spPr>
-        <p:style>
-          <a:lnRef idx="2">
-            <a:schemeClr val="accent1">
-              <a:shade val="50000"/>
-            </a:schemeClr>
-          </a:lnRef>
-          <a:fillRef idx="1">
-            <a:schemeClr val="accent1"/>
-          </a:fillRef>
-          <a:effectRef idx="0">
-            <a:schemeClr val="accent1"/>
-          </a:effectRef>
-          <a:fontRef idx="minor">
-            <a:schemeClr val="lt1"/>
-          </a:fontRef>
-        </p:style>
-        <p:txBody>
-          <a:bodyPr rtlCol="0" anchor="ctr"/>
-          <a:lstStyle/>
-          <a:p>
-            <a:pPr algn="ctr"/>
-            <a:endParaRPr lang="en-US"/>
-          </a:p>
-        </p:txBody>
-      </p:sp>
-      <p:sp>
-        <p:nvSpPr>
-          <p:cNvPr id="2" name="Title 1">
-            <a:extLst>
-              <a:ext uri="{FF2B5EF4-FFF2-40B4-BE49-F238E27FC236}">
-                <a16:creationId xmlns:a16="http://schemas.microsoft.com/office/drawing/2014/main" id="{AA893D4A-4135-A9D7-11AF-2CA2DB3976FC}"/>
-              </a:ext>
-            </a:extLst>
-          </p:cNvPr>
-          <p:cNvSpPr>
-            <a:spLocks noGrp="1"/>
-          </p:cNvSpPr>
-          <p:nvPr>
-            <p:ph type="title"/>
-          </p:nvPr>
-        </p:nvSpPr>
-        <p:spPr>
-          <a:xfrm>
-            <a:off x="838200" y="365125"/>
-            <a:ext cx="10515600" cy="1325563"/>
-          </a:xfrm>
-        </p:spPr>
-        <p:txBody>
-          <a:bodyPr>
-            <a:normAutofit/>
-          </a:bodyPr>
-          <a:lstStyle/>
-          <a:p>
-            <a:r>
-              <a:rPr lang="en-US" sz="5400"/>
-              <a:t>Future Work and Next Steps</a:t>
-            </a:r>
-          </a:p>
-        </p:txBody>
-      </p:sp>
-      <p:sp>
-        <p:nvSpPr>
-          <p:cNvPr id="11" name="sketch line">
-            <a:extLst>
-              <a:ext uri="{FF2B5EF4-FFF2-40B4-BE49-F238E27FC236}">
-                <a16:creationId xmlns:a16="http://schemas.microsoft.com/office/drawing/2014/main" id="{E0CBAC23-2E3F-4A90-BA59-F8299F6A5439}"/>
-              </a:ext>
-              <a:ext uri="{C183D7F6-B498-43B3-948B-1728B52AA6E4}">
-                <adec:decorative xmlns:adec="http://schemas.microsoft.com/office/drawing/2017/decorative" val="1"/>
-              </a:ext>
-            </a:extLst>
-          </p:cNvPr>
-          <p:cNvSpPr>
-            <a:spLocks noGrp="1" noRot="1" noChangeAspect="1" noMove="1" noResize="1" noEditPoints="1" noAdjustHandles="1" noChangeArrowheads="1" noChangeShapeType="1" noTextEdit="1"/>
-          </p:cNvSpPr>
-          <p:nvPr>
-            <p:extLst>
-              <p:ext uri="{386F3935-93C4-4BCD-93E2-E3B085C9AB24}">
-                <p16:designElem xmlns:p16="http://schemas.microsoft.com/office/powerpoint/2015/main" val="1"/>
-              </p:ext>
-            </p:extLst>
-          </p:nvPr>
-        </p:nvSpPr>
-        <p:spPr>
-          <a:xfrm>
-            <a:off x="838200" y="1865313"/>
-            <a:ext cx="10424160" cy="18288"/>
-          </a:xfrm>
-          <a:custGeom>
-            <a:avLst/>
-            <a:gdLst>
-              <a:gd name="connsiteX0" fmla="*/ 0 w 10424160"/>
-              <a:gd name="connsiteY0" fmla="*/ 0 h 18288"/>
-              <a:gd name="connsiteX1" fmla="*/ 903427 w 10424160"/>
-              <a:gd name="connsiteY1" fmla="*/ 0 h 18288"/>
-              <a:gd name="connsiteX2" fmla="*/ 1389888 w 10424160"/>
-              <a:gd name="connsiteY2" fmla="*/ 0 h 18288"/>
-              <a:gd name="connsiteX3" fmla="*/ 2189074 w 10424160"/>
-              <a:gd name="connsiteY3" fmla="*/ 0 h 18288"/>
-              <a:gd name="connsiteX4" fmla="*/ 2675534 w 10424160"/>
-              <a:gd name="connsiteY4" fmla="*/ 0 h 18288"/>
-              <a:gd name="connsiteX5" fmla="*/ 3370478 w 10424160"/>
-              <a:gd name="connsiteY5" fmla="*/ 0 h 18288"/>
-              <a:gd name="connsiteX6" fmla="*/ 4169664 w 10424160"/>
-              <a:gd name="connsiteY6" fmla="*/ 0 h 18288"/>
-              <a:gd name="connsiteX7" fmla="*/ 4551883 w 10424160"/>
-              <a:gd name="connsiteY7" fmla="*/ 0 h 18288"/>
-              <a:gd name="connsiteX8" fmla="*/ 4934102 w 10424160"/>
-              <a:gd name="connsiteY8" fmla="*/ 0 h 18288"/>
-              <a:gd name="connsiteX9" fmla="*/ 5837530 w 10424160"/>
-              <a:gd name="connsiteY9" fmla="*/ 0 h 18288"/>
-              <a:gd name="connsiteX10" fmla="*/ 6532474 w 10424160"/>
-              <a:gd name="connsiteY10" fmla="*/ 0 h 18288"/>
-              <a:gd name="connsiteX11" fmla="*/ 6914693 w 10424160"/>
-              <a:gd name="connsiteY11" fmla="*/ 0 h 18288"/>
-              <a:gd name="connsiteX12" fmla="*/ 7609637 w 10424160"/>
-              <a:gd name="connsiteY12" fmla="*/ 0 h 18288"/>
-              <a:gd name="connsiteX13" fmla="*/ 8513064 w 10424160"/>
-              <a:gd name="connsiteY13" fmla="*/ 0 h 18288"/>
-              <a:gd name="connsiteX14" fmla="*/ 9103766 w 10424160"/>
-              <a:gd name="connsiteY14" fmla="*/ 0 h 18288"/>
-              <a:gd name="connsiteX15" fmla="*/ 9694469 w 10424160"/>
-              <a:gd name="connsiteY15" fmla="*/ 0 h 18288"/>
-              <a:gd name="connsiteX16" fmla="*/ 10424160 w 10424160"/>
-              <a:gd name="connsiteY16" fmla="*/ 0 h 18288"/>
-              <a:gd name="connsiteX17" fmla="*/ 10424160 w 10424160"/>
-              <a:gd name="connsiteY17" fmla="*/ 18288 h 18288"/>
-              <a:gd name="connsiteX18" fmla="*/ 9729216 w 10424160"/>
-              <a:gd name="connsiteY18" fmla="*/ 18288 h 18288"/>
-              <a:gd name="connsiteX19" fmla="*/ 8930030 w 10424160"/>
-              <a:gd name="connsiteY19" fmla="*/ 18288 h 18288"/>
-              <a:gd name="connsiteX20" fmla="*/ 8130845 w 10424160"/>
-              <a:gd name="connsiteY20" fmla="*/ 18288 h 18288"/>
-              <a:gd name="connsiteX21" fmla="*/ 7644384 w 10424160"/>
-              <a:gd name="connsiteY21" fmla="*/ 18288 h 18288"/>
-              <a:gd name="connsiteX22" fmla="*/ 6740957 w 10424160"/>
-              <a:gd name="connsiteY22" fmla="*/ 18288 h 18288"/>
-              <a:gd name="connsiteX23" fmla="*/ 6046013 w 10424160"/>
-              <a:gd name="connsiteY23" fmla="*/ 18288 h 18288"/>
-              <a:gd name="connsiteX24" fmla="*/ 5663794 w 10424160"/>
-              <a:gd name="connsiteY24" fmla="*/ 18288 h 18288"/>
-              <a:gd name="connsiteX25" fmla="*/ 4968850 w 10424160"/>
-              <a:gd name="connsiteY25" fmla="*/ 18288 h 18288"/>
-              <a:gd name="connsiteX26" fmla="*/ 4378147 w 10424160"/>
-              <a:gd name="connsiteY26" fmla="*/ 18288 h 18288"/>
-              <a:gd name="connsiteX27" fmla="*/ 3787445 w 10424160"/>
-              <a:gd name="connsiteY27" fmla="*/ 18288 h 18288"/>
-              <a:gd name="connsiteX28" fmla="*/ 3196742 w 10424160"/>
-              <a:gd name="connsiteY28" fmla="*/ 18288 h 18288"/>
-              <a:gd name="connsiteX29" fmla="*/ 2606040 w 10424160"/>
-              <a:gd name="connsiteY29" fmla="*/ 18288 h 18288"/>
-              <a:gd name="connsiteX30" fmla="*/ 1806854 w 10424160"/>
-              <a:gd name="connsiteY30" fmla="*/ 18288 h 18288"/>
-              <a:gd name="connsiteX31" fmla="*/ 1111910 w 10424160"/>
-              <a:gd name="connsiteY31" fmla="*/ 18288 h 18288"/>
-              <a:gd name="connsiteX32" fmla="*/ 729691 w 10424160"/>
-              <a:gd name="connsiteY32" fmla="*/ 18288 h 18288"/>
-              <a:gd name="connsiteX33" fmla="*/ 0 w 10424160"/>
-              <a:gd name="connsiteY33" fmla="*/ 18288 h 18288"/>
-              <a:gd name="connsiteX34" fmla="*/ 0 w 10424160"/>
-              <a:gd name="connsiteY34" fmla="*/ 0 h 18288"/>
-            </a:gdLst>
-            <a:ahLst/>
-            <a:cxnLst>
-              <a:cxn ang="0">
-                <a:pos x="connsiteX0" y="connsiteY0"/>
-              </a:cxn>
-              <a:cxn ang="0">
-                <a:pos x="connsiteX1" y="connsiteY1"/>
-              </a:cxn>
-              <a:cxn ang="0">
-                <a:pos x="connsiteX2" y="connsiteY2"/>
-              </a:cxn>
-              <a:cxn ang="0">
-                <a:pos x="connsiteX3" y="connsiteY3"/>
-              </a:cxn>
-              <a:cxn ang="0">
-                <a:pos x="connsiteX4" y="connsiteY4"/>
-              </a:cxn>
-              <a:cxn ang="0">
-                <a:pos x="connsiteX5" y="connsiteY5"/>
-              </a:cxn>
-              <a:cxn ang="0">
-                <a:pos x="connsiteX6" y="connsiteY6"/>
-              </a:cxn>
-              <a:cxn ang="0">
-                <a:pos x="connsiteX7" y="connsiteY7"/>
-              </a:cxn>
-              <a:cxn ang="0">
-                <a:pos x="connsiteX8" y="connsiteY8"/>
-              </a:cxn>
-              <a:cxn ang="0">
-                <a:pos x="connsiteX9" y="connsiteY9"/>
-              </a:cxn>
-              <a:cxn ang="0">
-                <a:pos x="connsiteX10" y="connsiteY10"/>
-              </a:cxn>
-              <a:cxn ang="0">
-                <a:pos x="connsiteX11" y="connsiteY11"/>
-              </a:cxn>
-              <a:cxn ang="0">
-                <a:pos x="connsiteX12" y="connsiteY12"/>
-              </a:cxn>
-              <a:cxn ang="0">
-                <a:pos x="connsiteX13" y="connsiteY13"/>
-              </a:cxn>
-              <a:cxn ang="0">
-                <a:pos x="connsiteX14" y="connsiteY14"/>
-              </a:cxn>
-              <a:cxn ang="0">
-                <a:pos x="connsiteX15" y="connsiteY15"/>
-              </a:cxn>
-              <a:cxn ang="0">
-                <a:pos x="connsiteX16" y="connsiteY16"/>
-              </a:cxn>
-              <a:cxn ang="0">
-                <a:pos x="connsiteX17" y="connsiteY17"/>
-              </a:cxn>
-              <a:cxn ang="0">
-                <a:pos x="connsiteX18" y="connsiteY18"/>
-              </a:cxn>
-              <a:cxn ang="0">
-                <a:pos x="connsiteX19" y="connsiteY19"/>
-              </a:cxn>
-              <a:cxn ang="0">
-                <a:pos x="connsiteX20" y="connsiteY20"/>
-              </a:cxn>
-              <a:cxn ang="0">
-                <a:pos x="connsiteX21" y="connsiteY21"/>
-              </a:cxn>
-              <a:cxn ang="0">
-                <a:pos x="connsiteX22" y="connsiteY22"/>
-              </a:cxn>
-              <a:cxn ang="0">
-                <a:pos x="connsiteX23" y="connsiteY23"/>
-              </a:cxn>
-              <a:cxn ang="0">
-                <a:pos x="connsiteX24" y="connsiteY24"/>
-              </a:cxn>
-              <a:cxn ang="0">
-                <a:pos x="connsiteX25" y="connsiteY25"/>
-              </a:cxn>
-              <a:cxn ang="0">
-                <a:pos x="connsiteX26" y="connsiteY26"/>
-              </a:cxn>
-              <a:cxn ang="0">
-                <a:pos x="connsiteX27" y="connsiteY27"/>
-              </a:cxn>
-              <a:cxn ang="0">
-                <a:pos x="connsiteX28" y="connsiteY28"/>
-              </a:cxn>
-              <a:cxn ang="0">
-                <a:pos x="connsiteX29" y="connsiteY29"/>
-              </a:cxn>
-              <a:cxn ang="0">
-                <a:pos x="connsiteX30" y="connsiteY30"/>
-              </a:cxn>
-              <a:cxn ang="0">
-                <a:pos x="connsiteX31" y="connsiteY31"/>
-              </a:cxn>
-              <a:cxn ang="0">
-                <a:pos x="connsiteX32" y="connsiteY32"/>
-              </a:cxn>
-              <a:cxn ang="0">
-                <a:pos x="connsiteX33" y="connsiteY33"/>
-              </a:cxn>
-              <a:cxn ang="0">
-                <a:pos x="connsiteX34" y="connsiteY34"/>
-              </a:cxn>
-            </a:cxnLst>
-            <a:rect l="l" t="t" r="r" b="b"/>
-            <a:pathLst>
-              <a:path w="10424160" h="18288" fill="none" extrusionOk="0">
-                <a:moveTo>
-                  <a:pt x="0" y="0"/>
-                </a:moveTo>
-                <a:cubicBezTo>
-                  <a:pt x="251416" y="-3874"/>
-                  <a:pt x="479411" y="-20508"/>
-                  <a:pt x="903427" y="0"/>
-                </a:cubicBezTo>
-                <a:cubicBezTo>
-                  <a:pt x="1327443" y="20508"/>
-                  <a:pt x="1177990" y="-7387"/>
-                  <a:pt x="1389888" y="0"/>
-                </a:cubicBezTo>
-                <a:cubicBezTo>
-                  <a:pt x="1601786" y="7387"/>
-                  <a:pt x="1928602" y="-6697"/>
-                  <a:pt x="2189074" y="0"/>
-                </a:cubicBezTo>
-                <a:cubicBezTo>
-                  <a:pt x="2449546" y="6697"/>
-                  <a:pt x="2440085" y="-21144"/>
-                  <a:pt x="2675534" y="0"/>
-                </a:cubicBezTo>
-                <a:cubicBezTo>
-                  <a:pt x="2910983" y="21144"/>
-                  <a:pt x="3026158" y="-11124"/>
-                  <a:pt x="3370478" y="0"/>
-                </a:cubicBezTo>
-                <a:cubicBezTo>
-                  <a:pt x="3714798" y="11124"/>
-                  <a:pt x="3864539" y="-10660"/>
-                  <a:pt x="4169664" y="0"/>
-                </a:cubicBezTo>
-                <a:cubicBezTo>
-                  <a:pt x="4474789" y="10660"/>
-                  <a:pt x="4471218" y="16488"/>
-                  <a:pt x="4551883" y="0"/>
-                </a:cubicBezTo>
-                <a:cubicBezTo>
-                  <a:pt x="4632548" y="-16488"/>
-                  <a:pt x="4786830" y="7986"/>
-                  <a:pt x="4934102" y="0"/>
-                </a:cubicBezTo>
-                <a:cubicBezTo>
-                  <a:pt x="5081374" y="-7986"/>
-                  <a:pt x="5575881" y="-33003"/>
-                  <a:pt x="5837530" y="0"/>
-                </a:cubicBezTo>
-                <a:cubicBezTo>
-                  <a:pt x="6099179" y="33003"/>
-                  <a:pt x="6305895" y="14170"/>
-                  <a:pt x="6532474" y="0"/>
-                </a:cubicBezTo>
-                <a:cubicBezTo>
-                  <a:pt x="6759053" y="-14170"/>
-                  <a:pt x="6726707" y="16121"/>
-                  <a:pt x="6914693" y="0"/>
-                </a:cubicBezTo>
-                <a:cubicBezTo>
-                  <a:pt x="7102679" y="-16121"/>
-                  <a:pt x="7397857" y="32594"/>
-                  <a:pt x="7609637" y="0"/>
-                </a:cubicBezTo>
-                <a:cubicBezTo>
-                  <a:pt x="7821417" y="-32594"/>
-                  <a:pt x="8141235" y="-3745"/>
-                  <a:pt x="8513064" y="0"/>
-                </a:cubicBezTo>
-                <a:cubicBezTo>
-                  <a:pt x="8884893" y="3745"/>
-                  <a:pt x="8877548" y="3359"/>
-                  <a:pt x="9103766" y="0"/>
-                </a:cubicBezTo>
-                <a:cubicBezTo>
-                  <a:pt x="9329984" y="-3359"/>
-                  <a:pt x="9545570" y="-17843"/>
-                  <a:pt x="9694469" y="0"/>
-                </a:cubicBezTo>
-                <a:cubicBezTo>
-                  <a:pt x="9843368" y="17843"/>
-                  <a:pt x="10162477" y="-1217"/>
-                  <a:pt x="10424160" y="0"/>
-                </a:cubicBezTo>
-                <a:cubicBezTo>
-                  <a:pt x="10424498" y="7640"/>
-                  <a:pt x="10423710" y="11289"/>
-                  <a:pt x="10424160" y="18288"/>
-                </a:cubicBezTo>
-                <a:cubicBezTo>
-                  <a:pt x="10184680" y="20716"/>
-                  <a:pt x="10034768" y="-9357"/>
-                  <a:pt x="9729216" y="18288"/>
-                </a:cubicBezTo>
-                <a:cubicBezTo>
-                  <a:pt x="9423664" y="45933"/>
-                  <a:pt x="9309220" y="36372"/>
-                  <a:pt x="8930030" y="18288"/>
-                </a:cubicBezTo>
-                <a:cubicBezTo>
-                  <a:pt x="8550840" y="204"/>
-                  <a:pt x="8513376" y="34707"/>
-                  <a:pt x="8130845" y="18288"/>
-                </a:cubicBezTo>
-                <a:cubicBezTo>
-                  <a:pt x="7748315" y="1869"/>
-                  <a:pt x="7864674" y="19659"/>
-                  <a:pt x="7644384" y="18288"/>
-                </a:cubicBezTo>
-                <a:cubicBezTo>
-                  <a:pt x="7424094" y="16917"/>
-                  <a:pt x="6947001" y="55680"/>
-                  <a:pt x="6740957" y="18288"/>
-                </a:cubicBezTo>
-                <a:cubicBezTo>
-                  <a:pt x="6534913" y="-19104"/>
-                  <a:pt x="6313809" y="33391"/>
-                  <a:pt x="6046013" y="18288"/>
-                </a:cubicBezTo>
-                <a:cubicBezTo>
-                  <a:pt x="5778217" y="3185"/>
-                  <a:pt x="5786775" y="1439"/>
-                  <a:pt x="5663794" y="18288"/>
-                </a:cubicBezTo>
-                <a:cubicBezTo>
-                  <a:pt x="5540813" y="35137"/>
-                  <a:pt x="5204724" y="25434"/>
-                  <a:pt x="4968850" y="18288"/>
-                </a:cubicBezTo>
-                <a:cubicBezTo>
-                  <a:pt x="4732976" y="11142"/>
-                  <a:pt x="4559928" y="34568"/>
-                  <a:pt x="4378147" y="18288"/>
-                </a:cubicBezTo>
-                <a:cubicBezTo>
-                  <a:pt x="4196366" y="2008"/>
-                  <a:pt x="3992200" y="35409"/>
-                  <a:pt x="3787445" y="18288"/>
-                </a:cubicBezTo>
-                <a:cubicBezTo>
-                  <a:pt x="3582690" y="1167"/>
-                  <a:pt x="3488876" y="-7583"/>
-                  <a:pt x="3196742" y="18288"/>
-                </a:cubicBezTo>
-                <a:cubicBezTo>
-                  <a:pt x="2904608" y="44159"/>
-                  <a:pt x="2729828" y="45906"/>
-                  <a:pt x="2606040" y="18288"/>
-                </a:cubicBezTo>
-                <a:cubicBezTo>
-                  <a:pt x="2482252" y="-9330"/>
-                  <a:pt x="2000672" y="-5498"/>
-                  <a:pt x="1806854" y="18288"/>
-                </a:cubicBezTo>
-                <a:cubicBezTo>
-                  <a:pt x="1613036" y="42074"/>
-                  <a:pt x="1310933" y="-4240"/>
-                  <a:pt x="1111910" y="18288"/>
-                </a:cubicBezTo>
-                <a:cubicBezTo>
-                  <a:pt x="912887" y="40816"/>
-                  <a:pt x="891560" y="1701"/>
-                  <a:pt x="729691" y="18288"/>
-                </a:cubicBezTo>
-                <a:cubicBezTo>
-                  <a:pt x="567822" y="34875"/>
-                  <a:pt x="203025" y="34462"/>
-                  <a:pt x="0" y="18288"/>
-                </a:cubicBezTo>
-                <a:cubicBezTo>
-                  <a:pt x="-82" y="11708"/>
-                  <a:pt x="-178" y="8956"/>
-                  <a:pt x="0" y="0"/>
-                </a:cubicBezTo>
-                <a:close/>
-              </a:path>
-              <a:path w="10424160" h="18288" stroke="0" extrusionOk="0">
-                <a:moveTo>
-                  <a:pt x="0" y="0"/>
-                </a:moveTo>
-                <a:cubicBezTo>
-                  <a:pt x="119910" y="17195"/>
-                  <a:pt x="345032" y="1652"/>
-                  <a:pt x="590702" y="0"/>
-                </a:cubicBezTo>
-                <a:cubicBezTo>
-                  <a:pt x="836372" y="-1652"/>
-                  <a:pt x="830717" y="-10944"/>
-                  <a:pt x="972922" y="0"/>
-                </a:cubicBezTo>
-                <a:cubicBezTo>
-                  <a:pt x="1115127" y="10944"/>
-                  <a:pt x="1638708" y="17269"/>
-                  <a:pt x="1876349" y="0"/>
-                </a:cubicBezTo>
-                <a:cubicBezTo>
-                  <a:pt x="2113990" y="-17269"/>
-                  <a:pt x="2263529" y="27642"/>
-                  <a:pt x="2467051" y="0"/>
-                </a:cubicBezTo>
-                <a:cubicBezTo>
-                  <a:pt x="2670573" y="-27642"/>
-                  <a:pt x="2867743" y="-1552"/>
-                  <a:pt x="3057754" y="0"/>
-                </a:cubicBezTo>
-                <a:cubicBezTo>
-                  <a:pt x="3247765" y="1552"/>
-                  <a:pt x="3729099" y="45169"/>
-                  <a:pt x="3961181" y="0"/>
-                </a:cubicBezTo>
-                <a:cubicBezTo>
-                  <a:pt x="4193263" y="-45169"/>
-                  <a:pt x="4313735" y="4067"/>
-                  <a:pt x="4447642" y="0"/>
-                </a:cubicBezTo>
-                <a:cubicBezTo>
-                  <a:pt x="4581549" y="-4067"/>
-                  <a:pt x="5123626" y="11867"/>
-                  <a:pt x="5351069" y="0"/>
-                </a:cubicBezTo>
-                <a:cubicBezTo>
-                  <a:pt x="5578512" y="-11867"/>
-                  <a:pt x="6044105" y="-19983"/>
-                  <a:pt x="6254496" y="0"/>
-                </a:cubicBezTo>
-                <a:cubicBezTo>
-                  <a:pt x="6464887" y="19983"/>
-                  <a:pt x="6664731" y="4232"/>
-                  <a:pt x="6949440" y="0"/>
-                </a:cubicBezTo>
-                <a:cubicBezTo>
-                  <a:pt x="7234149" y="-4232"/>
-                  <a:pt x="7497205" y="28731"/>
-                  <a:pt x="7852867" y="0"/>
-                </a:cubicBezTo>
-                <a:cubicBezTo>
-                  <a:pt x="8208529" y="-28731"/>
-                  <a:pt x="8287556" y="2616"/>
-                  <a:pt x="8443570" y="0"/>
-                </a:cubicBezTo>
-                <a:cubicBezTo>
-                  <a:pt x="8599584" y="-2616"/>
-                  <a:pt x="8871283" y="-14113"/>
-                  <a:pt x="9034272" y="0"/>
-                </a:cubicBezTo>
-                <a:cubicBezTo>
-                  <a:pt x="9197261" y="14113"/>
-                  <a:pt x="9604978" y="-35623"/>
-                  <a:pt x="9833458" y="0"/>
-                </a:cubicBezTo>
-                <a:cubicBezTo>
-                  <a:pt x="10061938" y="35623"/>
-                  <a:pt x="10231944" y="-8194"/>
-                  <a:pt x="10424160" y="0"/>
-                </a:cubicBezTo>
-                <a:cubicBezTo>
-                  <a:pt x="10424285" y="4395"/>
-                  <a:pt x="10424085" y="9776"/>
-                  <a:pt x="10424160" y="18288"/>
-                </a:cubicBezTo>
-                <a:cubicBezTo>
-                  <a:pt x="10058736" y="-5772"/>
-                  <a:pt x="9942989" y="-18764"/>
-                  <a:pt x="9624974" y="18288"/>
-                </a:cubicBezTo>
-                <a:cubicBezTo>
-                  <a:pt x="9306959" y="55340"/>
-                  <a:pt x="9229263" y="24995"/>
-                  <a:pt x="8930030" y="18288"/>
-                </a:cubicBezTo>
-                <a:cubicBezTo>
-                  <a:pt x="8630797" y="11581"/>
-                  <a:pt x="8647263" y="10931"/>
-                  <a:pt x="8547811" y="18288"/>
-                </a:cubicBezTo>
-                <a:cubicBezTo>
-                  <a:pt x="8448359" y="25645"/>
-                  <a:pt x="8173221" y="219"/>
-                  <a:pt x="8061350" y="18288"/>
-                </a:cubicBezTo>
-                <a:cubicBezTo>
-                  <a:pt x="7949479" y="36357"/>
-                  <a:pt x="7437002" y="17516"/>
-                  <a:pt x="7157923" y="18288"/>
-                </a:cubicBezTo>
-                <a:cubicBezTo>
-                  <a:pt x="6878844" y="19060"/>
-                  <a:pt x="6610241" y="8864"/>
-                  <a:pt x="6462979" y="18288"/>
-                </a:cubicBezTo>
-                <a:cubicBezTo>
-                  <a:pt x="6315717" y="27712"/>
-                  <a:pt x="6124879" y="4989"/>
-                  <a:pt x="5976518" y="18288"/>
-                </a:cubicBezTo>
-                <a:cubicBezTo>
-                  <a:pt x="5828157" y="31587"/>
-                  <a:pt x="5566880" y="7112"/>
-                  <a:pt x="5281574" y="18288"/>
-                </a:cubicBezTo>
-                <a:cubicBezTo>
-                  <a:pt x="4996268" y="29464"/>
-                  <a:pt x="5085614" y="20493"/>
-                  <a:pt x="4899355" y="18288"/>
-                </a:cubicBezTo>
-                <a:cubicBezTo>
-                  <a:pt x="4713096" y="16083"/>
-                  <a:pt x="4606138" y="34359"/>
-                  <a:pt x="4517136" y="18288"/>
-                </a:cubicBezTo>
-                <a:cubicBezTo>
-                  <a:pt x="4428134" y="2217"/>
-                  <a:pt x="4125335" y="52414"/>
-                  <a:pt x="3822192" y="18288"/>
-                </a:cubicBezTo>
-                <a:cubicBezTo>
-                  <a:pt x="3519049" y="-15838"/>
-                  <a:pt x="3453132" y="3859"/>
-                  <a:pt x="3335731" y="18288"/>
-                </a:cubicBezTo>
-                <a:cubicBezTo>
-                  <a:pt x="3218330" y="32717"/>
-                  <a:pt x="2718749" y="-13936"/>
-                  <a:pt x="2536546" y="18288"/>
-                </a:cubicBezTo>
-                <a:cubicBezTo>
-                  <a:pt x="2354343" y="50512"/>
-                  <a:pt x="2190669" y="3238"/>
-                  <a:pt x="2050085" y="18288"/>
-                </a:cubicBezTo>
-                <a:cubicBezTo>
-                  <a:pt x="1909501" y="33338"/>
-                  <a:pt x="1520975" y="3062"/>
-                  <a:pt x="1250899" y="18288"/>
-                </a:cubicBezTo>
-                <a:cubicBezTo>
-                  <a:pt x="980823" y="33514"/>
-                  <a:pt x="992936" y="28036"/>
-                  <a:pt x="868680" y="18288"/>
-                </a:cubicBezTo>
-                <a:cubicBezTo>
-                  <a:pt x="744424" y="8540"/>
-                  <a:pt x="230364" y="33365"/>
-                  <a:pt x="0" y="18288"/>
-                </a:cubicBezTo>
-                <a:cubicBezTo>
-                  <a:pt x="-504" y="12101"/>
-                  <a:pt x="-591" y="7719"/>
-                  <a:pt x="0" y="0"/>
-                </a:cubicBezTo>
-                <a:close/>
-              </a:path>
-            </a:pathLst>
-          </a:custGeom>
-          <a:solidFill>
-            <a:schemeClr val="accent2"/>
-          </a:solidFill>
-          <a:ln w="41275" cap="rnd">
-            <a:solidFill>
-              <a:schemeClr val="accent2"/>
-            </a:solidFill>
-            <a:round/>
-            <a:extLst>
-              <a:ext uri="{C807C97D-BFC1-408E-A445-0C87EB9F89A2}">
-                <ask:lineSketchStyleProps xmlns:ask="http://schemas.microsoft.com/office/drawing/2018/sketchyshapes" sd="1219033472">
-                  <a:prstGeom prst="rect">
-                    <a:avLst/>
-                  </a:prstGeom>
-                  <ask:type>
-                    <ask:lineSketchFreehand/>
-                  </ask:type>
-                </ask:lineSketchStyleProps>
-              </a:ext>
-            </a:extLst>
-          </a:ln>
-        </p:spPr>
-        <p:style>
-          <a:lnRef idx="2">
-            <a:schemeClr val="accent1">
-              <a:shade val="50000"/>
-            </a:schemeClr>
-          </a:lnRef>
-          <a:fillRef idx="1">
-            <a:schemeClr val="accent1"/>
-          </a:fillRef>
-          <a:effectRef idx="0">
-            <a:schemeClr val="accent1"/>
-          </a:effectRef>
-          <a:fontRef idx="minor">
-            <a:schemeClr val="lt1"/>
-          </a:fontRef>
-        </p:style>
-        <p:txBody>
-          <a:bodyPr rtlCol="0" anchor="ctr"/>
-          <a:lstStyle/>
-          <a:p>
-            <a:pPr algn="ctr"/>
-            <a:endParaRPr lang="en-US"/>
-          </a:p>
-        </p:txBody>
-      </p:sp>
-      <p:graphicFrame>
-        <p:nvGraphicFramePr>
-          <p:cNvPr id="5" name="Content Placeholder 2">
-            <a:extLst>
-              <a:ext uri="{FF2B5EF4-FFF2-40B4-BE49-F238E27FC236}">
-                <a16:creationId xmlns:a16="http://schemas.microsoft.com/office/drawing/2014/main" id="{9C5E0343-6524-0319-9CE1-C5C4B3D823D1}"/>
-              </a:ext>
-            </a:extLst>
-          </p:cNvPr>
-          <p:cNvGraphicFramePr>
-            <a:graphicFrameLocks noGrp="1"/>
-          </p:cNvGraphicFramePr>
-          <p:nvPr>
-            <p:ph idx="1"/>
-            <p:extLst>
-              <p:ext uri="{D42A27DB-BD31-4B8C-83A1-F6EECF244321}">
-                <p14:modId xmlns:p14="http://schemas.microsoft.com/office/powerpoint/2010/main" val="1698152717"/>
-              </p:ext>
-            </p:extLst>
-          </p:nvPr>
-        </p:nvGraphicFramePr>
-        <p:xfrm>
-          <a:off x="838200" y="2228087"/>
-          <a:ext cx="10515600" cy="3948876"/>
-        </p:xfrm>
-        <a:graphic>
-          <a:graphicData uri="http://schemas.openxmlformats.org/drawingml/2006/diagram">
-            <dgm:relIds xmlns:dgm="http://schemas.openxmlformats.org/drawingml/2006/diagram" xmlns:r="http://schemas.openxmlformats.org/officeDocument/2006/relationships" r:dm="rId2" r:lo="rId3" r:qs="rId4" r:cs="rId5"/>
-          </a:graphicData>
-        </a:graphic>
-      </p:graphicFrame>
-    </p:spTree>
-    <p:extLst>
-      <p:ext uri="{BB962C8B-B14F-4D97-AF65-F5344CB8AC3E}">
-        <p14:creationId xmlns:p14="http://schemas.microsoft.com/office/powerpoint/2010/main" val="1379427912"/>
-      </p:ext>
-    </p:extLst>
-  </p:cSld>
-  <p:clrMapOvr>
-    <a:masterClrMapping/>
-  </p:clrMapOvr>
-</p:sld>
-</file>
-
-<file path=ppt/slides/slide11.xml><?xml version="1.0" encoding="utf-8"?>
 <p:sld xmlns:a="http://schemas.openxmlformats.org/drawingml/2006/main" xmlns:r="http://schemas.openxmlformats.org/officeDocument/2006/relationships" xmlns:p="http://schemas.openxmlformats.org/presentationml/2006/main">
   <p:cSld>
     <p:bg>
@@ -22819,7 +22197,7 @@
 </p:sld>
 </file>
 
-<file path=ppt/slides/slide12.xml><?xml version="1.0" encoding="utf-8"?>
+<file path=ppt/slides/slide11.xml><?xml version="1.0" encoding="utf-8"?>
 <p:sld xmlns:a="http://schemas.openxmlformats.org/drawingml/2006/main" xmlns:r="http://schemas.openxmlformats.org/officeDocument/2006/relationships" xmlns:p="http://schemas.openxmlformats.org/presentationml/2006/main">
   <p:cSld>
     <p:bg>
@@ -23372,7 +22750,7 @@
 </p:sld>
 </file>
 
-<file path=ppt/slides/slide13.xml><?xml version="1.0" encoding="utf-8"?>
+<file path=ppt/slides/slide12.xml><?xml version="1.0" encoding="utf-8"?>
 <p:sld xmlns:a="http://schemas.openxmlformats.org/drawingml/2006/main" xmlns:r="http://schemas.openxmlformats.org/officeDocument/2006/relationships" xmlns:p="http://schemas.openxmlformats.org/presentationml/2006/main">
   <p:cSld>
     <p:bg>
@@ -24211,35 +23589,38 @@
           </a:bodyPr>
           <a:lstStyle/>
           <a:p>
+            <a:pPr marL="0" indent="0">
+              <a:buNone/>
+            </a:pPr>
             <a:r>
-              <a:rPr lang="en-US" sz="2000"/>
+              <a:rPr lang="en-US" sz="2000" dirty="0"/>
               <a:t>Index Investing Strategy</a:t>
             </a:r>
           </a:p>
           <a:p>
             <a:pPr lvl="1"/>
             <a:r>
-              <a:rPr lang="en-US" sz="2000"/>
+              <a:rPr lang="en-US" sz="2000" dirty="0"/>
               <a:t>Investing in a broad market index (e.g., S&amp;P500) to mirror its performance</a:t>
             </a:r>
           </a:p>
           <a:p>
             <a:pPr lvl="1"/>
             <a:r>
-              <a:rPr lang="en-US" sz="2000"/>
+              <a:rPr lang="en-US" sz="2000" dirty="0"/>
               <a:t>Capture market returns with minimal management (passively traded)</a:t>
             </a:r>
           </a:p>
           <a:p>
             <a:pPr lvl="1"/>
             <a:r>
-              <a:rPr lang="en-US" sz="2000"/>
+              <a:rPr lang="en-US" sz="2000" dirty="0"/>
               <a:t>Exchange-Traded Funds (ETFs) or Index Mutual Funds</a:t>
             </a:r>
           </a:p>
           <a:p>
             <a:pPr lvl="1"/>
-            <a:endParaRPr lang="en-US" sz="2000"/>
+            <a:endParaRPr lang="en-US" sz="2000" dirty="0"/>
           </a:p>
         </p:txBody>
       </p:sp>
@@ -24271,29 +23652,32 @@
           </a:bodyPr>
           <a:lstStyle/>
           <a:p>
+            <a:pPr marL="0" indent="0">
+              <a:buNone/>
+            </a:pPr>
             <a:r>
-              <a:rPr lang="en-US" sz="2000"/>
+              <a:rPr lang="en-US" sz="2000" dirty="0"/>
               <a:t>Dividend Investing Strategy</a:t>
             </a:r>
           </a:p>
           <a:p>
             <a:pPr lvl="1"/>
             <a:r>
-              <a:rPr lang="en-US" sz="2000"/>
+              <a:rPr lang="en-US" sz="2000" dirty="0"/>
               <a:t>Investing in individual stocks that pay regular dividends</a:t>
             </a:r>
           </a:p>
           <a:p>
             <a:pPr lvl="1"/>
             <a:r>
-              <a:rPr lang="en-US" sz="2000"/>
+              <a:rPr lang="en-US" sz="2000" dirty="0"/>
               <a:t>Generate consistent income through dividend payments while potentially benefiting from capital appreciation</a:t>
             </a:r>
           </a:p>
           <a:p>
             <a:pPr lvl="1"/>
             <a:r>
-              <a:rPr lang="en-US" sz="2000"/>
+              <a:rPr lang="en-US" sz="2000" dirty="0"/>
               <a:t>Dividend-paying stocks, Dividend Growth Funds</a:t>
             </a:r>
           </a:p>
@@ -24523,7 +23907,7 @@
             <p:ph idx="1"/>
             <p:extLst>
               <p:ext uri="{D42A27DB-BD31-4B8C-83A1-F6EECF244321}">
-                <p14:modId xmlns:p14="http://schemas.microsoft.com/office/powerpoint/2010/main" val="3732706200"/>
+                <p14:modId xmlns:p14="http://schemas.microsoft.com/office/powerpoint/2010/main" val="2205520017"/>
               </p:ext>
             </p:extLst>
           </p:nvPr>
@@ -24534,7 +23918,7 @@
         </p:xfrm>
         <a:graphic>
           <a:graphicData uri="http://schemas.openxmlformats.org/drawingml/2006/diagram">
-            <dgm:relIds xmlns:dgm="http://schemas.openxmlformats.org/drawingml/2006/diagram" xmlns:r="http://schemas.openxmlformats.org/officeDocument/2006/relationships" r:dm="rId2" r:lo="rId3" r:qs="rId4" r:cs="rId5"/>
+            <dgm:relIds xmlns:dgm="http://schemas.openxmlformats.org/drawingml/2006/diagram" xmlns:r="http://schemas.openxmlformats.org/officeDocument/2006/relationships" r:dm="rId3" r:lo="rId4" r:qs="rId5" r:cs="rId6"/>
           </a:graphicData>
         </a:graphic>
       </p:graphicFrame>
@@ -24553,7 +23937,7 @@
           <p:nvPr/>
         </p:nvPicPr>
         <p:blipFill>
-          <a:blip r:embed="rId7"/>
+          <a:blip r:embed="rId8"/>
           <a:stretch>
             <a:fillRect/>
           </a:stretch>
@@ -24583,7 +23967,7 @@
           <p:nvPr/>
         </p:nvPicPr>
         <p:blipFill>
-          <a:blip r:embed="rId8"/>
+          <a:blip r:embed="rId9"/>
           <a:stretch>
             <a:fillRect/>
           </a:stretch>
@@ -24613,14 +23997,14 @@
           <p:nvPr/>
         </p:nvPicPr>
         <p:blipFill>
-          <a:blip r:embed="rId9"/>
+          <a:blip r:embed="rId10"/>
           <a:stretch>
             <a:fillRect/>
           </a:stretch>
         </p:blipFill>
         <p:spPr>
           <a:xfrm>
-            <a:off x="224846" y="4046409"/>
+            <a:off x="114300" y="4239943"/>
             <a:ext cx="7772400" cy="2239920"/>
           </a:xfrm>
           <a:prstGeom prst="rect">
@@ -24643,14 +24027,14 @@
           <p:nvPr/>
         </p:nvPicPr>
         <p:blipFill>
-          <a:blip r:embed="rId10"/>
+          <a:blip r:embed="rId11"/>
           <a:stretch>
             <a:fillRect/>
           </a:stretch>
         </p:blipFill>
         <p:spPr>
           <a:xfrm>
-            <a:off x="3189893" y="735121"/>
+            <a:off x="4271442" y="191561"/>
             <a:ext cx="7772400" cy="4733192"/>
           </a:xfrm>
           <a:prstGeom prst="rect">
@@ -24689,7 +24073,7 @@
                             </p:stCondLst>
                             <p:childTnLst>
                               <p:par>
-                                <p:cTn id="5" presetID="1" presetClass="entr" presetSubtype="0" fill="hold" grpId="0" nodeType="clickEffect">
+                                <p:cTn id="5" presetID="1" presetClass="entr" presetSubtype="0" fill="hold" nodeType="clickEffect">
                                   <p:stCondLst>
                                     <p:cond delay="0"/>
                                   </p:stCondLst>
@@ -24702,7 +24086,7 @@
                                           </p:stCondLst>
                                         </p:cTn>
                                         <p:tgtEl>
-                                          <p:spTgt spid="2"/>
+                                          <p:spTgt spid="14"/>
                                         </p:tgtEl>
                                         <p:attrNameLst>
                                           <p:attrName>style.visibility</p:attrName>
@@ -24734,7 +24118,7 @@
                             </p:stCondLst>
                             <p:childTnLst>
                               <p:par>
-                                <p:cTn id="9" presetID="1" presetClass="entr" presetSubtype="0" fill="hold" nodeType="clickEffect">
+                                <p:cTn id="9" presetID="5" presetClass="entr" presetSubtype="10" fill="hold" nodeType="clickEffect">
                                   <p:stCondLst>
                                     <p:cond delay="0"/>
                                   </p:stCondLst>
@@ -24742,51 +24126,6 @@
                                     <p:set>
                                       <p:cBhvr>
                                         <p:cTn id="10" dur="1" fill="hold">
-                                          <p:stCondLst>
-                                            <p:cond delay="0"/>
-                                          </p:stCondLst>
-                                        </p:cTn>
-                                        <p:tgtEl>
-                                          <p:spTgt spid="14"/>
-                                        </p:tgtEl>
-                                        <p:attrNameLst>
-                                          <p:attrName>style.visibility</p:attrName>
-                                        </p:attrNameLst>
-                                      </p:cBhvr>
-                                      <p:to>
-                                        <p:strVal val="visible"/>
-                                      </p:to>
-                                    </p:set>
-                                  </p:childTnLst>
-                                </p:cTn>
-                              </p:par>
-                            </p:childTnLst>
-                          </p:cTn>
-                        </p:par>
-                      </p:childTnLst>
-                    </p:cTn>
-                  </p:par>
-                  <p:par>
-                    <p:cTn id="11" fill="hold">
-                      <p:stCondLst>
-                        <p:cond delay="indefinite"/>
-                      </p:stCondLst>
-                      <p:childTnLst>
-                        <p:par>
-                          <p:cTn id="12" fill="hold">
-                            <p:stCondLst>
-                              <p:cond delay="0"/>
-                            </p:stCondLst>
-                            <p:childTnLst>
-                              <p:par>
-                                <p:cTn id="13" presetID="5" presetClass="entr" presetSubtype="10" fill="hold" nodeType="clickEffect">
-                                  <p:stCondLst>
-                                    <p:cond delay="0"/>
-                                  </p:stCondLst>
-                                  <p:childTnLst>
-                                    <p:set>
-                                      <p:cBhvr>
-                                        <p:cTn id="14" dur="1" fill="hold">
                                           <p:stCondLst>
                                             <p:cond delay="0"/>
                                           </p:stCondLst>
@@ -24804,7 +24143,7 @@
                                     </p:set>
                                     <p:animEffect transition="in" filter="checkerboard(across)">
                                       <p:cBhvr>
-                                        <p:cTn id="15" dur="500"/>
+                                        <p:cTn id="11" dur="500"/>
                                         <p:tgtEl>
                                           <p:spTgt spid="8"/>
                                         </p:tgtEl>
@@ -24820,26 +24159,26 @@
                     </p:cTn>
                   </p:par>
                   <p:par>
-                    <p:cTn id="16" fill="hold">
+                    <p:cTn id="12" fill="hold">
                       <p:stCondLst>
                         <p:cond delay="indefinite"/>
                       </p:stCondLst>
                       <p:childTnLst>
                         <p:par>
-                          <p:cTn id="17" fill="hold">
+                          <p:cTn id="13" fill="hold">
                             <p:stCondLst>
                               <p:cond delay="0"/>
                             </p:stCondLst>
                             <p:childTnLst>
                               <p:par>
-                                <p:cTn id="18" presetID="2" presetClass="entr" presetSubtype="4" fill="hold" nodeType="clickEffect">
+                                <p:cTn id="14" presetID="2" presetClass="entr" presetSubtype="4" fill="hold" nodeType="clickEffect">
                                   <p:stCondLst>
                                     <p:cond delay="0"/>
                                   </p:stCondLst>
                                   <p:childTnLst>
                                     <p:set>
                                       <p:cBhvr>
-                                        <p:cTn id="19" dur="1" fill="hold">
+                                        <p:cTn id="15" dur="1" fill="hold">
                                           <p:stCondLst>
                                             <p:cond delay="0"/>
                                           </p:stCondLst>
@@ -24857,7 +24196,7 @@
                                     </p:set>
                                     <p:anim calcmode="lin" valueType="num">
                                       <p:cBhvr additive="base">
-                                        <p:cTn id="20" dur="500" fill="hold"/>
+                                        <p:cTn id="16" dur="500" fill="hold"/>
                                         <p:tgtEl>
                                           <p:spTgt spid="10"/>
                                         </p:tgtEl>
@@ -24880,7 +24219,7 @@
                                     </p:anim>
                                     <p:anim calcmode="lin" valueType="num">
                                       <p:cBhvr additive="base">
-                                        <p:cTn id="21" dur="500" fill="hold"/>
+                                        <p:cTn id="17" dur="500" fill="hold"/>
                                         <p:tgtEl>
                                           <p:spTgt spid="10"/>
                                         </p:tgtEl>
@@ -24911,6 +24250,51 @@
                     </p:cTn>
                   </p:par>
                   <p:par>
+                    <p:cTn id="18" fill="hold">
+                      <p:stCondLst>
+                        <p:cond delay="indefinite"/>
+                      </p:stCondLst>
+                      <p:childTnLst>
+                        <p:par>
+                          <p:cTn id="19" fill="hold">
+                            <p:stCondLst>
+                              <p:cond delay="0"/>
+                            </p:stCondLst>
+                            <p:childTnLst>
+                              <p:par>
+                                <p:cTn id="20" presetID="1" presetClass="entr" presetSubtype="0" fill="hold" nodeType="clickEffect">
+                                  <p:stCondLst>
+                                    <p:cond delay="0"/>
+                                  </p:stCondLst>
+                                  <p:childTnLst>
+                                    <p:set>
+                                      <p:cBhvr>
+                                        <p:cTn id="21" dur="1" fill="hold">
+                                          <p:stCondLst>
+                                            <p:cond delay="0"/>
+                                          </p:stCondLst>
+                                        </p:cTn>
+                                        <p:tgtEl>
+                                          <p:spTgt spid="16"/>
+                                        </p:tgtEl>
+                                        <p:attrNameLst>
+                                          <p:attrName>style.visibility</p:attrName>
+                                        </p:attrNameLst>
+                                      </p:cBhvr>
+                                      <p:to>
+                                        <p:strVal val="visible"/>
+                                      </p:to>
+                                    </p:set>
+                                  </p:childTnLst>
+                                </p:cTn>
+                              </p:par>
+                            </p:childTnLst>
+                          </p:cTn>
+                        </p:par>
+                      </p:childTnLst>
+                    </p:cTn>
+                  </p:par>
+                  <p:par>
                     <p:cTn id="22" fill="hold">
                       <p:stCondLst>
                         <p:cond delay="indefinite"/>
@@ -24923,7 +24307,7 @@
                             </p:stCondLst>
                             <p:childTnLst>
                               <p:par>
-                                <p:cTn id="24" presetID="1" presetClass="entr" presetSubtype="0" fill="hold" nodeType="clickEffect">
+                                <p:cTn id="24" presetID="1" presetClass="entr" presetSubtype="0" fill="hold" grpId="0" nodeType="clickEffect">
                                   <p:stCondLst>
                                     <p:cond delay="0"/>
                                   </p:stCondLst>
@@ -24936,7 +24320,7 @@
                                           </p:stCondLst>
                                         </p:cTn>
                                         <p:tgtEl>
-                                          <p:spTgt spid="16"/>
+                                          <p:spTgt spid="7"/>
                                         </p:tgtEl>
                                         <p:attrNameLst>
                                           <p:attrName>style.visibility</p:attrName>
@@ -24968,7 +24352,7 @@
                             </p:stCondLst>
                             <p:childTnLst>
                               <p:par>
-                                <p:cTn id="28" presetID="1" presetClass="entr" presetSubtype="0" fill="hold" grpId="0" nodeType="clickEffect">
+                                <p:cTn id="28" presetID="1" presetClass="exit" presetSubtype="0" fill="hold" nodeType="clickEffect">
                                   <p:stCondLst>
                                     <p:cond delay="0"/>
                                   </p:stCondLst>
@@ -24981,39 +24365,48 @@
                                           </p:stCondLst>
                                         </p:cTn>
                                         <p:tgtEl>
-                                          <p:spTgt spid="7"/>
+                                          <p:spTgt spid="16"/>
                                         </p:tgtEl>
                                         <p:attrNameLst>
                                           <p:attrName>style.visibility</p:attrName>
                                         </p:attrNameLst>
                                       </p:cBhvr>
                                       <p:to>
-                                        <p:strVal val="visible"/>
+                                        <p:strVal val="hidden"/>
                                       </p:to>
                                     </p:set>
                                   </p:childTnLst>
                                 </p:cTn>
                               </p:par>
-                            </p:childTnLst>
-                          </p:cTn>
-                        </p:par>
-                      </p:childTnLst>
-                    </p:cTn>
-                  </p:par>
-                  <p:par>
-                    <p:cTn id="30" fill="hold">
-                      <p:stCondLst>
-                        <p:cond delay="indefinite"/>
-                      </p:stCondLst>
-                      <p:childTnLst>
-                        <p:par>
-                          <p:cTn id="31" fill="hold">
-                            <p:stCondLst>
-                              <p:cond delay="0"/>
-                            </p:stCondLst>
-                            <p:childTnLst>
                               <p:par>
-                                <p:cTn id="32" presetID="1" presetClass="exit" presetSubtype="0" fill="hold" nodeType="clickEffect">
+                                <p:cTn id="30" presetID="1" presetClass="exit" presetSubtype="0" fill="hold" nodeType="withEffect">
+                                  <p:stCondLst>
+                                    <p:cond delay="0"/>
+                                  </p:stCondLst>
+                                  <p:childTnLst>
+                                    <p:set>
+                                      <p:cBhvr>
+                                        <p:cTn id="31" dur="1" fill="hold">
+                                          <p:stCondLst>
+                                            <p:cond delay="0"/>
+                                          </p:stCondLst>
+                                        </p:cTn>
+                                        <p:tgtEl>
+                                          <p:spTgt spid="8"/>
+                                        </p:tgtEl>
+                                        <p:attrNameLst>
+                                          <p:attrName>style.visibility</p:attrName>
+                                        </p:attrNameLst>
+                                      </p:cBhvr>
+                                      <p:to>
+                                        <p:strVal val="hidden"/>
+                                      </p:to>
+                                    </p:set>
+                                  </p:childTnLst>
+                                </p:cTn>
+                              </p:par>
+                              <p:par>
+                                <p:cTn id="32" presetID="1" presetClass="exit" presetSubtype="0" fill="hold" nodeType="withEffect">
                                   <p:stCondLst>
                                     <p:cond delay="0"/>
                                   </p:stCondLst>
@@ -25026,7 +24419,7 @@
                                           </p:stCondLst>
                                         </p:cTn>
                                         <p:tgtEl>
-                                          <p:spTgt spid="16"/>
+                                          <p:spTgt spid="14"/>
                                         </p:tgtEl>
                                         <p:attrNameLst>
                                           <p:attrName>style.visibility</p:attrName>
@@ -25048,60 +24441,6 @@
                                     <p:set>
                                       <p:cBhvr>
                                         <p:cTn id="35" dur="1" fill="hold">
-                                          <p:stCondLst>
-                                            <p:cond delay="0"/>
-                                          </p:stCondLst>
-                                        </p:cTn>
-                                        <p:tgtEl>
-                                          <p:spTgt spid="8"/>
-                                        </p:tgtEl>
-                                        <p:attrNameLst>
-                                          <p:attrName>style.visibility</p:attrName>
-                                        </p:attrNameLst>
-                                      </p:cBhvr>
-                                      <p:to>
-                                        <p:strVal val="hidden"/>
-                                      </p:to>
-                                    </p:set>
-                                  </p:childTnLst>
-                                </p:cTn>
-                              </p:par>
-                              <p:par>
-                                <p:cTn id="36" presetID="1" presetClass="exit" presetSubtype="0" fill="hold" nodeType="withEffect">
-                                  <p:stCondLst>
-                                    <p:cond delay="0"/>
-                                  </p:stCondLst>
-                                  <p:childTnLst>
-                                    <p:set>
-                                      <p:cBhvr>
-                                        <p:cTn id="37" dur="1" fill="hold">
-                                          <p:stCondLst>
-                                            <p:cond delay="0"/>
-                                          </p:stCondLst>
-                                        </p:cTn>
-                                        <p:tgtEl>
-                                          <p:spTgt spid="14"/>
-                                        </p:tgtEl>
-                                        <p:attrNameLst>
-                                          <p:attrName>style.visibility</p:attrName>
-                                        </p:attrNameLst>
-                                      </p:cBhvr>
-                                      <p:to>
-                                        <p:strVal val="hidden"/>
-                                      </p:to>
-                                    </p:set>
-                                  </p:childTnLst>
-                                </p:cTn>
-                              </p:par>
-                              <p:par>
-                                <p:cTn id="38" presetID="1" presetClass="exit" presetSubtype="0" fill="hold" nodeType="withEffect">
-                                  <p:stCondLst>
-                                    <p:cond delay="0"/>
-                                  </p:stCondLst>
-                                  <p:childTnLst>
-                                    <p:set>
-                                      <p:cBhvr>
-                                        <p:cTn id="39" dur="1" fill="hold">
                                           <p:stCondLst>
                                             <p:cond delay="0"/>
                                           </p:stCondLst>
@@ -25148,7 +24487,6 @@
       </p:par>
     </p:tnLst>
     <p:bldLst>
-      <p:bldP spid="2" grpId="0"/>
       <p:bldGraphic spid="7" grpId="0">
         <p:bldAsOne/>
       </p:bldGraphic>
@@ -25368,7 +24706,7 @@
             <p:ph idx="1"/>
             <p:extLst>
               <p:ext uri="{D42A27DB-BD31-4B8C-83A1-F6EECF244321}">
-                <p14:modId xmlns:p14="http://schemas.microsoft.com/office/powerpoint/2010/main" val="3921150041"/>
+                <p14:modId xmlns:p14="http://schemas.microsoft.com/office/powerpoint/2010/main" val="695633029"/>
               </p:ext>
             </p:extLst>
           </p:nvPr>
@@ -25397,2104 +24735,6 @@
 </file>
 
 <file path=ppt/slides/slide5.xml><?xml version="1.0" encoding="utf-8"?>
-<p:sld xmlns:a="http://schemas.openxmlformats.org/drawingml/2006/main" xmlns:r="http://schemas.openxmlformats.org/officeDocument/2006/relationships" xmlns:p="http://schemas.openxmlformats.org/presentationml/2006/main">
-  <p:cSld>
-    <p:bg>
-      <p:bgPr>
-        <a:solidFill>
-          <a:schemeClr val="bg1"/>
-        </a:solidFill>
-        <a:effectLst/>
-      </p:bgPr>
-    </p:bg>
-    <p:spTree>
-      <p:nvGrpSpPr>
-        <p:cNvPr id="1" name=""/>
-        <p:cNvGrpSpPr/>
-        <p:nvPr/>
-      </p:nvGrpSpPr>
-      <p:grpSpPr>
-        <a:xfrm>
-          <a:off x="0" y="0"/>
-          <a:ext cx="0" cy="0"/>
-          <a:chOff x="0" y="0"/>
-          <a:chExt cx="0" cy="0"/>
-        </a:xfrm>
-      </p:grpSpPr>
-      <p:sp useBgFill="1">
-        <p:nvSpPr>
-          <p:cNvPr id="26" name="Rectangle 25">
-            <a:extLst>
-              <a:ext uri="{FF2B5EF4-FFF2-40B4-BE49-F238E27FC236}">
-                <a16:creationId xmlns:a16="http://schemas.microsoft.com/office/drawing/2014/main" id="{76906711-0AFB-47DD-A4B6-4E94B38B8C91}"/>
-              </a:ext>
-              <a:ext uri="{C183D7F6-B498-43B3-948B-1728B52AA6E4}">
-                <adec:decorative xmlns:adec="http://schemas.microsoft.com/office/drawing/2017/decorative" val="1"/>
-              </a:ext>
-            </a:extLst>
-          </p:cNvPr>
-          <p:cNvSpPr>
-            <a:spLocks noGrp="1" noRot="1" noChangeAspect="1" noMove="1" noResize="1" noEditPoints="1" noAdjustHandles="1" noChangeArrowheads="1" noChangeShapeType="1" noTextEdit="1"/>
-          </p:cNvSpPr>
-          <p:nvPr>
-            <p:extLst>
-              <p:ext uri="{386F3935-93C4-4BCD-93E2-E3B085C9AB24}">
-                <p16:designElem xmlns:p16="http://schemas.microsoft.com/office/powerpoint/2015/main" val="1"/>
-              </p:ext>
-            </p:extLst>
-          </p:nvPr>
-        </p:nvSpPr>
-        <p:spPr>
-          <a:xfrm>
-            <a:off x="0" y="0"/>
-            <a:ext cx="12192000" cy="6858000"/>
-          </a:xfrm>
-          <a:prstGeom prst="rect">
-            <a:avLst/>
-          </a:prstGeom>
-          <a:ln>
-            <a:noFill/>
-          </a:ln>
-        </p:spPr>
-        <p:style>
-          <a:lnRef idx="2">
-            <a:schemeClr val="accent1">
-              <a:shade val="50000"/>
-            </a:schemeClr>
-          </a:lnRef>
-          <a:fillRef idx="1">
-            <a:schemeClr val="accent1"/>
-          </a:fillRef>
-          <a:effectRef idx="0">
-            <a:schemeClr val="accent1"/>
-          </a:effectRef>
-          <a:fontRef idx="minor">
-            <a:schemeClr val="lt1"/>
-          </a:fontRef>
-        </p:style>
-        <p:txBody>
-          <a:bodyPr rtlCol="0" anchor="ctr"/>
-          <a:lstStyle/>
-          <a:p>
-            <a:pPr algn="ctr"/>
-            <a:endParaRPr lang="en-US"/>
-          </a:p>
-        </p:txBody>
-      </p:sp>
-      <p:sp>
-        <p:nvSpPr>
-          <p:cNvPr id="28" name="Freeform: Shape 27">
-            <a:extLst>
-              <a:ext uri="{FF2B5EF4-FFF2-40B4-BE49-F238E27FC236}">
-                <a16:creationId xmlns:a16="http://schemas.microsoft.com/office/drawing/2014/main" id="{AA91F649-894C-41F6-A21D-3D1AC558E934}"/>
-              </a:ext>
-              <a:ext uri="{C183D7F6-B498-43B3-948B-1728B52AA6E4}">
-                <adec:decorative xmlns:adec="http://schemas.microsoft.com/office/drawing/2017/decorative" val="1"/>
-              </a:ext>
-            </a:extLst>
-          </p:cNvPr>
-          <p:cNvSpPr>
-            <a:spLocks noGrp="1" noRot="1" noChangeAspect="1" noMove="1" noResize="1" noEditPoints="1" noAdjustHandles="1" noChangeArrowheads="1" noChangeShapeType="1" noTextEdit="1"/>
-          </p:cNvSpPr>
-          <p:nvPr>
-            <p:extLst>
-              <p:ext uri="{386F3935-93C4-4BCD-93E2-E3B085C9AB24}">
-                <p16:designElem xmlns:p16="http://schemas.microsoft.com/office/powerpoint/2015/main" val="1"/>
-              </p:ext>
-            </p:extLst>
-          </p:nvPr>
-        </p:nvSpPr>
-        <p:spPr>
-          <a:xfrm>
-            <a:off x="0" y="0"/>
-            <a:ext cx="12192000" cy="2877832"/>
-          </a:xfrm>
-          <a:custGeom>
-            <a:avLst/>
-            <a:gdLst>
-              <a:gd name="connsiteX0" fmla="*/ 6789701 w 12192000"/>
-              <a:gd name="connsiteY0" fmla="*/ 2809623 h 2877832"/>
-              <a:gd name="connsiteX1" fmla="*/ 6788702 w 12192000"/>
-              <a:gd name="connsiteY1" fmla="*/ 2809701 h 2877832"/>
-              <a:gd name="connsiteX2" fmla="*/ 6788476 w 12192000"/>
-              <a:gd name="connsiteY2" fmla="*/ 2810235 h 2877832"/>
-              <a:gd name="connsiteX3" fmla="*/ 0 w 12192000"/>
-              <a:gd name="connsiteY3" fmla="*/ 0 h 2877832"/>
-              <a:gd name="connsiteX4" fmla="*/ 12192000 w 12192000"/>
-              <a:gd name="connsiteY4" fmla="*/ 0 h 2877832"/>
-              <a:gd name="connsiteX5" fmla="*/ 12192000 w 12192000"/>
-              <a:gd name="connsiteY5" fmla="*/ 1915388 h 2877832"/>
-              <a:gd name="connsiteX6" fmla="*/ 12061096 w 12192000"/>
-              <a:gd name="connsiteY6" fmla="*/ 1954428 h 2877832"/>
-              <a:gd name="connsiteX7" fmla="*/ 11676800 w 12192000"/>
-              <a:gd name="connsiteY7" fmla="*/ 2058003 h 2877832"/>
-              <a:gd name="connsiteX8" fmla="*/ 10425355 w 12192000"/>
-              <a:gd name="connsiteY8" fmla="*/ 2341542 h 2877832"/>
-              <a:gd name="connsiteX9" fmla="*/ 9424022 w 12192000"/>
-              <a:gd name="connsiteY9" fmla="*/ 2516704 h 2877832"/>
-              <a:gd name="connsiteX10" fmla="*/ 8458419 w 12192000"/>
-              <a:gd name="connsiteY10" fmla="*/ 2650405 h 2877832"/>
-              <a:gd name="connsiteX11" fmla="*/ 7715970 w 12192000"/>
-              <a:gd name="connsiteY11" fmla="*/ 2730352 h 2877832"/>
-              <a:gd name="connsiteX12" fmla="*/ 6951716 w 12192000"/>
-              <a:gd name="connsiteY12" fmla="*/ 2796132 h 2877832"/>
-              <a:gd name="connsiteX13" fmla="*/ 6936303 w 12192000"/>
-              <a:gd name="connsiteY13" fmla="*/ 2798203 h 2877832"/>
-              <a:gd name="connsiteX14" fmla="*/ 6790448 w 12192000"/>
-              <a:gd name="connsiteY14" fmla="*/ 2809564 h 2877832"/>
-              <a:gd name="connsiteX15" fmla="*/ 6799941 w 12192000"/>
-              <a:gd name="connsiteY15" fmla="*/ 2811384 h 2877832"/>
-              <a:gd name="connsiteX16" fmla="*/ 6835432 w 12192000"/>
-              <a:gd name="connsiteY16" fmla="*/ 2809677 h 2877832"/>
-              <a:gd name="connsiteX17" fmla="*/ 6884003 w 12192000"/>
-              <a:gd name="connsiteY17" fmla="*/ 2806699 h 2877832"/>
-              <a:gd name="connsiteX18" fmla="*/ 7578771 w 12192000"/>
-              <a:gd name="connsiteY18" fmla="*/ 2774172 h 2877832"/>
-              <a:gd name="connsiteX19" fmla="*/ 8623845 w 12192000"/>
-              <a:gd name="connsiteY19" fmla="*/ 2687275 h 2877832"/>
-              <a:gd name="connsiteX20" fmla="*/ 9479970 w 12192000"/>
-              <a:gd name="connsiteY20" fmla="*/ 2583369 h 2877832"/>
-              <a:gd name="connsiteX21" fmla="*/ 10629308 w 12192000"/>
-              <a:gd name="connsiteY21" fmla="*/ 2389212 h 2877832"/>
-              <a:gd name="connsiteX22" fmla="*/ 11998498 w 12192000"/>
-              <a:gd name="connsiteY22" fmla="*/ 2063218 h 2877832"/>
-              <a:gd name="connsiteX23" fmla="*/ 12192000 w 12192000"/>
-              <a:gd name="connsiteY23" fmla="*/ 2006219 h 2877832"/>
-              <a:gd name="connsiteX24" fmla="*/ 12192000 w 12192000"/>
-              <a:gd name="connsiteY24" fmla="*/ 2060956 h 2877832"/>
-              <a:gd name="connsiteX25" fmla="*/ 11829257 w 12192000"/>
-              <a:gd name="connsiteY25" fmla="*/ 2166255 h 2877832"/>
-              <a:gd name="connsiteX26" fmla="*/ 10939183 w 12192000"/>
-              <a:gd name="connsiteY26" fmla="*/ 2380770 h 2877832"/>
-              <a:gd name="connsiteX27" fmla="*/ 9985530 w 12192000"/>
-              <a:gd name="connsiteY27" fmla="*/ 2560775 h 2877832"/>
-              <a:gd name="connsiteX28" fmla="*/ 9186882 w 12192000"/>
-              <a:gd name="connsiteY28" fmla="*/ 2676722 h 2877832"/>
-              <a:gd name="connsiteX29" fmla="*/ 8578198 w 12192000"/>
-              <a:gd name="connsiteY29" fmla="*/ 2746241 h 2877832"/>
-              <a:gd name="connsiteX30" fmla="*/ 7864358 w 12192000"/>
-              <a:gd name="connsiteY30" fmla="*/ 2807692 h 2877832"/>
-              <a:gd name="connsiteX31" fmla="*/ 6935502 w 12192000"/>
-              <a:gd name="connsiteY31" fmla="*/ 2859086 h 2877832"/>
-              <a:gd name="connsiteX32" fmla="*/ 6477750 w 12192000"/>
-              <a:gd name="connsiteY32" fmla="*/ 2872989 h 2877832"/>
-              <a:gd name="connsiteX33" fmla="*/ 6362294 w 12192000"/>
-              <a:gd name="connsiteY33" fmla="*/ 2877832 h 2877832"/>
-              <a:gd name="connsiteX34" fmla="*/ 6057129 w 12192000"/>
-              <a:gd name="connsiteY34" fmla="*/ 2877832 h 2877832"/>
-              <a:gd name="connsiteX35" fmla="*/ 5977784 w 12192000"/>
-              <a:gd name="connsiteY35" fmla="*/ 2873238 h 2877832"/>
-              <a:gd name="connsiteX36" fmla="*/ 5265087 w 12192000"/>
-              <a:gd name="connsiteY36" fmla="*/ 2836989 h 2877832"/>
-              <a:gd name="connsiteX37" fmla="*/ 4346277 w 12192000"/>
-              <a:gd name="connsiteY37" fmla="*/ 2774919 h 2877832"/>
-              <a:gd name="connsiteX38" fmla="*/ 3373045 w 12192000"/>
-              <a:gd name="connsiteY38" fmla="*/ 2676350 h 2877832"/>
-              <a:gd name="connsiteX39" fmla="*/ 2362173 w 12192000"/>
-              <a:gd name="connsiteY39" fmla="*/ 2557423 h 2877832"/>
-              <a:gd name="connsiteX40" fmla="*/ 1233178 w 12192000"/>
-              <a:gd name="connsiteY40" fmla="*/ 2384247 h 2877832"/>
-              <a:gd name="connsiteX41" fmla="*/ 68500 w 12192000"/>
-              <a:gd name="connsiteY41" fmla="*/ 2144540 h 2877832"/>
-              <a:gd name="connsiteX42" fmla="*/ 0 w 12192000"/>
-              <a:gd name="connsiteY42" fmla="*/ 2127185 h 2877832"/>
-              <a:gd name="connsiteX43" fmla="*/ 0 w 12192000"/>
-              <a:gd name="connsiteY43" fmla="*/ 2070696 h 2877832"/>
-              <a:gd name="connsiteX44" fmla="*/ 72441 w 12192000"/>
-              <a:gd name="connsiteY44" fmla="*/ 2089473 h 2877832"/>
-              <a:gd name="connsiteX45" fmla="*/ 600716 w 12192000"/>
-              <a:gd name="connsiteY45" fmla="*/ 2207843 h 2877832"/>
-              <a:gd name="connsiteX46" fmla="*/ 1769512 w 12192000"/>
-              <a:gd name="connsiteY46" fmla="*/ 2418011 h 2877832"/>
-              <a:gd name="connsiteX47" fmla="*/ 2613554 w 12192000"/>
-              <a:gd name="connsiteY47" fmla="*/ 2534953 h 2877832"/>
-              <a:gd name="connsiteX48" fmla="*/ 2581134 w 12192000"/>
-              <a:gd name="connsiteY48" fmla="*/ 2525022 h 2877832"/>
-              <a:gd name="connsiteX49" fmla="*/ 1112635 w 12192000"/>
-              <a:gd name="connsiteY49" fmla="*/ 2192325 h 2877832"/>
-              <a:gd name="connsiteX50" fmla="*/ 420412 w 12192000"/>
-              <a:gd name="connsiteY50" fmla="*/ 1992892 h 2877832"/>
-              <a:gd name="connsiteX51" fmla="*/ 0 w 12192000"/>
-              <a:gd name="connsiteY51" fmla="*/ 1853975 h 2877832"/>
-            </a:gdLst>
-            <a:ahLst/>
-            <a:cxnLst>
-              <a:cxn ang="0">
-                <a:pos x="connsiteX0" y="connsiteY0"/>
-              </a:cxn>
-              <a:cxn ang="0">
-                <a:pos x="connsiteX1" y="connsiteY1"/>
-              </a:cxn>
-              <a:cxn ang="0">
-                <a:pos x="connsiteX2" y="connsiteY2"/>
-              </a:cxn>
-              <a:cxn ang="0">
-                <a:pos x="connsiteX3" y="connsiteY3"/>
-              </a:cxn>
-              <a:cxn ang="0">
-                <a:pos x="connsiteX4" y="connsiteY4"/>
-              </a:cxn>
-              <a:cxn ang="0">
-                <a:pos x="connsiteX5" y="connsiteY5"/>
-              </a:cxn>
-              <a:cxn ang="0">
-                <a:pos x="connsiteX6" y="connsiteY6"/>
-              </a:cxn>
-              <a:cxn ang="0">
-                <a:pos x="connsiteX7" y="connsiteY7"/>
-              </a:cxn>
-              <a:cxn ang="0">
-                <a:pos x="connsiteX8" y="connsiteY8"/>
-              </a:cxn>
-              <a:cxn ang="0">
-                <a:pos x="connsiteX9" y="connsiteY9"/>
-              </a:cxn>
-              <a:cxn ang="0">
-                <a:pos x="connsiteX10" y="connsiteY10"/>
-              </a:cxn>
-              <a:cxn ang="0">
-                <a:pos x="connsiteX11" y="connsiteY11"/>
-              </a:cxn>
-              <a:cxn ang="0">
-                <a:pos x="connsiteX12" y="connsiteY12"/>
-              </a:cxn>
-              <a:cxn ang="0">
-                <a:pos x="connsiteX13" y="connsiteY13"/>
-              </a:cxn>
-              <a:cxn ang="0">
-                <a:pos x="connsiteX14" y="connsiteY14"/>
-              </a:cxn>
-              <a:cxn ang="0">
-                <a:pos x="connsiteX15" y="connsiteY15"/>
-              </a:cxn>
-              <a:cxn ang="0">
-                <a:pos x="connsiteX16" y="connsiteY16"/>
-              </a:cxn>
-              <a:cxn ang="0">
-                <a:pos x="connsiteX17" y="connsiteY17"/>
-              </a:cxn>
-              <a:cxn ang="0">
-                <a:pos x="connsiteX18" y="connsiteY18"/>
-              </a:cxn>
-              <a:cxn ang="0">
-                <a:pos x="connsiteX19" y="connsiteY19"/>
-              </a:cxn>
-              <a:cxn ang="0">
-                <a:pos x="connsiteX20" y="connsiteY20"/>
-              </a:cxn>
-              <a:cxn ang="0">
-                <a:pos x="connsiteX21" y="connsiteY21"/>
-              </a:cxn>
-              <a:cxn ang="0">
-                <a:pos x="connsiteX22" y="connsiteY22"/>
-              </a:cxn>
-              <a:cxn ang="0">
-                <a:pos x="connsiteX23" y="connsiteY23"/>
-              </a:cxn>
-              <a:cxn ang="0">
-                <a:pos x="connsiteX24" y="connsiteY24"/>
-              </a:cxn>
-              <a:cxn ang="0">
-                <a:pos x="connsiteX25" y="connsiteY25"/>
-              </a:cxn>
-              <a:cxn ang="0">
-                <a:pos x="connsiteX26" y="connsiteY26"/>
-              </a:cxn>
-              <a:cxn ang="0">
-                <a:pos x="connsiteX27" y="connsiteY27"/>
-              </a:cxn>
-              <a:cxn ang="0">
-                <a:pos x="connsiteX28" y="connsiteY28"/>
-              </a:cxn>
-              <a:cxn ang="0">
-                <a:pos x="connsiteX29" y="connsiteY29"/>
-              </a:cxn>
-              <a:cxn ang="0">
-                <a:pos x="connsiteX30" y="connsiteY30"/>
-              </a:cxn>
-              <a:cxn ang="0">
-                <a:pos x="connsiteX31" y="connsiteY31"/>
-              </a:cxn>
-              <a:cxn ang="0">
-                <a:pos x="connsiteX32" y="connsiteY32"/>
-              </a:cxn>
-              <a:cxn ang="0">
-                <a:pos x="connsiteX33" y="connsiteY33"/>
-              </a:cxn>
-              <a:cxn ang="0">
-                <a:pos x="connsiteX34" y="connsiteY34"/>
-              </a:cxn>
-              <a:cxn ang="0">
-                <a:pos x="connsiteX35" y="connsiteY35"/>
-              </a:cxn>
-              <a:cxn ang="0">
-                <a:pos x="connsiteX36" y="connsiteY36"/>
-              </a:cxn>
-              <a:cxn ang="0">
-                <a:pos x="connsiteX37" y="connsiteY37"/>
-              </a:cxn>
-              <a:cxn ang="0">
-                <a:pos x="connsiteX38" y="connsiteY38"/>
-              </a:cxn>
-              <a:cxn ang="0">
-                <a:pos x="connsiteX39" y="connsiteY39"/>
-              </a:cxn>
-              <a:cxn ang="0">
-                <a:pos x="connsiteX40" y="connsiteY40"/>
-              </a:cxn>
-              <a:cxn ang="0">
-                <a:pos x="connsiteX41" y="connsiteY41"/>
-              </a:cxn>
-              <a:cxn ang="0">
-                <a:pos x="connsiteX42" y="connsiteY42"/>
-              </a:cxn>
-              <a:cxn ang="0">
-                <a:pos x="connsiteX43" y="connsiteY43"/>
-              </a:cxn>
-              <a:cxn ang="0">
-                <a:pos x="connsiteX44" y="connsiteY44"/>
-              </a:cxn>
-              <a:cxn ang="0">
-                <a:pos x="connsiteX45" y="connsiteY45"/>
-              </a:cxn>
-              <a:cxn ang="0">
-                <a:pos x="connsiteX46" y="connsiteY46"/>
-              </a:cxn>
-              <a:cxn ang="0">
-                <a:pos x="connsiteX47" y="connsiteY47"/>
-              </a:cxn>
-              <a:cxn ang="0">
-                <a:pos x="connsiteX48" y="connsiteY48"/>
-              </a:cxn>
-              <a:cxn ang="0">
-                <a:pos x="connsiteX49" y="connsiteY49"/>
-              </a:cxn>
-              <a:cxn ang="0">
-                <a:pos x="connsiteX50" y="connsiteY50"/>
-              </a:cxn>
-              <a:cxn ang="0">
-                <a:pos x="connsiteX51" y="connsiteY51"/>
-              </a:cxn>
-            </a:cxnLst>
-            <a:rect l="l" t="t" r="r" b="b"/>
-            <a:pathLst>
-              <a:path w="12192000" h="2877832">
-                <a:moveTo>
-                  <a:pt x="6789701" y="2809623"/>
-                </a:moveTo>
-                <a:lnTo>
-                  <a:pt x="6788702" y="2809701"/>
-                </a:lnTo>
-                <a:lnTo>
-                  <a:pt x="6788476" y="2810235"/>
-                </a:lnTo>
-                <a:close/>
-                <a:moveTo>
-                  <a:pt x="0" y="0"/>
-                </a:moveTo>
-                <a:lnTo>
-                  <a:pt x="12192000" y="0"/>
-                </a:lnTo>
-                <a:lnTo>
-                  <a:pt x="12192000" y="1915388"/>
-                </a:lnTo>
-                <a:lnTo>
-                  <a:pt x="12061096" y="1954428"/>
-                </a:lnTo>
-                <a:cubicBezTo>
-                  <a:pt x="11933500" y="1990642"/>
-                  <a:pt x="11805390" y="2025171"/>
-                  <a:pt x="11676800" y="2058003"/>
-                </a:cubicBezTo>
-                <a:cubicBezTo>
-                  <a:pt x="11262789" y="2165510"/>
-                  <a:pt x="10845343" y="2259112"/>
-                  <a:pt x="10425355" y="2341542"/>
-                </a:cubicBezTo>
-                <a:cubicBezTo>
-                  <a:pt x="10092810" y="2406753"/>
-                  <a:pt x="9759033" y="2465150"/>
-                  <a:pt x="9424022" y="2516704"/>
-                </a:cubicBezTo>
-                <a:cubicBezTo>
-                  <a:pt x="9102997" y="2566361"/>
-                  <a:pt x="8781133" y="2610928"/>
-                  <a:pt x="8458419" y="2650405"/>
-                </a:cubicBezTo>
-                <a:cubicBezTo>
-                  <a:pt x="8211360" y="2680571"/>
-                  <a:pt x="7963792" y="2706144"/>
-                  <a:pt x="7715970" y="2730352"/>
-                </a:cubicBezTo>
-                <a:lnTo>
-                  <a:pt x="6951716" y="2796132"/>
-                </a:lnTo>
-                <a:lnTo>
-                  <a:pt x="6936303" y="2798203"/>
-                </a:lnTo>
-                <a:lnTo>
-                  <a:pt x="6790448" y="2809564"/>
-                </a:lnTo>
-                <a:lnTo>
-                  <a:pt x="6799941" y="2811384"/>
-                </a:lnTo>
-                <a:cubicBezTo>
-                  <a:pt x="6811623" y="2811850"/>
-                  <a:pt x="6823734" y="2809677"/>
-                  <a:pt x="6835432" y="2809677"/>
-                </a:cubicBezTo>
-                <a:cubicBezTo>
-                  <a:pt x="6851580" y="2809677"/>
-                  <a:pt x="6867729" y="2807070"/>
-                  <a:pt x="6884003" y="2806699"/>
-                </a:cubicBezTo>
-                <a:cubicBezTo>
-                  <a:pt x="7115805" y="2801237"/>
-                  <a:pt x="7347351" y="2789070"/>
-                  <a:pt x="7578771" y="2774172"/>
-                </a:cubicBezTo>
-                <a:cubicBezTo>
-                  <a:pt x="7927552" y="2751704"/>
-                  <a:pt x="8276080" y="2723525"/>
-                  <a:pt x="8623845" y="2687275"/>
-                </a:cubicBezTo>
-                <a:cubicBezTo>
-                  <a:pt x="8909939" y="2657977"/>
-                  <a:pt x="9195310" y="2623342"/>
-                  <a:pt x="9479970" y="2583369"/>
-                </a:cubicBezTo>
-                <a:cubicBezTo>
-                  <a:pt x="9864901" y="2528995"/>
-                  <a:pt x="10248014" y="2464281"/>
-                  <a:pt x="10629308" y="2389212"/>
-                </a:cubicBezTo>
-                <a:cubicBezTo>
-                  <a:pt x="11090114" y="2298092"/>
-                  <a:pt x="11546975" y="2190586"/>
-                  <a:pt x="11998498" y="2063218"/>
-                </a:cubicBezTo>
-                <a:lnTo>
-                  <a:pt x="12192000" y="2006219"/>
-                </a:lnTo>
-                <a:lnTo>
-                  <a:pt x="12192000" y="2060956"/>
-                </a:lnTo>
-                <a:lnTo>
-                  <a:pt x="11829257" y="2166255"/>
-                </a:lnTo>
-                <a:cubicBezTo>
-                  <a:pt x="11534769" y="2245952"/>
-                  <a:pt x="11238120" y="2316838"/>
-                  <a:pt x="10939183" y="2380770"/>
-                </a:cubicBezTo>
-                <a:cubicBezTo>
-                  <a:pt x="10622824" y="2448552"/>
-                  <a:pt x="10304941" y="2508549"/>
-                  <a:pt x="9985530" y="2560775"/>
-                </a:cubicBezTo>
-                <a:cubicBezTo>
-                  <a:pt x="9720036" y="2604224"/>
-                  <a:pt x="9453814" y="2642869"/>
-                  <a:pt x="9186882" y="2676722"/>
-                </a:cubicBezTo>
-                <a:cubicBezTo>
-                  <a:pt x="8984197" y="2702296"/>
-                  <a:pt x="8781514" y="2726379"/>
-                  <a:pt x="8578198" y="2746241"/>
-                </a:cubicBezTo>
-                <a:cubicBezTo>
-                  <a:pt x="8340547" y="2768961"/>
-                  <a:pt x="8102644" y="2790436"/>
-                  <a:pt x="7864358" y="2807692"/>
-                </a:cubicBezTo>
-                <a:cubicBezTo>
-                  <a:pt x="7554994" y="2830036"/>
-                  <a:pt x="7245502" y="2847914"/>
-                  <a:pt x="6935502" y="2859086"/>
-                </a:cubicBezTo>
-                <a:cubicBezTo>
-                  <a:pt x="6782917" y="2864549"/>
-                  <a:pt x="6630334" y="2868397"/>
-                  <a:pt x="6477750" y="2872989"/>
-                </a:cubicBezTo>
-                <a:cubicBezTo>
-                  <a:pt x="6439195" y="2870905"/>
-                  <a:pt x="6400529" y="2872530"/>
-                  <a:pt x="6362294" y="2877832"/>
-                </a:cubicBezTo>
-                <a:lnTo>
-                  <a:pt x="6057129" y="2877832"/>
-                </a:lnTo>
-                <a:lnTo>
-                  <a:pt x="5977784" y="2873238"/>
-                </a:lnTo>
-                <a:cubicBezTo>
-                  <a:pt x="5740261" y="2860825"/>
-                  <a:pt x="5502739" y="2847046"/>
-                  <a:pt x="5265087" y="2836989"/>
-                </a:cubicBezTo>
-                <a:cubicBezTo>
-                  <a:pt x="4958267" y="2824573"/>
-                  <a:pt x="4651826" y="2804093"/>
-                  <a:pt x="4346277" y="2774919"/>
-                </a:cubicBezTo>
-                <a:cubicBezTo>
-                  <a:pt x="4021654" y="2744007"/>
-                  <a:pt x="3697795" y="2709372"/>
-                  <a:pt x="3373045" y="2676350"/>
-                </a:cubicBezTo>
-                <a:cubicBezTo>
-                  <a:pt x="3035412" y="2642088"/>
-                  <a:pt x="2698456" y="2602449"/>
-                  <a:pt x="2362173" y="2557423"/>
-                </a:cubicBezTo>
-                <a:cubicBezTo>
-                  <a:pt x="1984692" y="2507270"/>
-                  <a:pt x="1608364" y="2449544"/>
-                  <a:pt x="1233178" y="2384247"/>
-                </a:cubicBezTo>
-                <a:cubicBezTo>
-                  <a:pt x="842181" y="2315534"/>
-                  <a:pt x="453758" y="2237046"/>
-                  <a:pt x="68500" y="2144540"/>
-                </a:cubicBezTo>
-                <a:lnTo>
-                  <a:pt x="0" y="2127185"/>
-                </a:lnTo>
-                <a:lnTo>
-                  <a:pt x="0" y="2070696"/>
-                </a:lnTo>
-                <a:lnTo>
-                  <a:pt x="72441" y="2089473"/>
-                </a:lnTo>
-                <a:cubicBezTo>
-                  <a:pt x="247961" y="2131651"/>
-                  <a:pt x="424164" y="2170911"/>
-                  <a:pt x="600716" y="2207843"/>
-                </a:cubicBezTo>
-                <a:cubicBezTo>
-                  <a:pt x="988279" y="2288657"/>
-                  <a:pt x="1378133" y="2357555"/>
-                  <a:pt x="1769512" y="2418011"/>
-                </a:cubicBezTo>
-                <a:cubicBezTo>
-                  <a:pt x="2052426" y="2461587"/>
-                  <a:pt x="2335725" y="2501684"/>
-                  <a:pt x="2613554" y="2534953"/>
-                </a:cubicBezTo>
-                <a:cubicBezTo>
-                  <a:pt x="2605544" y="2537560"/>
-                  <a:pt x="2594611" y="2527504"/>
-                  <a:pt x="2581134" y="2525022"/>
-                </a:cubicBezTo>
-                <a:cubicBezTo>
-                  <a:pt x="2087178" y="2433070"/>
-                  <a:pt x="1597684" y="2322177"/>
-                  <a:pt x="1112635" y="2192325"/>
-                </a:cubicBezTo>
-                <a:cubicBezTo>
-                  <a:pt x="880453" y="2130254"/>
-                  <a:pt x="649713" y="2063776"/>
-                  <a:pt x="420412" y="1992892"/>
-                </a:cubicBezTo>
-                <a:lnTo>
-                  <a:pt x="0" y="1853975"/>
-                </a:lnTo>
-                <a:close/>
-              </a:path>
-            </a:pathLst>
-          </a:custGeom>
-          <a:solidFill>
-            <a:schemeClr val="accent2"/>
-          </a:solidFill>
-          <a:ln>
-            <a:noFill/>
-          </a:ln>
-        </p:spPr>
-        <p:style>
-          <a:lnRef idx="2">
-            <a:schemeClr val="accent1">
-              <a:shade val="50000"/>
-            </a:schemeClr>
-          </a:lnRef>
-          <a:fillRef idx="1">
-            <a:schemeClr val="accent1"/>
-          </a:fillRef>
-          <a:effectRef idx="0">
-            <a:schemeClr val="accent1"/>
-          </a:effectRef>
-          <a:fontRef idx="minor">
-            <a:schemeClr val="lt1"/>
-          </a:fontRef>
-        </p:style>
-        <p:txBody>
-          <a:bodyPr wrap="square" rtlCol="0" anchor="ctr">
-            <a:noAutofit/>
-          </a:bodyPr>
-          <a:lstStyle/>
-          <a:p>
-            <a:pPr algn="ctr"/>
-            <a:endParaRPr lang="en-US"/>
-          </a:p>
-        </p:txBody>
-      </p:sp>
-      <p:sp>
-        <p:nvSpPr>
-          <p:cNvPr id="2" name="Title 1">
-            <a:extLst>
-              <a:ext uri="{FF2B5EF4-FFF2-40B4-BE49-F238E27FC236}">
-                <a16:creationId xmlns:a16="http://schemas.microsoft.com/office/drawing/2014/main" id="{CB23E5B4-6AA6-9704-DE5C-1719AABF4CBC}"/>
-              </a:ext>
-            </a:extLst>
-          </p:cNvPr>
-          <p:cNvSpPr>
-            <a:spLocks noGrp="1"/>
-          </p:cNvSpPr>
-          <p:nvPr>
-            <p:ph type="title"/>
-          </p:nvPr>
-        </p:nvSpPr>
-        <p:spPr>
-          <a:xfrm>
-            <a:off x="638881" y="390525"/>
-            <a:ext cx="10909640" cy="1510301"/>
-          </a:xfrm>
-        </p:spPr>
-        <p:txBody>
-          <a:bodyPr vert="horz" lIns="91440" tIns="45720" rIns="91440" bIns="45720" rtlCol="0" anchor="ctr">
-            <a:normAutofit/>
-          </a:bodyPr>
-          <a:lstStyle/>
-          <a:p>
-            <a:pPr algn="ctr"/>
-            <a:r>
-              <a:rPr lang="en-US" sz="6600" kern="1200">
-                <a:solidFill>
-                  <a:srgbClr val="FFFFFF"/>
-                </a:solidFill>
-                <a:latin typeface="+mj-lt"/>
-                <a:ea typeface="+mj-ea"/>
-                <a:cs typeface="+mj-cs"/>
-              </a:rPr>
-              <a:t>Dividends!</a:t>
-            </a:r>
-          </a:p>
-        </p:txBody>
-      </p:sp>
-      <p:sp>
-        <p:nvSpPr>
-          <p:cNvPr id="3" name="Content Placeholder 2">
-            <a:extLst>
-              <a:ext uri="{FF2B5EF4-FFF2-40B4-BE49-F238E27FC236}">
-                <a16:creationId xmlns:a16="http://schemas.microsoft.com/office/drawing/2014/main" id="{04B07832-F8EE-F14B-788C-2791584D87BF}"/>
-              </a:ext>
-            </a:extLst>
-          </p:cNvPr>
-          <p:cNvSpPr>
-            <a:spLocks noGrp="1"/>
-          </p:cNvSpPr>
-          <p:nvPr>
-            <p:ph idx="1"/>
-          </p:nvPr>
-        </p:nvSpPr>
-        <p:spPr>
-          <a:xfrm>
-            <a:off x="2895601" y="1900826"/>
-            <a:ext cx="6396204" cy="662542"/>
-          </a:xfrm>
-        </p:spPr>
-        <p:txBody>
-          <a:bodyPr vert="horz" lIns="91440" tIns="45720" rIns="91440" bIns="45720" rtlCol="0" anchor="ctr">
-            <a:normAutofit/>
-          </a:bodyPr>
-          <a:lstStyle/>
-          <a:p>
-            <a:pPr marL="0" indent="0" algn="ctr">
-              <a:buNone/>
-            </a:pPr>
-            <a:r>
-              <a:rPr lang="en-US" sz="2000" kern="1200">
-                <a:solidFill>
-                  <a:srgbClr val="FFFFFF"/>
-                </a:solidFill>
-                <a:latin typeface="+mn-lt"/>
-                <a:ea typeface="+mn-ea"/>
-                <a:cs typeface="+mn-cs"/>
-              </a:rPr>
-              <a:t>Each dividend portfolio beat the broader market index</a:t>
-            </a:r>
-          </a:p>
-        </p:txBody>
-      </p:sp>
-      <p:sp>
-        <p:nvSpPr>
-          <p:cNvPr id="30" name="sketch line">
-            <a:extLst>
-              <a:ext uri="{FF2B5EF4-FFF2-40B4-BE49-F238E27FC236}">
-                <a16:creationId xmlns:a16="http://schemas.microsoft.com/office/drawing/2014/main" id="{56037404-66BD-46B5-9323-1B531319671A}"/>
-              </a:ext>
-              <a:ext uri="{C183D7F6-B498-43B3-948B-1728B52AA6E4}">
-                <adec:decorative xmlns:adec="http://schemas.microsoft.com/office/drawing/2017/decorative" val="1"/>
-              </a:ext>
-            </a:extLst>
-          </p:cNvPr>
-          <p:cNvSpPr>
-            <a:spLocks noGrp="1" noRot="1" noChangeAspect="1" noMove="1" noResize="1" noEditPoints="1" noAdjustHandles="1" noChangeArrowheads="1" noChangeShapeType="1" noTextEdit="1"/>
-          </p:cNvSpPr>
-          <p:nvPr>
-            <p:extLst>
-              <p:ext uri="{386F3935-93C4-4BCD-93E2-E3B085C9AB24}">
-                <p16:designElem xmlns:p16="http://schemas.microsoft.com/office/powerpoint/2015/main" val="1"/>
-              </p:ext>
-            </p:extLst>
-          </p:nvPr>
-        </p:nvSpPr>
-        <p:spPr>
-          <a:xfrm>
-            <a:off x="3974206" y="1753266"/>
-            <a:ext cx="4243589" cy="18288"/>
-          </a:xfrm>
-          <a:custGeom>
-            <a:avLst/>
-            <a:gdLst>
-              <a:gd name="connsiteX0" fmla="*/ 0 w 4243589"/>
-              <a:gd name="connsiteY0" fmla="*/ 0 h 18288"/>
-              <a:gd name="connsiteX1" fmla="*/ 563791 w 4243589"/>
-              <a:gd name="connsiteY1" fmla="*/ 0 h 18288"/>
-              <a:gd name="connsiteX2" fmla="*/ 1042710 w 4243589"/>
-              <a:gd name="connsiteY2" fmla="*/ 0 h 18288"/>
-              <a:gd name="connsiteX3" fmla="*/ 1564066 w 4243589"/>
-              <a:gd name="connsiteY3" fmla="*/ 0 h 18288"/>
-              <a:gd name="connsiteX4" fmla="*/ 2212729 w 4243589"/>
-              <a:gd name="connsiteY4" fmla="*/ 0 h 18288"/>
-              <a:gd name="connsiteX5" fmla="*/ 2776520 w 4243589"/>
-              <a:gd name="connsiteY5" fmla="*/ 0 h 18288"/>
-              <a:gd name="connsiteX6" fmla="*/ 3297875 w 4243589"/>
-              <a:gd name="connsiteY6" fmla="*/ 0 h 18288"/>
-              <a:gd name="connsiteX7" fmla="*/ 4243589 w 4243589"/>
-              <a:gd name="connsiteY7" fmla="*/ 0 h 18288"/>
-              <a:gd name="connsiteX8" fmla="*/ 4243589 w 4243589"/>
-              <a:gd name="connsiteY8" fmla="*/ 18288 h 18288"/>
-              <a:gd name="connsiteX9" fmla="*/ 3637362 w 4243589"/>
-              <a:gd name="connsiteY9" fmla="*/ 18288 h 18288"/>
-              <a:gd name="connsiteX10" fmla="*/ 3116007 w 4243589"/>
-              <a:gd name="connsiteY10" fmla="*/ 18288 h 18288"/>
-              <a:gd name="connsiteX11" fmla="*/ 2424908 w 4243589"/>
-              <a:gd name="connsiteY11" fmla="*/ 18288 h 18288"/>
-              <a:gd name="connsiteX12" fmla="*/ 1861117 w 4243589"/>
-              <a:gd name="connsiteY12" fmla="*/ 18288 h 18288"/>
-              <a:gd name="connsiteX13" fmla="*/ 1382198 w 4243589"/>
-              <a:gd name="connsiteY13" fmla="*/ 18288 h 18288"/>
-              <a:gd name="connsiteX14" fmla="*/ 733535 w 4243589"/>
-              <a:gd name="connsiteY14" fmla="*/ 18288 h 18288"/>
-              <a:gd name="connsiteX15" fmla="*/ 0 w 4243589"/>
-              <a:gd name="connsiteY15" fmla="*/ 18288 h 18288"/>
-              <a:gd name="connsiteX16" fmla="*/ 0 w 4243589"/>
-              <a:gd name="connsiteY16" fmla="*/ 0 h 18288"/>
-            </a:gdLst>
-            <a:ahLst/>
-            <a:cxnLst>
-              <a:cxn ang="0">
-                <a:pos x="connsiteX0" y="connsiteY0"/>
-              </a:cxn>
-              <a:cxn ang="0">
-                <a:pos x="connsiteX1" y="connsiteY1"/>
-              </a:cxn>
-              <a:cxn ang="0">
-                <a:pos x="connsiteX2" y="connsiteY2"/>
-              </a:cxn>
-              <a:cxn ang="0">
-                <a:pos x="connsiteX3" y="connsiteY3"/>
-              </a:cxn>
-              <a:cxn ang="0">
-                <a:pos x="connsiteX4" y="connsiteY4"/>
-              </a:cxn>
-              <a:cxn ang="0">
-                <a:pos x="connsiteX5" y="connsiteY5"/>
-              </a:cxn>
-              <a:cxn ang="0">
-                <a:pos x="connsiteX6" y="connsiteY6"/>
-              </a:cxn>
-              <a:cxn ang="0">
-                <a:pos x="connsiteX7" y="connsiteY7"/>
-              </a:cxn>
-              <a:cxn ang="0">
-                <a:pos x="connsiteX8" y="connsiteY8"/>
-              </a:cxn>
-              <a:cxn ang="0">
-                <a:pos x="connsiteX9" y="connsiteY9"/>
-              </a:cxn>
-              <a:cxn ang="0">
-                <a:pos x="connsiteX10" y="connsiteY10"/>
-              </a:cxn>
-              <a:cxn ang="0">
-                <a:pos x="connsiteX11" y="connsiteY11"/>
-              </a:cxn>
-              <a:cxn ang="0">
-                <a:pos x="connsiteX12" y="connsiteY12"/>
-              </a:cxn>
-              <a:cxn ang="0">
-                <a:pos x="connsiteX13" y="connsiteY13"/>
-              </a:cxn>
-              <a:cxn ang="0">
-                <a:pos x="connsiteX14" y="connsiteY14"/>
-              </a:cxn>
-              <a:cxn ang="0">
-                <a:pos x="connsiteX15" y="connsiteY15"/>
-              </a:cxn>
-              <a:cxn ang="0">
-                <a:pos x="connsiteX16" y="connsiteY16"/>
-              </a:cxn>
-            </a:cxnLst>
-            <a:rect l="l" t="t" r="r" b="b"/>
-            <a:pathLst>
-              <a:path w="4243589" h="18288" fill="none" extrusionOk="0">
-                <a:moveTo>
-                  <a:pt x="0" y="0"/>
-                </a:moveTo>
-                <a:cubicBezTo>
-                  <a:pt x="157351" y="-15653"/>
-                  <a:pt x="378877" y="-5828"/>
-                  <a:pt x="563791" y="0"/>
-                </a:cubicBezTo>
-                <a:cubicBezTo>
-                  <a:pt x="748705" y="5828"/>
-                  <a:pt x="905659" y="-5525"/>
-                  <a:pt x="1042710" y="0"/>
-                </a:cubicBezTo>
-                <a:cubicBezTo>
-                  <a:pt x="1179761" y="5525"/>
-                  <a:pt x="1356845" y="-21288"/>
-                  <a:pt x="1564066" y="0"/>
-                </a:cubicBezTo>
-                <a:cubicBezTo>
-                  <a:pt x="1771287" y="21288"/>
-                  <a:pt x="1912099" y="25135"/>
-                  <a:pt x="2212729" y="0"/>
-                </a:cubicBezTo>
-                <a:cubicBezTo>
-                  <a:pt x="2513359" y="-25135"/>
-                  <a:pt x="2514918" y="-27119"/>
-                  <a:pt x="2776520" y="0"/>
-                </a:cubicBezTo>
-                <a:cubicBezTo>
-                  <a:pt x="3038122" y="27119"/>
-                  <a:pt x="3178771" y="18116"/>
-                  <a:pt x="3297875" y="0"/>
-                </a:cubicBezTo>
-                <a:cubicBezTo>
-                  <a:pt x="3416980" y="-18116"/>
-                  <a:pt x="4012240" y="-40869"/>
-                  <a:pt x="4243589" y="0"/>
-                </a:cubicBezTo>
-                <a:cubicBezTo>
-                  <a:pt x="4243987" y="7429"/>
-                  <a:pt x="4243569" y="10822"/>
-                  <a:pt x="4243589" y="18288"/>
-                </a:cubicBezTo>
-                <a:cubicBezTo>
-                  <a:pt x="4112949" y="-2855"/>
-                  <a:pt x="3928037" y="1831"/>
-                  <a:pt x="3637362" y="18288"/>
-                </a:cubicBezTo>
-                <a:cubicBezTo>
-                  <a:pt x="3346687" y="34745"/>
-                  <a:pt x="3254446" y="26669"/>
-                  <a:pt x="3116007" y="18288"/>
-                </a:cubicBezTo>
-                <a:cubicBezTo>
-                  <a:pt x="2977569" y="9907"/>
-                  <a:pt x="2620228" y="28873"/>
-                  <a:pt x="2424908" y="18288"/>
-                </a:cubicBezTo>
-                <a:cubicBezTo>
-                  <a:pt x="2229588" y="7703"/>
-                  <a:pt x="2088287" y="-3854"/>
-                  <a:pt x="1861117" y="18288"/>
-                </a:cubicBezTo>
-                <a:cubicBezTo>
-                  <a:pt x="1633947" y="40430"/>
-                  <a:pt x="1502447" y="-871"/>
-                  <a:pt x="1382198" y="18288"/>
-                </a:cubicBezTo>
-                <a:cubicBezTo>
-                  <a:pt x="1261949" y="37447"/>
-                  <a:pt x="1045440" y="28353"/>
-                  <a:pt x="733535" y="18288"/>
-                </a:cubicBezTo>
-                <a:cubicBezTo>
-                  <a:pt x="421630" y="8223"/>
-                  <a:pt x="341257" y="-18359"/>
-                  <a:pt x="0" y="18288"/>
-                </a:cubicBezTo>
-                <a:cubicBezTo>
-                  <a:pt x="-591" y="13205"/>
-                  <a:pt x="-663" y="6329"/>
-                  <a:pt x="0" y="0"/>
-                </a:cubicBezTo>
-                <a:close/>
-              </a:path>
-              <a:path w="4243589" h="18288" stroke="0" extrusionOk="0">
-                <a:moveTo>
-                  <a:pt x="0" y="0"/>
-                </a:moveTo>
-                <a:cubicBezTo>
-                  <a:pt x="128164" y="17204"/>
-                  <a:pt x="312653" y="1129"/>
-                  <a:pt x="563791" y="0"/>
-                </a:cubicBezTo>
-                <a:cubicBezTo>
-                  <a:pt x="814929" y="-1129"/>
-                  <a:pt x="837271" y="8503"/>
-                  <a:pt x="1042710" y="0"/>
-                </a:cubicBezTo>
-                <a:cubicBezTo>
-                  <a:pt x="1248149" y="-8503"/>
-                  <a:pt x="1588432" y="-28862"/>
-                  <a:pt x="1733809" y="0"/>
-                </a:cubicBezTo>
-                <a:cubicBezTo>
-                  <a:pt x="1879186" y="28862"/>
-                  <a:pt x="2052815" y="5974"/>
-                  <a:pt x="2297600" y="0"/>
-                </a:cubicBezTo>
-                <a:cubicBezTo>
-                  <a:pt x="2542385" y="-5974"/>
-                  <a:pt x="2699960" y="-23550"/>
-                  <a:pt x="2861391" y="0"/>
-                </a:cubicBezTo>
-                <a:cubicBezTo>
-                  <a:pt x="3022822" y="23550"/>
-                  <a:pt x="3390411" y="25272"/>
-                  <a:pt x="3552490" y="0"/>
-                </a:cubicBezTo>
-                <a:cubicBezTo>
-                  <a:pt x="3714569" y="-25272"/>
-                  <a:pt x="3950585" y="-31327"/>
-                  <a:pt x="4243589" y="0"/>
-                </a:cubicBezTo>
-                <a:cubicBezTo>
-                  <a:pt x="4242703" y="5429"/>
-                  <a:pt x="4244410" y="14046"/>
-                  <a:pt x="4243589" y="18288"/>
-                </a:cubicBezTo>
-                <a:cubicBezTo>
-                  <a:pt x="4130424" y="-1240"/>
-                  <a:pt x="3932803" y="42249"/>
-                  <a:pt x="3722234" y="18288"/>
-                </a:cubicBezTo>
-                <a:cubicBezTo>
-                  <a:pt x="3511665" y="-5673"/>
-                  <a:pt x="3269903" y="45994"/>
-                  <a:pt x="3116007" y="18288"/>
-                </a:cubicBezTo>
-                <a:cubicBezTo>
-                  <a:pt x="2962111" y="-9418"/>
-                  <a:pt x="2744280" y="23224"/>
-                  <a:pt x="2509780" y="18288"/>
-                </a:cubicBezTo>
-                <a:cubicBezTo>
-                  <a:pt x="2275280" y="13352"/>
-                  <a:pt x="2066059" y="43664"/>
-                  <a:pt x="1945989" y="18288"/>
-                </a:cubicBezTo>
-                <a:cubicBezTo>
-                  <a:pt x="1825919" y="-7088"/>
-                  <a:pt x="1407329" y="12616"/>
-                  <a:pt x="1254890" y="18288"/>
-                </a:cubicBezTo>
-                <a:cubicBezTo>
-                  <a:pt x="1102451" y="23960"/>
-                  <a:pt x="837950" y="31673"/>
-                  <a:pt x="563791" y="18288"/>
-                </a:cubicBezTo>
-                <a:cubicBezTo>
-                  <a:pt x="289632" y="4903"/>
-                  <a:pt x="132768" y="7105"/>
-                  <a:pt x="0" y="18288"/>
-                </a:cubicBezTo>
-                <a:cubicBezTo>
-                  <a:pt x="668" y="13665"/>
-                  <a:pt x="578" y="5675"/>
-                  <a:pt x="0" y="0"/>
-                </a:cubicBezTo>
-                <a:close/>
-              </a:path>
-            </a:pathLst>
-          </a:custGeom>
-          <a:solidFill>
-            <a:srgbClr val="FFFFFF"/>
-          </a:solidFill>
-          <a:ln w="38100" cap="rnd">
-            <a:solidFill>
-              <a:srgbClr val="FFFFFF"/>
-            </a:solidFill>
-            <a:round/>
-            <a:extLst>
-              <a:ext uri="{C807C97D-BFC1-408E-A445-0C87EB9F89A2}">
-                <ask:lineSketchStyleProps xmlns:ask="http://schemas.microsoft.com/office/drawing/2018/sketchyshapes" sd="1219033472">
-                  <a:prstGeom prst="rect">
-                    <a:avLst/>
-                  </a:prstGeom>
-                  <ask:type>
-                    <ask:lineSketchFreehand/>
-                  </ask:type>
-                </ask:lineSketchStyleProps>
-              </a:ext>
-            </a:extLst>
-          </a:ln>
-        </p:spPr>
-        <p:style>
-          <a:lnRef idx="2">
-            <a:schemeClr val="accent1">
-              <a:shade val="50000"/>
-            </a:schemeClr>
-          </a:lnRef>
-          <a:fillRef idx="1">
-            <a:schemeClr val="accent1"/>
-          </a:fillRef>
-          <a:effectRef idx="0">
-            <a:schemeClr val="accent1"/>
-          </a:effectRef>
-          <a:fontRef idx="minor">
-            <a:schemeClr val="lt1"/>
-          </a:fontRef>
-        </p:style>
-        <p:txBody>
-          <a:bodyPr rtlCol="0" anchor="ctr"/>
-          <a:lstStyle/>
-          <a:p>
-            <a:pPr algn="ctr"/>
-            <a:endParaRPr lang="en-US"/>
-          </a:p>
-        </p:txBody>
-      </p:sp>
-      <p:pic>
-        <p:nvPicPr>
-          <p:cNvPr id="5" name="Picture 4" descr="A graph showing the growth of a stock market&#10;&#10;Description automatically generated">
-            <a:extLst>
-              <a:ext uri="{FF2B5EF4-FFF2-40B4-BE49-F238E27FC236}">
-                <a16:creationId xmlns:a16="http://schemas.microsoft.com/office/drawing/2014/main" id="{C788986A-41B1-35A5-3E0D-3FA318837D52}"/>
-              </a:ext>
-            </a:extLst>
-          </p:cNvPr>
-          <p:cNvPicPr>
-            <a:picLocks noChangeAspect="1"/>
-          </p:cNvPicPr>
-          <p:nvPr/>
-        </p:nvPicPr>
-        <p:blipFill>
-          <a:blip r:embed="rId2"/>
-          <a:stretch>
-            <a:fillRect/>
-          </a:stretch>
-        </p:blipFill>
-        <p:spPr>
-          <a:xfrm>
-            <a:off x="116857" y="2484710"/>
-            <a:ext cx="10053538" cy="4373290"/>
-          </a:xfrm>
-          <a:prstGeom prst="rect">
-            <a:avLst/>
-          </a:prstGeom>
-        </p:spPr>
-      </p:pic>
-      <p:graphicFrame>
-        <p:nvGraphicFramePr>
-          <p:cNvPr id="6" name="Table 5">
-            <a:extLst>
-              <a:ext uri="{FF2B5EF4-FFF2-40B4-BE49-F238E27FC236}">
-                <a16:creationId xmlns:a16="http://schemas.microsoft.com/office/drawing/2014/main" id="{53BA4790-A3D5-0BF7-0B54-6D471DC74B6B}"/>
-              </a:ext>
-            </a:extLst>
-          </p:cNvPr>
-          <p:cNvGraphicFramePr>
-            <a:graphicFrameLocks noGrp="1"/>
-          </p:cNvGraphicFramePr>
-          <p:nvPr>
-            <p:extLst>
-              <p:ext uri="{D42A27DB-BD31-4B8C-83A1-F6EECF244321}">
-                <p14:modId xmlns:p14="http://schemas.microsoft.com/office/powerpoint/2010/main" val="3342306103"/>
-              </p:ext>
-            </p:extLst>
-          </p:nvPr>
-        </p:nvGraphicFramePr>
-        <p:xfrm>
-          <a:off x="9168920" y="5004619"/>
-          <a:ext cx="2570796" cy="1509840"/>
-        </p:xfrm>
-        <a:graphic>
-          <a:graphicData uri="http://schemas.openxmlformats.org/drawingml/2006/table">
-            <a:tbl>
-              <a:tblPr firstRow="1" firstCol="1" bandRow="1">
-                <a:tableStyleId>{5C22544A-7EE6-4342-B048-85BDC9FD1C3A}</a:tableStyleId>
-              </a:tblPr>
-              <a:tblGrid>
-                <a:gridCol w="1074214">
-                  <a:extLst>
-                    <a:ext uri="{9D8B030D-6E8A-4147-A177-3AD203B41FA5}">
-                      <a16:colId xmlns:a16="http://schemas.microsoft.com/office/drawing/2014/main" val="1453322486"/>
-                    </a:ext>
-                  </a:extLst>
-                </a:gridCol>
-                <a:gridCol w="1496582">
-                  <a:extLst>
-                    <a:ext uri="{9D8B030D-6E8A-4147-A177-3AD203B41FA5}">
-                      <a16:colId xmlns:a16="http://schemas.microsoft.com/office/drawing/2014/main" val="2087573101"/>
-                    </a:ext>
-                  </a:extLst>
-                </a:gridCol>
-              </a:tblGrid>
-              <a:tr h="290640">
-                <a:tc>
-                  <a:txBody>
-                    <a:bodyPr/>
-                    <a:lstStyle/>
-                    <a:p>
-                      <a:pPr marL="0" marR="0" algn="ctr">
-                        <a:spcBef>
-                          <a:spcPts val="0"/>
-                        </a:spcBef>
-                        <a:spcAft>
-                          <a:spcPts val="0"/>
-                        </a:spcAft>
-                      </a:pPr>
-                      <a:r>
-                        <a:rPr lang="en-US" sz="1200" kern="100">
-                          <a:effectLst/>
-                        </a:rPr>
-                        <a:t>Portfolio</a:t>
-                      </a:r>
-                      <a:endParaRPr lang="en-US" sz="1200" kern="100">
-                        <a:effectLst/>
-                        <a:latin typeface="Times New Roman" panose="02020603050405020304" pitchFamily="18" charset="0"/>
-                        <a:ea typeface="Times New Roman" panose="02020603050405020304" pitchFamily="18" charset="0"/>
-                      </a:endParaRPr>
-                    </a:p>
-                  </a:txBody>
-                  <a:tcPr marL="68580" marR="68580" marT="0" marB="0" anchor="b"/>
-                </a:tc>
-                <a:tc>
-                  <a:txBody>
-                    <a:bodyPr/>
-                    <a:lstStyle/>
-                    <a:p>
-                      <a:pPr marL="0" marR="0" algn="ctr">
-                        <a:spcBef>
-                          <a:spcPts val="0"/>
-                        </a:spcBef>
-                        <a:spcAft>
-                          <a:spcPts val="0"/>
-                        </a:spcAft>
-                      </a:pPr>
-                      <a:r>
-                        <a:rPr lang="en-US" sz="1200" kern="100">
-                          <a:effectLst/>
-                        </a:rPr>
-                        <a:t>Annualized Return</a:t>
-                      </a:r>
-                      <a:endParaRPr lang="en-US" sz="1200" kern="100">
-                        <a:effectLst/>
-                        <a:latin typeface="Times New Roman" panose="02020603050405020304" pitchFamily="18" charset="0"/>
-                        <a:ea typeface="Times New Roman" panose="02020603050405020304" pitchFamily="18" charset="0"/>
-                      </a:endParaRPr>
-                    </a:p>
-                  </a:txBody>
-                  <a:tcPr marL="68580" marR="68580" marT="0" marB="0" anchor="b"/>
-                </a:tc>
-                <a:extLst>
-                  <a:ext uri="{0D108BD9-81ED-4DB2-BD59-A6C34878D82A}">
-                    <a16:rowId xmlns:a16="http://schemas.microsoft.com/office/drawing/2014/main" val="424668278"/>
-                  </a:ext>
-                </a:extLst>
-              </a:tr>
-              <a:tr h="203200">
-                <a:tc>
-                  <a:txBody>
-                    <a:bodyPr/>
-                    <a:lstStyle/>
-                    <a:p>
-                      <a:pPr marL="0" marR="0" algn="ctr">
-                        <a:spcBef>
-                          <a:spcPts val="0"/>
-                        </a:spcBef>
-                        <a:spcAft>
-                          <a:spcPts val="0"/>
-                        </a:spcAft>
-                      </a:pPr>
-                      <a:r>
-                        <a:rPr lang="en-US" sz="1200" kern="100">
-                          <a:effectLst/>
-                        </a:rPr>
-                        <a:t>Portfolio 1</a:t>
-                      </a:r>
-                      <a:endParaRPr lang="en-US" sz="1200" kern="100">
-                        <a:effectLst/>
-                        <a:latin typeface="Times New Roman" panose="02020603050405020304" pitchFamily="18" charset="0"/>
-                        <a:ea typeface="Times New Roman" panose="02020603050405020304" pitchFamily="18" charset="0"/>
-                      </a:endParaRPr>
-                    </a:p>
-                  </a:txBody>
-                  <a:tcPr marL="68580" marR="68580" marT="0" marB="0" anchor="b"/>
-                </a:tc>
-                <a:tc>
-                  <a:txBody>
-                    <a:bodyPr/>
-                    <a:lstStyle/>
-                    <a:p>
-                      <a:pPr marL="0" marR="0" algn="ctr">
-                        <a:spcBef>
-                          <a:spcPts val="0"/>
-                        </a:spcBef>
-                        <a:spcAft>
-                          <a:spcPts val="0"/>
-                        </a:spcAft>
-                      </a:pPr>
-                      <a:r>
-                        <a:rPr lang="en-US" sz="1200" kern="100">
-                          <a:effectLst/>
-                        </a:rPr>
-                        <a:t>12.26%</a:t>
-                      </a:r>
-                      <a:endParaRPr lang="en-US" sz="1200" kern="100">
-                        <a:effectLst/>
-                        <a:latin typeface="Times New Roman" panose="02020603050405020304" pitchFamily="18" charset="0"/>
-                        <a:ea typeface="Times New Roman" panose="02020603050405020304" pitchFamily="18" charset="0"/>
-                      </a:endParaRPr>
-                    </a:p>
-                  </a:txBody>
-                  <a:tcPr marL="68580" marR="68580" marT="0" marB="0" anchor="b"/>
-                </a:tc>
-                <a:extLst>
-                  <a:ext uri="{0D108BD9-81ED-4DB2-BD59-A6C34878D82A}">
-                    <a16:rowId xmlns:a16="http://schemas.microsoft.com/office/drawing/2014/main" val="2028427254"/>
-                  </a:ext>
-                </a:extLst>
-              </a:tr>
-              <a:tr h="203200">
-                <a:tc>
-                  <a:txBody>
-                    <a:bodyPr/>
-                    <a:lstStyle/>
-                    <a:p>
-                      <a:pPr marL="0" marR="0" algn="ctr">
-                        <a:spcBef>
-                          <a:spcPts val="0"/>
-                        </a:spcBef>
-                        <a:spcAft>
-                          <a:spcPts val="0"/>
-                        </a:spcAft>
-                      </a:pPr>
-                      <a:r>
-                        <a:rPr lang="en-US" sz="1200" kern="100">
-                          <a:effectLst/>
-                        </a:rPr>
-                        <a:t>Portfolio 2</a:t>
-                      </a:r>
-                      <a:endParaRPr lang="en-US" sz="1200" kern="100">
-                        <a:effectLst/>
-                        <a:latin typeface="Times New Roman" panose="02020603050405020304" pitchFamily="18" charset="0"/>
-                        <a:ea typeface="Times New Roman" panose="02020603050405020304" pitchFamily="18" charset="0"/>
-                      </a:endParaRPr>
-                    </a:p>
-                  </a:txBody>
-                  <a:tcPr marL="68580" marR="68580" marT="0" marB="0" anchor="b"/>
-                </a:tc>
-                <a:tc>
-                  <a:txBody>
-                    <a:bodyPr/>
-                    <a:lstStyle/>
-                    <a:p>
-                      <a:pPr marL="0" marR="0" algn="ctr">
-                        <a:spcBef>
-                          <a:spcPts val="0"/>
-                        </a:spcBef>
-                        <a:spcAft>
-                          <a:spcPts val="0"/>
-                        </a:spcAft>
-                      </a:pPr>
-                      <a:r>
-                        <a:rPr lang="en-US" sz="1200" kern="100">
-                          <a:effectLst/>
-                        </a:rPr>
-                        <a:t>13.96%</a:t>
-                      </a:r>
-                      <a:endParaRPr lang="en-US" sz="1200" kern="100">
-                        <a:effectLst/>
-                        <a:latin typeface="Times New Roman" panose="02020603050405020304" pitchFamily="18" charset="0"/>
-                        <a:ea typeface="Times New Roman" panose="02020603050405020304" pitchFamily="18" charset="0"/>
-                      </a:endParaRPr>
-                    </a:p>
-                  </a:txBody>
-                  <a:tcPr marL="68580" marR="68580" marT="0" marB="0" anchor="b"/>
-                </a:tc>
-                <a:extLst>
-                  <a:ext uri="{0D108BD9-81ED-4DB2-BD59-A6C34878D82A}">
-                    <a16:rowId xmlns:a16="http://schemas.microsoft.com/office/drawing/2014/main" val="1056622588"/>
-                  </a:ext>
-                </a:extLst>
-              </a:tr>
-              <a:tr h="203200">
-                <a:tc>
-                  <a:txBody>
-                    <a:bodyPr/>
-                    <a:lstStyle/>
-                    <a:p>
-                      <a:pPr marL="0" marR="0" algn="ctr">
-                        <a:spcBef>
-                          <a:spcPts val="0"/>
-                        </a:spcBef>
-                        <a:spcAft>
-                          <a:spcPts val="0"/>
-                        </a:spcAft>
-                      </a:pPr>
-                      <a:r>
-                        <a:rPr lang="en-US" sz="1200" kern="100">
-                          <a:effectLst/>
-                        </a:rPr>
-                        <a:t>Portfolio 3</a:t>
-                      </a:r>
-                      <a:endParaRPr lang="en-US" sz="1200" kern="100">
-                        <a:effectLst/>
-                        <a:latin typeface="Times New Roman" panose="02020603050405020304" pitchFamily="18" charset="0"/>
-                        <a:ea typeface="Times New Roman" panose="02020603050405020304" pitchFamily="18" charset="0"/>
-                      </a:endParaRPr>
-                    </a:p>
-                  </a:txBody>
-                  <a:tcPr marL="68580" marR="68580" marT="0" marB="0" anchor="b"/>
-                </a:tc>
-                <a:tc>
-                  <a:txBody>
-                    <a:bodyPr/>
-                    <a:lstStyle/>
-                    <a:p>
-                      <a:pPr marL="0" marR="0" algn="ctr">
-                        <a:spcBef>
-                          <a:spcPts val="0"/>
-                        </a:spcBef>
-                        <a:spcAft>
-                          <a:spcPts val="0"/>
-                        </a:spcAft>
-                      </a:pPr>
-                      <a:r>
-                        <a:rPr lang="en-US" sz="1200" kern="100" dirty="0">
-                          <a:effectLst/>
-                        </a:rPr>
-                        <a:t>13.59%</a:t>
-                      </a:r>
-                      <a:endParaRPr lang="en-US" sz="1200" kern="100" dirty="0">
-                        <a:effectLst/>
-                        <a:latin typeface="Times New Roman" panose="02020603050405020304" pitchFamily="18" charset="0"/>
-                        <a:ea typeface="Times New Roman" panose="02020603050405020304" pitchFamily="18" charset="0"/>
-                      </a:endParaRPr>
-                    </a:p>
-                  </a:txBody>
-                  <a:tcPr marL="68580" marR="68580" marT="0" marB="0" anchor="b"/>
-                </a:tc>
-                <a:extLst>
-                  <a:ext uri="{0D108BD9-81ED-4DB2-BD59-A6C34878D82A}">
-                    <a16:rowId xmlns:a16="http://schemas.microsoft.com/office/drawing/2014/main" val="739119295"/>
-                  </a:ext>
-                </a:extLst>
-              </a:tr>
-              <a:tr h="203200">
-                <a:tc>
-                  <a:txBody>
-                    <a:bodyPr/>
-                    <a:lstStyle/>
-                    <a:p>
-                      <a:pPr marL="0" marR="0" algn="ctr">
-                        <a:spcBef>
-                          <a:spcPts val="0"/>
-                        </a:spcBef>
-                        <a:spcAft>
-                          <a:spcPts val="0"/>
-                        </a:spcAft>
-                      </a:pPr>
-                      <a:r>
-                        <a:rPr lang="en-US" sz="1200" kern="100">
-                          <a:effectLst/>
-                        </a:rPr>
-                        <a:t>Portfolio 4</a:t>
-                      </a:r>
-                      <a:endParaRPr lang="en-US" sz="1200" kern="100">
-                        <a:effectLst/>
-                        <a:latin typeface="Times New Roman" panose="02020603050405020304" pitchFamily="18" charset="0"/>
-                        <a:ea typeface="Times New Roman" panose="02020603050405020304" pitchFamily="18" charset="0"/>
-                      </a:endParaRPr>
-                    </a:p>
-                  </a:txBody>
-                  <a:tcPr marL="68580" marR="68580" marT="0" marB="0" anchor="b"/>
-                </a:tc>
-                <a:tc>
-                  <a:txBody>
-                    <a:bodyPr/>
-                    <a:lstStyle/>
-                    <a:p>
-                      <a:pPr marL="0" marR="0" algn="ctr">
-                        <a:spcBef>
-                          <a:spcPts val="0"/>
-                        </a:spcBef>
-                        <a:spcAft>
-                          <a:spcPts val="0"/>
-                        </a:spcAft>
-                      </a:pPr>
-                      <a:r>
-                        <a:rPr lang="en-US" sz="1200" kern="100">
-                          <a:effectLst/>
-                        </a:rPr>
-                        <a:t>11.30%</a:t>
-                      </a:r>
-                      <a:endParaRPr lang="en-US" sz="1200" kern="100">
-                        <a:effectLst/>
-                        <a:latin typeface="Times New Roman" panose="02020603050405020304" pitchFamily="18" charset="0"/>
-                        <a:ea typeface="Times New Roman" panose="02020603050405020304" pitchFamily="18" charset="0"/>
-                      </a:endParaRPr>
-                    </a:p>
-                  </a:txBody>
-                  <a:tcPr marL="68580" marR="68580" marT="0" marB="0" anchor="b"/>
-                </a:tc>
-                <a:extLst>
-                  <a:ext uri="{0D108BD9-81ED-4DB2-BD59-A6C34878D82A}">
-                    <a16:rowId xmlns:a16="http://schemas.microsoft.com/office/drawing/2014/main" val="3485335399"/>
-                  </a:ext>
-                </a:extLst>
-              </a:tr>
-              <a:tr h="203200">
-                <a:tc>
-                  <a:txBody>
-                    <a:bodyPr/>
-                    <a:lstStyle/>
-                    <a:p>
-                      <a:pPr marL="0" marR="0" algn="ctr">
-                        <a:spcBef>
-                          <a:spcPts val="0"/>
-                        </a:spcBef>
-                        <a:spcAft>
-                          <a:spcPts val="0"/>
-                        </a:spcAft>
-                      </a:pPr>
-                      <a:r>
-                        <a:rPr lang="en-US" sz="1200" kern="100">
-                          <a:effectLst/>
-                        </a:rPr>
-                        <a:t>Portfolio 5</a:t>
-                      </a:r>
-                      <a:endParaRPr lang="en-US" sz="1200" kern="100">
-                        <a:effectLst/>
-                        <a:latin typeface="Times New Roman" panose="02020603050405020304" pitchFamily="18" charset="0"/>
-                        <a:ea typeface="Times New Roman" panose="02020603050405020304" pitchFamily="18" charset="0"/>
-                      </a:endParaRPr>
-                    </a:p>
-                  </a:txBody>
-                  <a:tcPr marL="68580" marR="68580" marT="0" marB="0" anchor="b"/>
-                </a:tc>
-                <a:tc>
-                  <a:txBody>
-                    <a:bodyPr/>
-                    <a:lstStyle/>
-                    <a:p>
-                      <a:pPr marL="0" marR="0" algn="ctr">
-                        <a:spcBef>
-                          <a:spcPts val="0"/>
-                        </a:spcBef>
-                        <a:spcAft>
-                          <a:spcPts val="0"/>
-                        </a:spcAft>
-                      </a:pPr>
-                      <a:r>
-                        <a:rPr lang="en-US" sz="1200" kern="100">
-                          <a:effectLst/>
-                        </a:rPr>
-                        <a:t>12.95%</a:t>
-                      </a:r>
-                      <a:endParaRPr lang="en-US" sz="1200" kern="100">
-                        <a:effectLst/>
-                        <a:latin typeface="Times New Roman" panose="02020603050405020304" pitchFamily="18" charset="0"/>
-                        <a:ea typeface="Times New Roman" panose="02020603050405020304" pitchFamily="18" charset="0"/>
-                      </a:endParaRPr>
-                    </a:p>
-                  </a:txBody>
-                  <a:tcPr marL="68580" marR="68580" marT="0" marB="0" anchor="b"/>
-                </a:tc>
-                <a:extLst>
-                  <a:ext uri="{0D108BD9-81ED-4DB2-BD59-A6C34878D82A}">
-                    <a16:rowId xmlns:a16="http://schemas.microsoft.com/office/drawing/2014/main" val="2340400568"/>
-                  </a:ext>
-                </a:extLst>
-              </a:tr>
-              <a:tr h="203200">
-                <a:tc>
-                  <a:txBody>
-                    <a:bodyPr/>
-                    <a:lstStyle/>
-                    <a:p>
-                      <a:pPr marL="0" marR="0" algn="ctr">
-                        <a:spcBef>
-                          <a:spcPts val="0"/>
-                        </a:spcBef>
-                        <a:spcAft>
-                          <a:spcPts val="0"/>
-                        </a:spcAft>
-                      </a:pPr>
-                      <a:r>
-                        <a:rPr lang="en-US" sz="1200" kern="100">
-                          <a:effectLst/>
-                        </a:rPr>
-                        <a:t>SPY Portfolio</a:t>
-                      </a:r>
-                      <a:endParaRPr lang="en-US" sz="1200" kern="100">
-                        <a:effectLst/>
-                        <a:latin typeface="Times New Roman" panose="02020603050405020304" pitchFamily="18" charset="0"/>
-                        <a:ea typeface="Times New Roman" panose="02020603050405020304" pitchFamily="18" charset="0"/>
-                      </a:endParaRPr>
-                    </a:p>
-                  </a:txBody>
-                  <a:tcPr marL="68580" marR="68580" marT="0" marB="0" anchor="b"/>
-                </a:tc>
-                <a:tc>
-                  <a:txBody>
-                    <a:bodyPr/>
-                    <a:lstStyle/>
-                    <a:p>
-                      <a:pPr marL="0" marR="0" algn="ctr">
-                        <a:spcBef>
-                          <a:spcPts val="0"/>
-                        </a:spcBef>
-                        <a:spcAft>
-                          <a:spcPts val="0"/>
-                        </a:spcAft>
-                      </a:pPr>
-                      <a:r>
-                        <a:rPr lang="en-US" sz="1200" kern="100" dirty="0">
-                          <a:effectLst/>
-                        </a:rPr>
-                        <a:t>10.02%</a:t>
-                      </a:r>
-                      <a:endParaRPr lang="en-US" sz="1200" kern="100" dirty="0">
-                        <a:effectLst/>
-                        <a:latin typeface="Times New Roman" panose="02020603050405020304" pitchFamily="18" charset="0"/>
-                        <a:ea typeface="Times New Roman" panose="02020603050405020304" pitchFamily="18" charset="0"/>
-                      </a:endParaRPr>
-                    </a:p>
-                  </a:txBody>
-                  <a:tcPr marL="68580" marR="68580" marT="0" marB="0" anchor="b"/>
-                </a:tc>
-                <a:extLst>
-                  <a:ext uri="{0D108BD9-81ED-4DB2-BD59-A6C34878D82A}">
-                    <a16:rowId xmlns:a16="http://schemas.microsoft.com/office/drawing/2014/main" val="1148999878"/>
-                  </a:ext>
-                </a:extLst>
-              </a:tr>
-            </a:tbl>
-          </a:graphicData>
-        </a:graphic>
-      </p:graphicFrame>
-      <p:graphicFrame>
-        <p:nvGraphicFramePr>
-          <p:cNvPr id="7" name="Table 6">
-            <a:extLst>
-              <a:ext uri="{FF2B5EF4-FFF2-40B4-BE49-F238E27FC236}">
-                <a16:creationId xmlns:a16="http://schemas.microsoft.com/office/drawing/2014/main" id="{4AB9653E-E78E-0A35-C51F-35B4EB7B3308}"/>
-              </a:ext>
-            </a:extLst>
-          </p:cNvPr>
-          <p:cNvGraphicFramePr>
-            <a:graphicFrameLocks noGrp="1"/>
-          </p:cNvGraphicFramePr>
-          <p:nvPr>
-            <p:extLst>
-              <p:ext uri="{D42A27DB-BD31-4B8C-83A1-F6EECF244321}">
-                <p14:modId xmlns:p14="http://schemas.microsoft.com/office/powerpoint/2010/main" val="363577239"/>
-              </p:ext>
-            </p:extLst>
-          </p:nvPr>
-        </p:nvGraphicFramePr>
-        <p:xfrm>
-          <a:off x="2895601" y="3002603"/>
-          <a:ext cx="2630128" cy="1402080"/>
-        </p:xfrm>
-        <a:graphic>
-          <a:graphicData uri="http://schemas.openxmlformats.org/drawingml/2006/table">
-            <a:tbl>
-              <a:tblPr firstRow="1" firstCol="1" bandRow="1">
-                <a:tableStyleId>{5C22544A-7EE6-4342-B048-85BDC9FD1C3A}</a:tableStyleId>
-              </a:tblPr>
-              <a:tblGrid>
-                <a:gridCol w="1073997">
-                  <a:extLst>
-                    <a:ext uri="{9D8B030D-6E8A-4147-A177-3AD203B41FA5}">
-                      <a16:colId xmlns:a16="http://schemas.microsoft.com/office/drawing/2014/main" val="2937348041"/>
-                    </a:ext>
-                  </a:extLst>
-                </a:gridCol>
-                <a:gridCol w="1556131">
-                  <a:extLst>
-                    <a:ext uri="{9D8B030D-6E8A-4147-A177-3AD203B41FA5}">
-                      <a16:colId xmlns:a16="http://schemas.microsoft.com/office/drawing/2014/main" val="2991236783"/>
-                    </a:ext>
-                  </a:extLst>
-                </a:gridCol>
-              </a:tblGrid>
-              <a:tr h="58858">
-                <a:tc>
-                  <a:txBody>
-                    <a:bodyPr/>
-                    <a:lstStyle/>
-                    <a:p>
-                      <a:pPr marL="0" marR="0" algn="ctr">
-                        <a:spcBef>
-                          <a:spcPts val="0"/>
-                        </a:spcBef>
-                        <a:spcAft>
-                          <a:spcPts val="0"/>
-                        </a:spcAft>
-                      </a:pPr>
-                      <a:r>
-                        <a:rPr lang="en-US" sz="1200" kern="100" dirty="0">
-                          <a:effectLst/>
-                        </a:rPr>
-                        <a:t>Portfolio</a:t>
-                      </a:r>
-                      <a:endParaRPr lang="en-US" sz="1200" kern="100" dirty="0">
-                        <a:effectLst/>
-                        <a:latin typeface="Times New Roman" panose="02020603050405020304" pitchFamily="18" charset="0"/>
-                        <a:ea typeface="Times New Roman" panose="02020603050405020304" pitchFamily="18" charset="0"/>
-                      </a:endParaRPr>
-                    </a:p>
-                  </a:txBody>
-                  <a:tcPr marL="68580" marR="68580" marT="0" marB="0" anchor="b"/>
-                </a:tc>
-                <a:tc>
-                  <a:txBody>
-                    <a:bodyPr/>
-                    <a:lstStyle/>
-                    <a:p>
-                      <a:pPr marL="0" marR="0" algn="ctr">
-                        <a:spcBef>
-                          <a:spcPts val="0"/>
-                        </a:spcBef>
-                        <a:spcAft>
-                          <a:spcPts val="0"/>
-                        </a:spcAft>
-                      </a:pPr>
-                      <a:r>
-                        <a:rPr lang="en-US" sz="1200" kern="100">
-                          <a:effectLst/>
-                        </a:rPr>
-                        <a:t>Total Return</a:t>
-                      </a:r>
-                      <a:endParaRPr lang="en-US" sz="1200" kern="100">
-                        <a:effectLst/>
-                        <a:latin typeface="Times New Roman" panose="02020603050405020304" pitchFamily="18" charset="0"/>
-                        <a:ea typeface="Times New Roman" panose="02020603050405020304" pitchFamily="18" charset="0"/>
-                      </a:endParaRPr>
-                    </a:p>
-                  </a:txBody>
-                  <a:tcPr marL="68580" marR="68580" marT="0" marB="0" anchor="b"/>
-                </a:tc>
-                <a:extLst>
-                  <a:ext uri="{0D108BD9-81ED-4DB2-BD59-A6C34878D82A}">
-                    <a16:rowId xmlns:a16="http://schemas.microsoft.com/office/drawing/2014/main" val="3540458056"/>
-                  </a:ext>
-                </a:extLst>
-              </a:tr>
-              <a:tr h="203200">
-                <a:tc>
-                  <a:txBody>
-                    <a:bodyPr/>
-                    <a:lstStyle/>
-                    <a:p>
-                      <a:pPr marL="0" marR="0" algn="ctr">
-                        <a:spcBef>
-                          <a:spcPts val="0"/>
-                        </a:spcBef>
-                        <a:spcAft>
-                          <a:spcPts val="0"/>
-                        </a:spcAft>
-                      </a:pPr>
-                      <a:r>
-                        <a:rPr lang="en-US" sz="1200" kern="100">
-                          <a:effectLst/>
-                        </a:rPr>
-                        <a:t>Portfolio 1</a:t>
-                      </a:r>
-                      <a:endParaRPr lang="en-US" sz="1200" kern="100">
-                        <a:effectLst/>
-                        <a:latin typeface="Times New Roman" panose="02020603050405020304" pitchFamily="18" charset="0"/>
-                        <a:ea typeface="Times New Roman" panose="02020603050405020304" pitchFamily="18" charset="0"/>
-                      </a:endParaRPr>
-                    </a:p>
-                  </a:txBody>
-                  <a:tcPr marL="68580" marR="68580" marT="0" marB="0" anchor="b"/>
-                </a:tc>
-                <a:tc>
-                  <a:txBody>
-                    <a:bodyPr/>
-                    <a:lstStyle/>
-                    <a:p>
-                      <a:pPr marL="0" marR="0" algn="ctr">
-                        <a:spcBef>
-                          <a:spcPts val="0"/>
-                        </a:spcBef>
-                        <a:spcAft>
-                          <a:spcPts val="0"/>
-                        </a:spcAft>
-                      </a:pPr>
-                      <a:r>
-                        <a:rPr lang="en-US" sz="1200" kern="100">
-                          <a:effectLst/>
-                        </a:rPr>
-                        <a:t>3472.01%</a:t>
-                      </a:r>
-                      <a:endParaRPr lang="en-US" sz="1200" kern="100">
-                        <a:effectLst/>
-                        <a:latin typeface="Times New Roman" panose="02020603050405020304" pitchFamily="18" charset="0"/>
-                        <a:ea typeface="Times New Roman" panose="02020603050405020304" pitchFamily="18" charset="0"/>
-                      </a:endParaRPr>
-                    </a:p>
-                  </a:txBody>
-                  <a:tcPr marL="68580" marR="68580" marT="0" marB="0" anchor="b"/>
-                </a:tc>
-                <a:extLst>
-                  <a:ext uri="{0D108BD9-81ED-4DB2-BD59-A6C34878D82A}">
-                    <a16:rowId xmlns:a16="http://schemas.microsoft.com/office/drawing/2014/main" val="4280935075"/>
-                  </a:ext>
-                </a:extLst>
-              </a:tr>
-              <a:tr h="203200">
-                <a:tc>
-                  <a:txBody>
-                    <a:bodyPr/>
-                    <a:lstStyle/>
-                    <a:p>
-                      <a:pPr marL="0" marR="0" algn="ctr">
-                        <a:spcBef>
-                          <a:spcPts val="0"/>
-                        </a:spcBef>
-                        <a:spcAft>
-                          <a:spcPts val="0"/>
-                        </a:spcAft>
-                      </a:pPr>
-                      <a:r>
-                        <a:rPr lang="en-US" sz="1200" kern="100" dirty="0">
-                          <a:effectLst/>
-                        </a:rPr>
-                        <a:t>Portfolio 2</a:t>
-                      </a:r>
-                      <a:endParaRPr lang="en-US" sz="1200" kern="100" dirty="0">
-                        <a:effectLst/>
-                        <a:latin typeface="Times New Roman" panose="02020603050405020304" pitchFamily="18" charset="0"/>
-                        <a:ea typeface="Times New Roman" panose="02020603050405020304" pitchFamily="18" charset="0"/>
-                      </a:endParaRPr>
-                    </a:p>
-                  </a:txBody>
-                  <a:tcPr marL="68580" marR="68580" marT="0" marB="0" anchor="b"/>
-                </a:tc>
-                <a:tc>
-                  <a:txBody>
-                    <a:bodyPr/>
-                    <a:lstStyle/>
-                    <a:p>
-                      <a:pPr marL="0" marR="0" algn="ctr">
-                        <a:spcBef>
-                          <a:spcPts val="0"/>
-                        </a:spcBef>
-                        <a:spcAft>
-                          <a:spcPts val="0"/>
-                        </a:spcAft>
-                      </a:pPr>
-                      <a:r>
-                        <a:rPr lang="en-US" sz="1200" kern="100">
-                          <a:effectLst/>
-                        </a:rPr>
-                        <a:t>5577.98%</a:t>
-                      </a:r>
-                      <a:endParaRPr lang="en-US" sz="1200" kern="100">
-                        <a:effectLst/>
-                        <a:latin typeface="Times New Roman" panose="02020603050405020304" pitchFamily="18" charset="0"/>
-                        <a:ea typeface="Times New Roman" panose="02020603050405020304" pitchFamily="18" charset="0"/>
-                      </a:endParaRPr>
-                    </a:p>
-                  </a:txBody>
-                  <a:tcPr marL="68580" marR="68580" marT="0" marB="0" anchor="b"/>
-                </a:tc>
-                <a:extLst>
-                  <a:ext uri="{0D108BD9-81ED-4DB2-BD59-A6C34878D82A}">
-                    <a16:rowId xmlns:a16="http://schemas.microsoft.com/office/drawing/2014/main" val="3000782687"/>
-                  </a:ext>
-                </a:extLst>
-              </a:tr>
-              <a:tr h="203200">
-                <a:tc>
-                  <a:txBody>
-                    <a:bodyPr/>
-                    <a:lstStyle/>
-                    <a:p>
-                      <a:pPr marL="0" marR="0" algn="ctr">
-                        <a:spcBef>
-                          <a:spcPts val="0"/>
-                        </a:spcBef>
-                        <a:spcAft>
-                          <a:spcPts val="0"/>
-                        </a:spcAft>
-                      </a:pPr>
-                      <a:r>
-                        <a:rPr lang="en-US" sz="1200" kern="100">
-                          <a:effectLst/>
-                        </a:rPr>
-                        <a:t>Portfolio 3</a:t>
-                      </a:r>
-                      <a:endParaRPr lang="en-US" sz="1200" kern="100">
-                        <a:effectLst/>
-                        <a:latin typeface="Times New Roman" panose="02020603050405020304" pitchFamily="18" charset="0"/>
-                        <a:ea typeface="Times New Roman" panose="02020603050405020304" pitchFamily="18" charset="0"/>
-                      </a:endParaRPr>
-                    </a:p>
-                  </a:txBody>
-                  <a:tcPr marL="68580" marR="68580" marT="0" marB="0" anchor="b"/>
-                </a:tc>
-                <a:tc>
-                  <a:txBody>
-                    <a:bodyPr/>
-                    <a:lstStyle/>
-                    <a:p>
-                      <a:pPr marL="0" marR="0" algn="ctr">
-                        <a:spcBef>
-                          <a:spcPts val="0"/>
-                        </a:spcBef>
-                        <a:spcAft>
-                          <a:spcPts val="0"/>
-                        </a:spcAft>
-                      </a:pPr>
-                      <a:r>
-                        <a:rPr lang="en-US" sz="1200" kern="100">
-                          <a:effectLst/>
-                        </a:rPr>
-                        <a:t>5036.84%</a:t>
-                      </a:r>
-                      <a:endParaRPr lang="en-US" sz="1200" kern="100">
-                        <a:effectLst/>
-                        <a:latin typeface="Times New Roman" panose="02020603050405020304" pitchFamily="18" charset="0"/>
-                        <a:ea typeface="Times New Roman" panose="02020603050405020304" pitchFamily="18" charset="0"/>
-                      </a:endParaRPr>
-                    </a:p>
-                  </a:txBody>
-                  <a:tcPr marL="68580" marR="68580" marT="0" marB="0" anchor="b"/>
-                </a:tc>
-                <a:extLst>
-                  <a:ext uri="{0D108BD9-81ED-4DB2-BD59-A6C34878D82A}">
-                    <a16:rowId xmlns:a16="http://schemas.microsoft.com/office/drawing/2014/main" val="2791001931"/>
-                  </a:ext>
-                </a:extLst>
-              </a:tr>
-              <a:tr h="203200">
-                <a:tc>
-                  <a:txBody>
-                    <a:bodyPr/>
-                    <a:lstStyle/>
-                    <a:p>
-                      <a:pPr marL="0" marR="0" algn="ctr">
-                        <a:spcBef>
-                          <a:spcPts val="0"/>
-                        </a:spcBef>
-                        <a:spcAft>
-                          <a:spcPts val="0"/>
-                        </a:spcAft>
-                      </a:pPr>
-                      <a:r>
-                        <a:rPr lang="en-US" sz="1200" kern="100">
-                          <a:effectLst/>
-                        </a:rPr>
-                        <a:t>Portfolio 4</a:t>
-                      </a:r>
-                      <a:endParaRPr lang="en-US" sz="1200" kern="100">
-                        <a:effectLst/>
-                        <a:latin typeface="Times New Roman" panose="02020603050405020304" pitchFamily="18" charset="0"/>
-                        <a:ea typeface="Times New Roman" panose="02020603050405020304" pitchFamily="18" charset="0"/>
-                      </a:endParaRPr>
-                    </a:p>
-                  </a:txBody>
-                  <a:tcPr marL="68580" marR="68580" marT="0" marB="0" anchor="b"/>
-                </a:tc>
-                <a:tc>
-                  <a:txBody>
-                    <a:bodyPr/>
-                    <a:lstStyle/>
-                    <a:p>
-                      <a:pPr marL="0" marR="0" algn="ctr">
-                        <a:spcBef>
-                          <a:spcPts val="0"/>
-                        </a:spcBef>
-                        <a:spcAft>
-                          <a:spcPts val="0"/>
-                        </a:spcAft>
-                      </a:pPr>
-                      <a:r>
-                        <a:rPr lang="en-US" sz="1200" kern="100">
-                          <a:effectLst/>
-                        </a:rPr>
-                        <a:t>2636.37%</a:t>
-                      </a:r>
-                      <a:endParaRPr lang="en-US" sz="1200" kern="100">
-                        <a:effectLst/>
-                        <a:latin typeface="Times New Roman" panose="02020603050405020304" pitchFamily="18" charset="0"/>
-                        <a:ea typeface="Times New Roman" panose="02020603050405020304" pitchFamily="18" charset="0"/>
-                      </a:endParaRPr>
-                    </a:p>
-                  </a:txBody>
-                  <a:tcPr marL="68580" marR="68580" marT="0" marB="0" anchor="b"/>
-                </a:tc>
-                <a:extLst>
-                  <a:ext uri="{0D108BD9-81ED-4DB2-BD59-A6C34878D82A}">
-                    <a16:rowId xmlns:a16="http://schemas.microsoft.com/office/drawing/2014/main" val="1490809022"/>
-                  </a:ext>
-                </a:extLst>
-              </a:tr>
-              <a:tr h="203200">
-                <a:tc>
-                  <a:txBody>
-                    <a:bodyPr/>
-                    <a:lstStyle/>
-                    <a:p>
-                      <a:pPr marL="0" marR="0" algn="ctr">
-                        <a:spcBef>
-                          <a:spcPts val="0"/>
-                        </a:spcBef>
-                        <a:spcAft>
-                          <a:spcPts val="0"/>
-                        </a:spcAft>
-                      </a:pPr>
-                      <a:r>
-                        <a:rPr lang="en-US" sz="1200" kern="100">
-                          <a:effectLst/>
-                        </a:rPr>
-                        <a:t>Portfolio 5</a:t>
-                      </a:r>
-                      <a:endParaRPr lang="en-US" sz="1200" kern="100">
-                        <a:effectLst/>
-                        <a:latin typeface="Times New Roman" panose="02020603050405020304" pitchFamily="18" charset="0"/>
-                        <a:ea typeface="Times New Roman" panose="02020603050405020304" pitchFamily="18" charset="0"/>
-                      </a:endParaRPr>
-                    </a:p>
-                  </a:txBody>
-                  <a:tcPr marL="68580" marR="68580" marT="0" marB="0" anchor="b"/>
-                </a:tc>
-                <a:tc>
-                  <a:txBody>
-                    <a:bodyPr/>
-                    <a:lstStyle/>
-                    <a:p>
-                      <a:pPr marL="0" marR="0" algn="ctr">
-                        <a:spcBef>
-                          <a:spcPts val="0"/>
-                        </a:spcBef>
-                        <a:spcAft>
-                          <a:spcPts val="0"/>
-                        </a:spcAft>
-                      </a:pPr>
-                      <a:r>
-                        <a:rPr lang="en-US" sz="1200" kern="100">
-                          <a:effectLst/>
-                        </a:rPr>
-                        <a:t>4211.41%</a:t>
-                      </a:r>
-                      <a:endParaRPr lang="en-US" sz="1200" kern="100">
-                        <a:effectLst/>
-                        <a:latin typeface="Times New Roman" panose="02020603050405020304" pitchFamily="18" charset="0"/>
-                        <a:ea typeface="Times New Roman" panose="02020603050405020304" pitchFamily="18" charset="0"/>
-                      </a:endParaRPr>
-                    </a:p>
-                  </a:txBody>
-                  <a:tcPr marL="68580" marR="68580" marT="0" marB="0" anchor="b"/>
-                </a:tc>
-                <a:extLst>
-                  <a:ext uri="{0D108BD9-81ED-4DB2-BD59-A6C34878D82A}">
-                    <a16:rowId xmlns:a16="http://schemas.microsoft.com/office/drawing/2014/main" val="3824095366"/>
-                  </a:ext>
-                </a:extLst>
-              </a:tr>
-              <a:tr h="203200">
-                <a:tc>
-                  <a:txBody>
-                    <a:bodyPr/>
-                    <a:lstStyle/>
-                    <a:p>
-                      <a:pPr marL="0" marR="0" algn="ctr">
-                        <a:spcBef>
-                          <a:spcPts val="0"/>
-                        </a:spcBef>
-                        <a:spcAft>
-                          <a:spcPts val="0"/>
-                        </a:spcAft>
-                      </a:pPr>
-                      <a:r>
-                        <a:rPr lang="en-US" sz="1200" kern="100">
-                          <a:effectLst/>
-                        </a:rPr>
-                        <a:t>SPY Portfolio</a:t>
-                      </a:r>
-                      <a:endParaRPr lang="en-US" sz="1200" kern="100">
-                        <a:effectLst/>
-                        <a:latin typeface="Times New Roman" panose="02020603050405020304" pitchFamily="18" charset="0"/>
-                        <a:ea typeface="Times New Roman" panose="02020603050405020304" pitchFamily="18" charset="0"/>
-                      </a:endParaRPr>
-                    </a:p>
-                  </a:txBody>
-                  <a:tcPr marL="68580" marR="68580" marT="0" marB="0" anchor="b"/>
-                </a:tc>
-                <a:tc>
-                  <a:txBody>
-                    <a:bodyPr/>
-                    <a:lstStyle/>
-                    <a:p>
-                      <a:pPr marL="0" marR="0" algn="ctr">
-                        <a:spcBef>
-                          <a:spcPts val="0"/>
-                        </a:spcBef>
-                        <a:spcAft>
-                          <a:spcPts val="0"/>
-                        </a:spcAft>
-                      </a:pPr>
-                      <a:r>
-                        <a:rPr lang="en-US" sz="1200" kern="100" dirty="0">
-                          <a:effectLst/>
-                        </a:rPr>
-                        <a:t>1813.43%</a:t>
-                      </a:r>
-                      <a:endParaRPr lang="en-US" sz="1200" kern="100" dirty="0">
-                        <a:effectLst/>
-                        <a:latin typeface="Times New Roman" panose="02020603050405020304" pitchFamily="18" charset="0"/>
-                        <a:ea typeface="Times New Roman" panose="02020603050405020304" pitchFamily="18" charset="0"/>
-                      </a:endParaRPr>
-                    </a:p>
-                  </a:txBody>
-                  <a:tcPr marL="68580" marR="68580" marT="0" marB="0" anchor="b"/>
-                </a:tc>
-                <a:extLst>
-                  <a:ext uri="{0D108BD9-81ED-4DB2-BD59-A6C34878D82A}">
-                    <a16:rowId xmlns:a16="http://schemas.microsoft.com/office/drawing/2014/main" val="2355858858"/>
-                  </a:ext>
-                </a:extLst>
-              </a:tr>
-            </a:tbl>
-          </a:graphicData>
-        </a:graphic>
-      </p:graphicFrame>
-    </p:spTree>
-    <p:extLst>
-      <p:ext uri="{BB962C8B-B14F-4D97-AF65-F5344CB8AC3E}">
-        <p14:creationId xmlns:p14="http://schemas.microsoft.com/office/powerpoint/2010/main" val="1734238947"/>
-      </p:ext>
-    </p:extLst>
-  </p:cSld>
-  <p:clrMapOvr>
-    <a:masterClrMapping/>
-  </p:clrMapOvr>
-</p:sld>
-</file>
-
-<file path=ppt/slides/slide6.xml><?xml version="1.0" encoding="utf-8"?>
 <p:sld xmlns:a="http://schemas.openxmlformats.org/drawingml/2006/main" xmlns:r="http://schemas.openxmlformats.org/officeDocument/2006/relationships" xmlns:p="http://schemas.openxmlformats.org/presentationml/2006/main">
   <p:cSld>
     <p:bg>
@@ -29432,7 +26672,7 @@
 </p:sld>
 </file>
 
-<file path=ppt/slides/slide7.xml><?xml version="1.0" encoding="utf-8"?>
+<file path=ppt/slides/slide6.xml><?xml version="1.0" encoding="utf-8"?>
 <p:sld xmlns:a="http://schemas.openxmlformats.org/drawingml/2006/main" xmlns:r="http://schemas.openxmlformats.org/officeDocument/2006/relationships" xmlns:p="http://schemas.openxmlformats.org/presentationml/2006/main">
   <p:cSld>
     <p:bg>
@@ -30904,7 +28144,7 @@
 </p:sld>
 </file>
 
-<file path=ppt/slides/slide8.xml><?xml version="1.0" encoding="utf-8"?>
+<file path=ppt/slides/slide7.xml><?xml version="1.0" encoding="utf-8"?>
 <p:sld xmlns:a="http://schemas.openxmlformats.org/drawingml/2006/main" xmlns:r="http://schemas.openxmlformats.org/officeDocument/2006/relationships" xmlns:p="http://schemas.openxmlformats.org/presentationml/2006/main">
   <p:cSld>
     <p:bg>
@@ -32136,7 +29376,7 @@
 </p:sld>
 </file>
 
-<file path=ppt/slides/slide9.xml><?xml version="1.0" encoding="utf-8"?>
+<file path=ppt/slides/slide8.xml><?xml version="1.0" encoding="utf-8"?>
 <p:sld xmlns:a="http://schemas.openxmlformats.org/drawingml/2006/main" xmlns:r="http://schemas.openxmlformats.org/officeDocument/2006/relationships" xmlns:p="http://schemas.openxmlformats.org/presentationml/2006/main">
   <p:cSld>
     <p:bg>
@@ -32885,7 +30125,7 @@
             <p:ph idx="1"/>
             <p:extLst>
               <p:ext uri="{D42A27DB-BD31-4B8C-83A1-F6EECF244321}">
-                <p14:modId xmlns:p14="http://schemas.microsoft.com/office/powerpoint/2010/main" val="4277606355"/>
+                <p14:modId xmlns:p14="http://schemas.microsoft.com/office/powerpoint/2010/main" val="2148883298"/>
               </p:ext>
             </p:extLst>
           </p:nvPr>
@@ -33339,6 +30579,783 @@
     <p:extLst>
       <p:ext uri="{BB962C8B-B14F-4D97-AF65-F5344CB8AC3E}">
         <p14:creationId xmlns:p14="http://schemas.microsoft.com/office/powerpoint/2010/main" val="4003438733"/>
+      </p:ext>
+    </p:extLst>
+  </p:cSld>
+  <p:clrMapOvr>
+    <a:masterClrMapping/>
+  </p:clrMapOvr>
+</p:sld>
+</file>
+
+<file path=ppt/slides/slide9.xml><?xml version="1.0" encoding="utf-8"?>
+<p:sld xmlns:a="http://schemas.openxmlformats.org/drawingml/2006/main" xmlns:r="http://schemas.openxmlformats.org/officeDocument/2006/relationships" xmlns:p="http://schemas.openxmlformats.org/presentationml/2006/main">
+  <p:cSld>
+    <p:bg>
+      <p:bgPr>
+        <a:solidFill>
+          <a:schemeClr val="bg1"/>
+        </a:solidFill>
+        <a:effectLst/>
+      </p:bgPr>
+    </p:bg>
+    <p:spTree>
+      <p:nvGrpSpPr>
+        <p:cNvPr id="1" name=""/>
+        <p:cNvGrpSpPr/>
+        <p:nvPr/>
+      </p:nvGrpSpPr>
+      <p:grpSpPr>
+        <a:xfrm>
+          <a:off x="0" y="0"/>
+          <a:ext cx="0" cy="0"/>
+          <a:chOff x="0" y="0"/>
+          <a:chExt cx="0" cy="0"/>
+        </a:xfrm>
+      </p:grpSpPr>
+      <p:sp useBgFill="1">
+        <p:nvSpPr>
+          <p:cNvPr id="9" name="Rectangle 8">
+            <a:extLst>
+              <a:ext uri="{FF2B5EF4-FFF2-40B4-BE49-F238E27FC236}">
+                <a16:creationId xmlns:a16="http://schemas.microsoft.com/office/drawing/2014/main" id="{35DB3719-6FDC-4E5D-891D-FF40B7300F64}"/>
+              </a:ext>
+              <a:ext uri="{C183D7F6-B498-43B3-948B-1728B52AA6E4}">
+                <adec:decorative xmlns:adec="http://schemas.microsoft.com/office/drawing/2017/decorative" val="1"/>
+              </a:ext>
+            </a:extLst>
+          </p:cNvPr>
+          <p:cNvSpPr>
+            <a:spLocks noGrp="1" noRot="1" noChangeAspect="1" noMove="1" noResize="1" noEditPoints="1" noAdjustHandles="1" noChangeArrowheads="1" noChangeShapeType="1" noTextEdit="1"/>
+          </p:cNvSpPr>
+          <p:nvPr>
+            <p:extLst>
+              <p:ext uri="{386F3935-93C4-4BCD-93E2-E3B085C9AB24}">
+                <p16:designElem xmlns:p16="http://schemas.microsoft.com/office/powerpoint/2015/main" val="1"/>
+              </p:ext>
+            </p:extLst>
+          </p:nvPr>
+        </p:nvSpPr>
+        <p:spPr>
+          <a:xfrm>
+            <a:off x="0" y="0"/>
+            <a:ext cx="12188952" cy="6858000"/>
+          </a:xfrm>
+          <a:prstGeom prst="rect">
+            <a:avLst/>
+          </a:prstGeom>
+          <a:ln>
+            <a:noFill/>
+          </a:ln>
+        </p:spPr>
+        <p:style>
+          <a:lnRef idx="2">
+            <a:schemeClr val="accent1">
+              <a:shade val="50000"/>
+            </a:schemeClr>
+          </a:lnRef>
+          <a:fillRef idx="1">
+            <a:schemeClr val="accent1"/>
+          </a:fillRef>
+          <a:effectRef idx="0">
+            <a:schemeClr val="accent1"/>
+          </a:effectRef>
+          <a:fontRef idx="minor">
+            <a:schemeClr val="lt1"/>
+          </a:fontRef>
+        </p:style>
+        <p:txBody>
+          <a:bodyPr rtlCol="0" anchor="ctr"/>
+          <a:lstStyle/>
+          <a:p>
+            <a:pPr algn="ctr"/>
+            <a:endParaRPr lang="en-US"/>
+          </a:p>
+        </p:txBody>
+      </p:sp>
+      <p:sp>
+        <p:nvSpPr>
+          <p:cNvPr id="2" name="Title 1">
+            <a:extLst>
+              <a:ext uri="{FF2B5EF4-FFF2-40B4-BE49-F238E27FC236}">
+                <a16:creationId xmlns:a16="http://schemas.microsoft.com/office/drawing/2014/main" id="{AA893D4A-4135-A9D7-11AF-2CA2DB3976FC}"/>
+              </a:ext>
+            </a:extLst>
+          </p:cNvPr>
+          <p:cNvSpPr>
+            <a:spLocks noGrp="1"/>
+          </p:cNvSpPr>
+          <p:nvPr>
+            <p:ph type="title"/>
+          </p:nvPr>
+        </p:nvSpPr>
+        <p:spPr>
+          <a:xfrm>
+            <a:off x="838200" y="365125"/>
+            <a:ext cx="10515600" cy="1325563"/>
+          </a:xfrm>
+        </p:spPr>
+        <p:txBody>
+          <a:bodyPr>
+            <a:normAutofit/>
+          </a:bodyPr>
+          <a:lstStyle/>
+          <a:p>
+            <a:r>
+              <a:rPr lang="en-US" sz="5400"/>
+              <a:t>Future Work and Next Steps</a:t>
+            </a:r>
+          </a:p>
+        </p:txBody>
+      </p:sp>
+      <p:sp>
+        <p:nvSpPr>
+          <p:cNvPr id="11" name="sketch line">
+            <a:extLst>
+              <a:ext uri="{FF2B5EF4-FFF2-40B4-BE49-F238E27FC236}">
+                <a16:creationId xmlns:a16="http://schemas.microsoft.com/office/drawing/2014/main" id="{E0CBAC23-2E3F-4A90-BA59-F8299F6A5439}"/>
+              </a:ext>
+              <a:ext uri="{C183D7F6-B498-43B3-948B-1728B52AA6E4}">
+                <adec:decorative xmlns:adec="http://schemas.microsoft.com/office/drawing/2017/decorative" val="1"/>
+              </a:ext>
+            </a:extLst>
+          </p:cNvPr>
+          <p:cNvSpPr>
+            <a:spLocks noGrp="1" noRot="1" noChangeAspect="1" noMove="1" noResize="1" noEditPoints="1" noAdjustHandles="1" noChangeArrowheads="1" noChangeShapeType="1" noTextEdit="1"/>
+          </p:cNvSpPr>
+          <p:nvPr>
+            <p:extLst>
+              <p:ext uri="{386F3935-93C4-4BCD-93E2-E3B085C9AB24}">
+                <p16:designElem xmlns:p16="http://schemas.microsoft.com/office/powerpoint/2015/main" val="1"/>
+              </p:ext>
+            </p:extLst>
+          </p:nvPr>
+        </p:nvSpPr>
+        <p:spPr>
+          <a:xfrm>
+            <a:off x="838200" y="1865313"/>
+            <a:ext cx="10424160" cy="18288"/>
+          </a:xfrm>
+          <a:custGeom>
+            <a:avLst/>
+            <a:gdLst>
+              <a:gd name="connsiteX0" fmla="*/ 0 w 10424160"/>
+              <a:gd name="connsiteY0" fmla="*/ 0 h 18288"/>
+              <a:gd name="connsiteX1" fmla="*/ 903427 w 10424160"/>
+              <a:gd name="connsiteY1" fmla="*/ 0 h 18288"/>
+              <a:gd name="connsiteX2" fmla="*/ 1389888 w 10424160"/>
+              <a:gd name="connsiteY2" fmla="*/ 0 h 18288"/>
+              <a:gd name="connsiteX3" fmla="*/ 2189074 w 10424160"/>
+              <a:gd name="connsiteY3" fmla="*/ 0 h 18288"/>
+              <a:gd name="connsiteX4" fmla="*/ 2675534 w 10424160"/>
+              <a:gd name="connsiteY4" fmla="*/ 0 h 18288"/>
+              <a:gd name="connsiteX5" fmla="*/ 3370478 w 10424160"/>
+              <a:gd name="connsiteY5" fmla="*/ 0 h 18288"/>
+              <a:gd name="connsiteX6" fmla="*/ 4169664 w 10424160"/>
+              <a:gd name="connsiteY6" fmla="*/ 0 h 18288"/>
+              <a:gd name="connsiteX7" fmla="*/ 4551883 w 10424160"/>
+              <a:gd name="connsiteY7" fmla="*/ 0 h 18288"/>
+              <a:gd name="connsiteX8" fmla="*/ 4934102 w 10424160"/>
+              <a:gd name="connsiteY8" fmla="*/ 0 h 18288"/>
+              <a:gd name="connsiteX9" fmla="*/ 5837530 w 10424160"/>
+              <a:gd name="connsiteY9" fmla="*/ 0 h 18288"/>
+              <a:gd name="connsiteX10" fmla="*/ 6532474 w 10424160"/>
+              <a:gd name="connsiteY10" fmla="*/ 0 h 18288"/>
+              <a:gd name="connsiteX11" fmla="*/ 6914693 w 10424160"/>
+              <a:gd name="connsiteY11" fmla="*/ 0 h 18288"/>
+              <a:gd name="connsiteX12" fmla="*/ 7609637 w 10424160"/>
+              <a:gd name="connsiteY12" fmla="*/ 0 h 18288"/>
+              <a:gd name="connsiteX13" fmla="*/ 8513064 w 10424160"/>
+              <a:gd name="connsiteY13" fmla="*/ 0 h 18288"/>
+              <a:gd name="connsiteX14" fmla="*/ 9103766 w 10424160"/>
+              <a:gd name="connsiteY14" fmla="*/ 0 h 18288"/>
+              <a:gd name="connsiteX15" fmla="*/ 9694469 w 10424160"/>
+              <a:gd name="connsiteY15" fmla="*/ 0 h 18288"/>
+              <a:gd name="connsiteX16" fmla="*/ 10424160 w 10424160"/>
+              <a:gd name="connsiteY16" fmla="*/ 0 h 18288"/>
+              <a:gd name="connsiteX17" fmla="*/ 10424160 w 10424160"/>
+              <a:gd name="connsiteY17" fmla="*/ 18288 h 18288"/>
+              <a:gd name="connsiteX18" fmla="*/ 9729216 w 10424160"/>
+              <a:gd name="connsiteY18" fmla="*/ 18288 h 18288"/>
+              <a:gd name="connsiteX19" fmla="*/ 8930030 w 10424160"/>
+              <a:gd name="connsiteY19" fmla="*/ 18288 h 18288"/>
+              <a:gd name="connsiteX20" fmla="*/ 8130845 w 10424160"/>
+              <a:gd name="connsiteY20" fmla="*/ 18288 h 18288"/>
+              <a:gd name="connsiteX21" fmla="*/ 7644384 w 10424160"/>
+              <a:gd name="connsiteY21" fmla="*/ 18288 h 18288"/>
+              <a:gd name="connsiteX22" fmla="*/ 6740957 w 10424160"/>
+              <a:gd name="connsiteY22" fmla="*/ 18288 h 18288"/>
+              <a:gd name="connsiteX23" fmla="*/ 6046013 w 10424160"/>
+              <a:gd name="connsiteY23" fmla="*/ 18288 h 18288"/>
+              <a:gd name="connsiteX24" fmla="*/ 5663794 w 10424160"/>
+              <a:gd name="connsiteY24" fmla="*/ 18288 h 18288"/>
+              <a:gd name="connsiteX25" fmla="*/ 4968850 w 10424160"/>
+              <a:gd name="connsiteY25" fmla="*/ 18288 h 18288"/>
+              <a:gd name="connsiteX26" fmla="*/ 4378147 w 10424160"/>
+              <a:gd name="connsiteY26" fmla="*/ 18288 h 18288"/>
+              <a:gd name="connsiteX27" fmla="*/ 3787445 w 10424160"/>
+              <a:gd name="connsiteY27" fmla="*/ 18288 h 18288"/>
+              <a:gd name="connsiteX28" fmla="*/ 3196742 w 10424160"/>
+              <a:gd name="connsiteY28" fmla="*/ 18288 h 18288"/>
+              <a:gd name="connsiteX29" fmla="*/ 2606040 w 10424160"/>
+              <a:gd name="connsiteY29" fmla="*/ 18288 h 18288"/>
+              <a:gd name="connsiteX30" fmla="*/ 1806854 w 10424160"/>
+              <a:gd name="connsiteY30" fmla="*/ 18288 h 18288"/>
+              <a:gd name="connsiteX31" fmla="*/ 1111910 w 10424160"/>
+              <a:gd name="connsiteY31" fmla="*/ 18288 h 18288"/>
+              <a:gd name="connsiteX32" fmla="*/ 729691 w 10424160"/>
+              <a:gd name="connsiteY32" fmla="*/ 18288 h 18288"/>
+              <a:gd name="connsiteX33" fmla="*/ 0 w 10424160"/>
+              <a:gd name="connsiteY33" fmla="*/ 18288 h 18288"/>
+              <a:gd name="connsiteX34" fmla="*/ 0 w 10424160"/>
+              <a:gd name="connsiteY34" fmla="*/ 0 h 18288"/>
+            </a:gdLst>
+            <a:ahLst/>
+            <a:cxnLst>
+              <a:cxn ang="0">
+                <a:pos x="connsiteX0" y="connsiteY0"/>
+              </a:cxn>
+              <a:cxn ang="0">
+                <a:pos x="connsiteX1" y="connsiteY1"/>
+              </a:cxn>
+              <a:cxn ang="0">
+                <a:pos x="connsiteX2" y="connsiteY2"/>
+              </a:cxn>
+              <a:cxn ang="0">
+                <a:pos x="connsiteX3" y="connsiteY3"/>
+              </a:cxn>
+              <a:cxn ang="0">
+                <a:pos x="connsiteX4" y="connsiteY4"/>
+              </a:cxn>
+              <a:cxn ang="0">
+                <a:pos x="connsiteX5" y="connsiteY5"/>
+              </a:cxn>
+              <a:cxn ang="0">
+                <a:pos x="connsiteX6" y="connsiteY6"/>
+              </a:cxn>
+              <a:cxn ang="0">
+                <a:pos x="connsiteX7" y="connsiteY7"/>
+              </a:cxn>
+              <a:cxn ang="0">
+                <a:pos x="connsiteX8" y="connsiteY8"/>
+              </a:cxn>
+              <a:cxn ang="0">
+                <a:pos x="connsiteX9" y="connsiteY9"/>
+              </a:cxn>
+              <a:cxn ang="0">
+                <a:pos x="connsiteX10" y="connsiteY10"/>
+              </a:cxn>
+              <a:cxn ang="0">
+                <a:pos x="connsiteX11" y="connsiteY11"/>
+              </a:cxn>
+              <a:cxn ang="0">
+                <a:pos x="connsiteX12" y="connsiteY12"/>
+              </a:cxn>
+              <a:cxn ang="0">
+                <a:pos x="connsiteX13" y="connsiteY13"/>
+              </a:cxn>
+              <a:cxn ang="0">
+                <a:pos x="connsiteX14" y="connsiteY14"/>
+              </a:cxn>
+              <a:cxn ang="0">
+                <a:pos x="connsiteX15" y="connsiteY15"/>
+              </a:cxn>
+              <a:cxn ang="0">
+                <a:pos x="connsiteX16" y="connsiteY16"/>
+              </a:cxn>
+              <a:cxn ang="0">
+                <a:pos x="connsiteX17" y="connsiteY17"/>
+              </a:cxn>
+              <a:cxn ang="0">
+                <a:pos x="connsiteX18" y="connsiteY18"/>
+              </a:cxn>
+              <a:cxn ang="0">
+                <a:pos x="connsiteX19" y="connsiteY19"/>
+              </a:cxn>
+              <a:cxn ang="0">
+                <a:pos x="connsiteX20" y="connsiteY20"/>
+              </a:cxn>
+              <a:cxn ang="0">
+                <a:pos x="connsiteX21" y="connsiteY21"/>
+              </a:cxn>
+              <a:cxn ang="0">
+                <a:pos x="connsiteX22" y="connsiteY22"/>
+              </a:cxn>
+              <a:cxn ang="0">
+                <a:pos x="connsiteX23" y="connsiteY23"/>
+              </a:cxn>
+              <a:cxn ang="0">
+                <a:pos x="connsiteX24" y="connsiteY24"/>
+              </a:cxn>
+              <a:cxn ang="0">
+                <a:pos x="connsiteX25" y="connsiteY25"/>
+              </a:cxn>
+              <a:cxn ang="0">
+                <a:pos x="connsiteX26" y="connsiteY26"/>
+              </a:cxn>
+              <a:cxn ang="0">
+                <a:pos x="connsiteX27" y="connsiteY27"/>
+              </a:cxn>
+              <a:cxn ang="0">
+                <a:pos x="connsiteX28" y="connsiteY28"/>
+              </a:cxn>
+              <a:cxn ang="0">
+                <a:pos x="connsiteX29" y="connsiteY29"/>
+              </a:cxn>
+              <a:cxn ang="0">
+                <a:pos x="connsiteX30" y="connsiteY30"/>
+              </a:cxn>
+              <a:cxn ang="0">
+                <a:pos x="connsiteX31" y="connsiteY31"/>
+              </a:cxn>
+              <a:cxn ang="0">
+                <a:pos x="connsiteX32" y="connsiteY32"/>
+              </a:cxn>
+              <a:cxn ang="0">
+                <a:pos x="connsiteX33" y="connsiteY33"/>
+              </a:cxn>
+              <a:cxn ang="0">
+                <a:pos x="connsiteX34" y="connsiteY34"/>
+              </a:cxn>
+            </a:cxnLst>
+            <a:rect l="l" t="t" r="r" b="b"/>
+            <a:pathLst>
+              <a:path w="10424160" h="18288" fill="none" extrusionOk="0">
+                <a:moveTo>
+                  <a:pt x="0" y="0"/>
+                </a:moveTo>
+                <a:cubicBezTo>
+                  <a:pt x="251416" y="-3874"/>
+                  <a:pt x="479411" y="-20508"/>
+                  <a:pt x="903427" y="0"/>
+                </a:cubicBezTo>
+                <a:cubicBezTo>
+                  <a:pt x="1327443" y="20508"/>
+                  <a:pt x="1177990" y="-7387"/>
+                  <a:pt x="1389888" y="0"/>
+                </a:cubicBezTo>
+                <a:cubicBezTo>
+                  <a:pt x="1601786" y="7387"/>
+                  <a:pt x="1928602" y="-6697"/>
+                  <a:pt x="2189074" y="0"/>
+                </a:cubicBezTo>
+                <a:cubicBezTo>
+                  <a:pt x="2449546" y="6697"/>
+                  <a:pt x="2440085" y="-21144"/>
+                  <a:pt x="2675534" y="0"/>
+                </a:cubicBezTo>
+                <a:cubicBezTo>
+                  <a:pt x="2910983" y="21144"/>
+                  <a:pt x="3026158" y="-11124"/>
+                  <a:pt x="3370478" y="0"/>
+                </a:cubicBezTo>
+                <a:cubicBezTo>
+                  <a:pt x="3714798" y="11124"/>
+                  <a:pt x="3864539" y="-10660"/>
+                  <a:pt x="4169664" y="0"/>
+                </a:cubicBezTo>
+                <a:cubicBezTo>
+                  <a:pt x="4474789" y="10660"/>
+                  <a:pt x="4471218" y="16488"/>
+                  <a:pt x="4551883" y="0"/>
+                </a:cubicBezTo>
+                <a:cubicBezTo>
+                  <a:pt x="4632548" y="-16488"/>
+                  <a:pt x="4786830" y="7986"/>
+                  <a:pt x="4934102" y="0"/>
+                </a:cubicBezTo>
+                <a:cubicBezTo>
+                  <a:pt x="5081374" y="-7986"/>
+                  <a:pt x="5575881" y="-33003"/>
+                  <a:pt x="5837530" y="0"/>
+                </a:cubicBezTo>
+                <a:cubicBezTo>
+                  <a:pt x="6099179" y="33003"/>
+                  <a:pt x="6305895" y="14170"/>
+                  <a:pt x="6532474" y="0"/>
+                </a:cubicBezTo>
+                <a:cubicBezTo>
+                  <a:pt x="6759053" y="-14170"/>
+                  <a:pt x="6726707" y="16121"/>
+                  <a:pt x="6914693" y="0"/>
+                </a:cubicBezTo>
+                <a:cubicBezTo>
+                  <a:pt x="7102679" y="-16121"/>
+                  <a:pt x="7397857" y="32594"/>
+                  <a:pt x="7609637" y="0"/>
+                </a:cubicBezTo>
+                <a:cubicBezTo>
+                  <a:pt x="7821417" y="-32594"/>
+                  <a:pt x="8141235" y="-3745"/>
+                  <a:pt x="8513064" y="0"/>
+                </a:cubicBezTo>
+                <a:cubicBezTo>
+                  <a:pt x="8884893" y="3745"/>
+                  <a:pt x="8877548" y="3359"/>
+                  <a:pt x="9103766" y="0"/>
+                </a:cubicBezTo>
+                <a:cubicBezTo>
+                  <a:pt x="9329984" y="-3359"/>
+                  <a:pt x="9545570" y="-17843"/>
+                  <a:pt x="9694469" y="0"/>
+                </a:cubicBezTo>
+                <a:cubicBezTo>
+                  <a:pt x="9843368" y="17843"/>
+                  <a:pt x="10162477" y="-1217"/>
+                  <a:pt x="10424160" y="0"/>
+                </a:cubicBezTo>
+                <a:cubicBezTo>
+                  <a:pt x="10424498" y="7640"/>
+                  <a:pt x="10423710" y="11289"/>
+                  <a:pt x="10424160" y="18288"/>
+                </a:cubicBezTo>
+                <a:cubicBezTo>
+                  <a:pt x="10184680" y="20716"/>
+                  <a:pt x="10034768" y="-9357"/>
+                  <a:pt x="9729216" y="18288"/>
+                </a:cubicBezTo>
+                <a:cubicBezTo>
+                  <a:pt x="9423664" y="45933"/>
+                  <a:pt x="9309220" y="36372"/>
+                  <a:pt x="8930030" y="18288"/>
+                </a:cubicBezTo>
+                <a:cubicBezTo>
+                  <a:pt x="8550840" y="204"/>
+                  <a:pt x="8513376" y="34707"/>
+                  <a:pt x="8130845" y="18288"/>
+                </a:cubicBezTo>
+                <a:cubicBezTo>
+                  <a:pt x="7748315" y="1869"/>
+                  <a:pt x="7864674" y="19659"/>
+                  <a:pt x="7644384" y="18288"/>
+                </a:cubicBezTo>
+                <a:cubicBezTo>
+                  <a:pt x="7424094" y="16917"/>
+                  <a:pt x="6947001" y="55680"/>
+                  <a:pt x="6740957" y="18288"/>
+                </a:cubicBezTo>
+                <a:cubicBezTo>
+                  <a:pt x="6534913" y="-19104"/>
+                  <a:pt x="6313809" y="33391"/>
+                  <a:pt x="6046013" y="18288"/>
+                </a:cubicBezTo>
+                <a:cubicBezTo>
+                  <a:pt x="5778217" y="3185"/>
+                  <a:pt x="5786775" y="1439"/>
+                  <a:pt x="5663794" y="18288"/>
+                </a:cubicBezTo>
+                <a:cubicBezTo>
+                  <a:pt x="5540813" y="35137"/>
+                  <a:pt x="5204724" y="25434"/>
+                  <a:pt x="4968850" y="18288"/>
+                </a:cubicBezTo>
+                <a:cubicBezTo>
+                  <a:pt x="4732976" y="11142"/>
+                  <a:pt x="4559928" y="34568"/>
+                  <a:pt x="4378147" y="18288"/>
+                </a:cubicBezTo>
+                <a:cubicBezTo>
+                  <a:pt x="4196366" y="2008"/>
+                  <a:pt x="3992200" y="35409"/>
+                  <a:pt x="3787445" y="18288"/>
+                </a:cubicBezTo>
+                <a:cubicBezTo>
+                  <a:pt x="3582690" y="1167"/>
+                  <a:pt x="3488876" y="-7583"/>
+                  <a:pt x="3196742" y="18288"/>
+                </a:cubicBezTo>
+                <a:cubicBezTo>
+                  <a:pt x="2904608" y="44159"/>
+                  <a:pt x="2729828" y="45906"/>
+                  <a:pt x="2606040" y="18288"/>
+                </a:cubicBezTo>
+                <a:cubicBezTo>
+                  <a:pt x="2482252" y="-9330"/>
+                  <a:pt x="2000672" y="-5498"/>
+                  <a:pt x="1806854" y="18288"/>
+                </a:cubicBezTo>
+                <a:cubicBezTo>
+                  <a:pt x="1613036" y="42074"/>
+                  <a:pt x="1310933" y="-4240"/>
+                  <a:pt x="1111910" y="18288"/>
+                </a:cubicBezTo>
+                <a:cubicBezTo>
+                  <a:pt x="912887" y="40816"/>
+                  <a:pt x="891560" y="1701"/>
+                  <a:pt x="729691" y="18288"/>
+                </a:cubicBezTo>
+                <a:cubicBezTo>
+                  <a:pt x="567822" y="34875"/>
+                  <a:pt x="203025" y="34462"/>
+                  <a:pt x="0" y="18288"/>
+                </a:cubicBezTo>
+                <a:cubicBezTo>
+                  <a:pt x="-82" y="11708"/>
+                  <a:pt x="-178" y="8956"/>
+                  <a:pt x="0" y="0"/>
+                </a:cubicBezTo>
+                <a:close/>
+              </a:path>
+              <a:path w="10424160" h="18288" stroke="0" extrusionOk="0">
+                <a:moveTo>
+                  <a:pt x="0" y="0"/>
+                </a:moveTo>
+                <a:cubicBezTo>
+                  <a:pt x="119910" y="17195"/>
+                  <a:pt x="345032" y="1652"/>
+                  <a:pt x="590702" y="0"/>
+                </a:cubicBezTo>
+                <a:cubicBezTo>
+                  <a:pt x="836372" y="-1652"/>
+                  <a:pt x="830717" y="-10944"/>
+                  <a:pt x="972922" y="0"/>
+                </a:cubicBezTo>
+                <a:cubicBezTo>
+                  <a:pt x="1115127" y="10944"/>
+                  <a:pt x="1638708" y="17269"/>
+                  <a:pt x="1876349" y="0"/>
+                </a:cubicBezTo>
+                <a:cubicBezTo>
+                  <a:pt x="2113990" y="-17269"/>
+                  <a:pt x="2263529" y="27642"/>
+                  <a:pt x="2467051" y="0"/>
+                </a:cubicBezTo>
+                <a:cubicBezTo>
+                  <a:pt x="2670573" y="-27642"/>
+                  <a:pt x="2867743" y="-1552"/>
+                  <a:pt x="3057754" y="0"/>
+                </a:cubicBezTo>
+                <a:cubicBezTo>
+                  <a:pt x="3247765" y="1552"/>
+                  <a:pt x="3729099" y="45169"/>
+                  <a:pt x="3961181" y="0"/>
+                </a:cubicBezTo>
+                <a:cubicBezTo>
+                  <a:pt x="4193263" y="-45169"/>
+                  <a:pt x="4313735" y="4067"/>
+                  <a:pt x="4447642" y="0"/>
+                </a:cubicBezTo>
+                <a:cubicBezTo>
+                  <a:pt x="4581549" y="-4067"/>
+                  <a:pt x="5123626" y="11867"/>
+                  <a:pt x="5351069" y="0"/>
+                </a:cubicBezTo>
+                <a:cubicBezTo>
+                  <a:pt x="5578512" y="-11867"/>
+                  <a:pt x="6044105" y="-19983"/>
+                  <a:pt x="6254496" y="0"/>
+                </a:cubicBezTo>
+                <a:cubicBezTo>
+                  <a:pt x="6464887" y="19983"/>
+                  <a:pt x="6664731" y="4232"/>
+                  <a:pt x="6949440" y="0"/>
+                </a:cubicBezTo>
+                <a:cubicBezTo>
+                  <a:pt x="7234149" y="-4232"/>
+                  <a:pt x="7497205" y="28731"/>
+                  <a:pt x="7852867" y="0"/>
+                </a:cubicBezTo>
+                <a:cubicBezTo>
+                  <a:pt x="8208529" y="-28731"/>
+                  <a:pt x="8287556" y="2616"/>
+                  <a:pt x="8443570" y="0"/>
+                </a:cubicBezTo>
+                <a:cubicBezTo>
+                  <a:pt x="8599584" y="-2616"/>
+                  <a:pt x="8871283" y="-14113"/>
+                  <a:pt x="9034272" y="0"/>
+                </a:cubicBezTo>
+                <a:cubicBezTo>
+                  <a:pt x="9197261" y="14113"/>
+                  <a:pt x="9604978" y="-35623"/>
+                  <a:pt x="9833458" y="0"/>
+                </a:cubicBezTo>
+                <a:cubicBezTo>
+                  <a:pt x="10061938" y="35623"/>
+                  <a:pt x="10231944" y="-8194"/>
+                  <a:pt x="10424160" y="0"/>
+                </a:cubicBezTo>
+                <a:cubicBezTo>
+                  <a:pt x="10424285" y="4395"/>
+                  <a:pt x="10424085" y="9776"/>
+                  <a:pt x="10424160" y="18288"/>
+                </a:cubicBezTo>
+                <a:cubicBezTo>
+                  <a:pt x="10058736" y="-5772"/>
+                  <a:pt x="9942989" y="-18764"/>
+                  <a:pt x="9624974" y="18288"/>
+                </a:cubicBezTo>
+                <a:cubicBezTo>
+                  <a:pt x="9306959" y="55340"/>
+                  <a:pt x="9229263" y="24995"/>
+                  <a:pt x="8930030" y="18288"/>
+                </a:cubicBezTo>
+                <a:cubicBezTo>
+                  <a:pt x="8630797" y="11581"/>
+                  <a:pt x="8647263" y="10931"/>
+                  <a:pt x="8547811" y="18288"/>
+                </a:cubicBezTo>
+                <a:cubicBezTo>
+                  <a:pt x="8448359" y="25645"/>
+                  <a:pt x="8173221" y="219"/>
+                  <a:pt x="8061350" y="18288"/>
+                </a:cubicBezTo>
+                <a:cubicBezTo>
+                  <a:pt x="7949479" y="36357"/>
+                  <a:pt x="7437002" y="17516"/>
+                  <a:pt x="7157923" y="18288"/>
+                </a:cubicBezTo>
+                <a:cubicBezTo>
+                  <a:pt x="6878844" y="19060"/>
+                  <a:pt x="6610241" y="8864"/>
+                  <a:pt x="6462979" y="18288"/>
+                </a:cubicBezTo>
+                <a:cubicBezTo>
+                  <a:pt x="6315717" y="27712"/>
+                  <a:pt x="6124879" y="4989"/>
+                  <a:pt x="5976518" y="18288"/>
+                </a:cubicBezTo>
+                <a:cubicBezTo>
+                  <a:pt x="5828157" y="31587"/>
+                  <a:pt x="5566880" y="7112"/>
+                  <a:pt x="5281574" y="18288"/>
+                </a:cubicBezTo>
+                <a:cubicBezTo>
+                  <a:pt x="4996268" y="29464"/>
+                  <a:pt x="5085614" y="20493"/>
+                  <a:pt x="4899355" y="18288"/>
+                </a:cubicBezTo>
+                <a:cubicBezTo>
+                  <a:pt x="4713096" y="16083"/>
+                  <a:pt x="4606138" y="34359"/>
+                  <a:pt x="4517136" y="18288"/>
+                </a:cubicBezTo>
+                <a:cubicBezTo>
+                  <a:pt x="4428134" y="2217"/>
+                  <a:pt x="4125335" y="52414"/>
+                  <a:pt x="3822192" y="18288"/>
+                </a:cubicBezTo>
+                <a:cubicBezTo>
+                  <a:pt x="3519049" y="-15838"/>
+                  <a:pt x="3453132" y="3859"/>
+                  <a:pt x="3335731" y="18288"/>
+                </a:cubicBezTo>
+                <a:cubicBezTo>
+                  <a:pt x="3218330" y="32717"/>
+                  <a:pt x="2718749" y="-13936"/>
+                  <a:pt x="2536546" y="18288"/>
+                </a:cubicBezTo>
+                <a:cubicBezTo>
+                  <a:pt x="2354343" y="50512"/>
+                  <a:pt x="2190669" y="3238"/>
+                  <a:pt x="2050085" y="18288"/>
+                </a:cubicBezTo>
+                <a:cubicBezTo>
+                  <a:pt x="1909501" y="33338"/>
+                  <a:pt x="1520975" y="3062"/>
+                  <a:pt x="1250899" y="18288"/>
+                </a:cubicBezTo>
+                <a:cubicBezTo>
+                  <a:pt x="980823" y="33514"/>
+                  <a:pt x="992936" y="28036"/>
+                  <a:pt x="868680" y="18288"/>
+                </a:cubicBezTo>
+                <a:cubicBezTo>
+                  <a:pt x="744424" y="8540"/>
+                  <a:pt x="230364" y="33365"/>
+                  <a:pt x="0" y="18288"/>
+                </a:cubicBezTo>
+                <a:cubicBezTo>
+                  <a:pt x="-504" y="12101"/>
+                  <a:pt x="-591" y="7719"/>
+                  <a:pt x="0" y="0"/>
+                </a:cubicBezTo>
+                <a:close/>
+              </a:path>
+            </a:pathLst>
+          </a:custGeom>
+          <a:solidFill>
+            <a:schemeClr val="accent2"/>
+          </a:solidFill>
+          <a:ln w="41275" cap="rnd">
+            <a:solidFill>
+              <a:schemeClr val="accent2"/>
+            </a:solidFill>
+            <a:round/>
+            <a:extLst>
+              <a:ext uri="{C807C97D-BFC1-408E-A445-0C87EB9F89A2}">
+                <ask:lineSketchStyleProps xmlns:ask="http://schemas.microsoft.com/office/drawing/2018/sketchyshapes" sd="1219033472">
+                  <a:prstGeom prst="rect">
+                    <a:avLst/>
+                  </a:prstGeom>
+                  <ask:type>
+                    <ask:lineSketchFreehand/>
+                  </ask:type>
+                </ask:lineSketchStyleProps>
+              </a:ext>
+            </a:extLst>
+          </a:ln>
+        </p:spPr>
+        <p:style>
+          <a:lnRef idx="2">
+            <a:schemeClr val="accent1">
+              <a:shade val="50000"/>
+            </a:schemeClr>
+          </a:lnRef>
+          <a:fillRef idx="1">
+            <a:schemeClr val="accent1"/>
+          </a:fillRef>
+          <a:effectRef idx="0">
+            <a:schemeClr val="accent1"/>
+          </a:effectRef>
+          <a:fontRef idx="minor">
+            <a:schemeClr val="lt1"/>
+          </a:fontRef>
+        </p:style>
+        <p:txBody>
+          <a:bodyPr rtlCol="0" anchor="ctr"/>
+          <a:lstStyle/>
+          <a:p>
+            <a:pPr algn="ctr"/>
+            <a:endParaRPr lang="en-US"/>
+          </a:p>
+        </p:txBody>
+      </p:sp>
+      <p:graphicFrame>
+        <p:nvGraphicFramePr>
+          <p:cNvPr id="5" name="Content Placeholder 2">
+            <a:extLst>
+              <a:ext uri="{FF2B5EF4-FFF2-40B4-BE49-F238E27FC236}">
+                <a16:creationId xmlns:a16="http://schemas.microsoft.com/office/drawing/2014/main" id="{9C5E0343-6524-0319-9CE1-C5C4B3D823D1}"/>
+              </a:ext>
+            </a:extLst>
+          </p:cNvPr>
+          <p:cNvGraphicFramePr>
+            <a:graphicFrameLocks noGrp="1"/>
+          </p:cNvGraphicFramePr>
+          <p:nvPr>
+            <p:ph idx="1"/>
+            <p:extLst>
+              <p:ext uri="{D42A27DB-BD31-4B8C-83A1-F6EECF244321}">
+                <p14:modId xmlns:p14="http://schemas.microsoft.com/office/powerpoint/2010/main" val="1698152717"/>
+              </p:ext>
+            </p:extLst>
+          </p:nvPr>
+        </p:nvGraphicFramePr>
+        <p:xfrm>
+          <a:off x="838200" y="2228087"/>
+          <a:ext cx="10515600" cy="3948876"/>
+        </p:xfrm>
+        <a:graphic>
+          <a:graphicData uri="http://schemas.openxmlformats.org/drawingml/2006/diagram">
+            <dgm:relIds xmlns:dgm="http://schemas.openxmlformats.org/drawingml/2006/diagram" xmlns:r="http://schemas.openxmlformats.org/officeDocument/2006/relationships" r:dm="rId2" r:lo="rId3" r:qs="rId4" r:cs="rId5"/>
+          </a:graphicData>
+        </a:graphic>
+      </p:graphicFrame>
+    </p:spTree>
+    <p:extLst>
+      <p:ext uri="{BB962C8B-B14F-4D97-AF65-F5344CB8AC3E}">
+        <p14:creationId xmlns:p14="http://schemas.microsoft.com/office/powerpoint/2010/main" val="1379427912"/>
       </p:ext>
     </p:extLst>
   </p:cSld>
